--- a/results/109911_TestReport.pptx
+++ b/results/109911_TestReport.pptx
@@ -3495,14 +3495,14 @@
             </a:br>
             <a:br>
               <a:rPr lang="en-US" altLang="zh-TW" sz="2400" dirty="0">
-                <a:latin typeface="微軟正黑體" panose="020B0604030504040204" pitchFamily="34" charset="-120"/>
-                <a:ea typeface="微軟正黑體" panose="020B0604030504040204" pitchFamily="34" charset="-120"/>
+                <a:latin typeface="微軟正黑體" pitchFamily="34" charset="-120"/>
+                <a:ea typeface="微軟正黑體" pitchFamily="34" charset="-120"/>
               </a:rPr>
             </a:br>
             <a:br>
               <a:rPr lang="en-US" altLang="zh-TW" sz="2400" dirty="0">
-                <a:latin typeface="微軟正黑體" panose="020B0604030504040204" pitchFamily="34" charset="-120"/>
-                <a:ea typeface="微軟正黑體" panose="020B0604030504040204" pitchFamily="34" charset="-120"/>
+                <a:latin typeface="微軟正黑體" pitchFamily="34" charset="-120"/>
+                <a:ea typeface="微軟正黑體" pitchFamily="34" charset="-120"/>
               </a:rPr>
             </a:br>
             <a:r>

--- a/results/109911_TestReport.pptx
+++ b/results/109911_TestReport.pptx
@@ -5,14 +5,27 @@
     <p:sldMasterId id="2147483648" r:id="rId1"/>
   </p:sldMasterIdLst>
   <p:notesMasterIdLst>
-    <p:notesMasterId r:id="rId7"/>
+    <p:notesMasterId r:id="rId20"/>
   </p:notesMasterIdLst>
   <p:sldIdLst>
     <p:sldId id="257" r:id="rId2"/>
     <p:sldId id="258" r:id="rId3"/>
-    <p:sldId id="259" r:id="rId4"/>
-    <p:sldId id="264" r:id="rId5"/>
-    <p:sldId id="263" r:id="rId6"/>
+    <p:sldId id="265" r:id="rId4"/>
+    <p:sldId id="267" r:id="rId5"/>
+    <p:sldId id="266" r:id="rId6"/>
+    <p:sldId id="268" r:id="rId7"/>
+    <p:sldId id="271" r:id="rId8"/>
+    <p:sldId id="270" r:id="rId9"/>
+    <p:sldId id="272" r:id="rId10"/>
+    <p:sldId id="274" r:id="rId11"/>
+    <p:sldId id="275" r:id="rId12"/>
+    <p:sldId id="276" r:id="rId13"/>
+    <p:sldId id="259" r:id="rId14"/>
+    <p:sldId id="277" r:id="rId15"/>
+    <p:sldId id="278" r:id="rId16"/>
+    <p:sldId id="264" r:id="rId17"/>
+    <p:sldId id="280" r:id="rId18"/>
+    <p:sldId id="279" r:id="rId19"/>
   </p:sldIdLst>
   <p:sldSz cx="12192000" cy="6858000"/>
   <p:notesSz cx="6858000" cy="9144000"/>
@@ -201,7 +214,7 @@
           <a:p>
             <a:fld id="{AC2B442B-8B36-4B50-95F8-CF9FA083DCD7}" type="datetimeFigureOut">
               <a:rPr lang="zh-TW" altLang="en-US" smtClean="0"/>
-              <a:t>2020/7/28</a:t>
+              <a:t>2020/8/17</a:t>
             </a:fld>
             <a:endParaRPr lang="zh-TW" altLang="en-US"/>
           </a:p>
@@ -681,7 +694,7 @@
           <a:p>
             <a:fld id="{861F5BB7-829D-4425-8036-3A3B13B935CA}" type="datetime1">
               <a:rPr lang="zh-TW" altLang="en-US" smtClean="0"/>
-              <a:t>2020/7/28</a:t>
+              <a:t>2020/8/17</a:t>
             </a:fld>
             <a:endParaRPr lang="zh-TW" altLang="en-US"/>
           </a:p>
@@ -849,7 +862,7 @@
           <a:p>
             <a:fld id="{EECBD5FA-454E-4F17-9E73-5D2696952D27}" type="datetime1">
               <a:rPr lang="zh-TW" altLang="en-US" smtClean="0"/>
-              <a:t>2020/7/28</a:t>
+              <a:t>2020/8/17</a:t>
             </a:fld>
             <a:endParaRPr lang="zh-TW" altLang="en-US"/>
           </a:p>
@@ -1027,7 +1040,7 @@
           <a:p>
             <a:fld id="{02E59D06-2520-4BCE-A61E-ACC178638E40}" type="datetime1">
               <a:rPr lang="zh-TW" altLang="en-US" smtClean="0"/>
-              <a:t>2020/7/28</a:t>
+              <a:t>2020/8/17</a:t>
             </a:fld>
             <a:endParaRPr lang="zh-TW" altLang="en-US"/>
           </a:p>
@@ -1256,7 +1269,7 @@
           <a:p>
             <a:fld id="{CEE76362-2EFF-4CD2-A816-F3AA5AF4C3C2}" type="datetime1">
               <a:rPr lang="zh-TW" altLang="en-US" smtClean="0"/>
-              <a:t>2020/7/28</a:t>
+              <a:t>2020/8/17</a:t>
             </a:fld>
             <a:endParaRPr lang="zh-TW" altLang="en-US"/>
           </a:p>
@@ -1501,7 +1514,7 @@
           <a:p>
             <a:fld id="{6A638C86-4B55-4FE0-B580-D723B0F157CA}" type="datetime1">
               <a:rPr lang="zh-TW" altLang="en-US" smtClean="0"/>
-              <a:t>2020/7/28</a:t>
+              <a:t>2020/8/17</a:t>
             </a:fld>
             <a:endParaRPr lang="zh-TW" altLang="en-US"/>
           </a:p>
@@ -1730,7 +1743,7 @@
           <a:p>
             <a:fld id="{AE17FDF2-5182-4DEA-B352-D3243A6E4171}" type="datetime1">
               <a:rPr lang="zh-TW" altLang="en-US" smtClean="0"/>
-              <a:t>2020/7/28</a:t>
+              <a:t>2020/8/17</a:t>
             </a:fld>
             <a:endParaRPr lang="zh-TW" altLang="en-US"/>
           </a:p>
@@ -2094,7 +2107,7 @@
           <a:p>
             <a:fld id="{FE4E088D-1222-43E5-A0CF-6ADA314F26D2}" type="datetime1">
               <a:rPr lang="zh-TW" altLang="en-US" smtClean="0"/>
-              <a:t>2020/7/28</a:t>
+              <a:t>2020/8/17</a:t>
             </a:fld>
             <a:endParaRPr lang="zh-TW" altLang="en-US"/>
           </a:p>
@@ -2211,7 +2224,7 @@
           <a:p>
             <a:fld id="{7489A077-A964-4EA8-B1CF-04C2BE3CCF4B}" type="datetime1">
               <a:rPr lang="zh-TW" altLang="en-US" smtClean="0"/>
-              <a:t>2020/7/28</a:t>
+              <a:t>2020/8/17</a:t>
             </a:fld>
             <a:endParaRPr lang="zh-TW" altLang="en-US"/>
           </a:p>
@@ -2306,7 +2319,7 @@
           <a:p>
             <a:fld id="{F8CD2FE1-18F9-4B22-9C86-F4C67BF4C17B}" type="datetime1">
               <a:rPr lang="zh-TW" altLang="en-US" smtClean="0"/>
-              <a:t>2020/7/28</a:t>
+              <a:t>2020/8/17</a:t>
             </a:fld>
             <a:endParaRPr lang="zh-TW" altLang="en-US"/>
           </a:p>
@@ -2581,7 +2594,7 @@
           <a:p>
             <a:fld id="{211BE4C9-0B9A-407B-9C75-927B8382FD89}" type="datetime1">
               <a:rPr lang="zh-TW" altLang="en-US" smtClean="0"/>
-              <a:t>2020/7/28</a:t>
+              <a:t>2020/8/17</a:t>
             </a:fld>
             <a:endParaRPr lang="zh-TW" altLang="en-US"/>
           </a:p>
@@ -2833,7 +2846,7 @@
           <a:p>
             <a:fld id="{A522B42B-24A8-48C2-9DCC-E8DE98F9E355}" type="datetime1">
               <a:rPr lang="zh-TW" altLang="en-US" smtClean="0"/>
-              <a:t>2020/7/28</a:t>
+              <a:t>2020/8/17</a:t>
             </a:fld>
             <a:endParaRPr lang="zh-TW" altLang="en-US"/>
           </a:p>
@@ -3044,7 +3057,7 @@
           <a:p>
             <a:fld id="{8314E249-842B-4F4C-BC18-470095B6566F}" type="datetime1">
               <a:rPr lang="zh-TW" altLang="en-US" smtClean="0"/>
-              <a:t>2020/7/28</a:t>
+              <a:t>2020/8/17</a:t>
             </a:fld>
             <a:endParaRPr lang="zh-TW" altLang="en-US"/>
           </a:p>
@@ -3759,9 +3772,17 @@
 </p:sld>
 </file>
 
-<file path=ppt/slides/slide2.xml><?xml version="1.0" encoding="utf-8"?>
+<file path=ppt/slides/slide10.xml><?xml version="1.0" encoding="utf-8"?>
 <p:sld xmlns:a="http://schemas.openxmlformats.org/drawingml/2006/main" xmlns:r="http://schemas.openxmlformats.org/officeDocument/2006/relationships" xmlns:p="http://schemas.openxmlformats.org/presentationml/2006/main">
   <p:cSld>
+    <p:bg>
+      <p:bgPr>
+        <a:solidFill>
+          <a:schemeClr val="bg1"/>
+        </a:solidFill>
+        <a:effectLst/>
+      </p:bgPr>
+    </p:bg>
     <p:spTree>
       <p:nvGrpSpPr>
         <p:cNvPr id="1" name=""/>
@@ -3776,6 +3797,1995 @@
           <a:chExt cx="0" cy="0"/>
         </a:xfrm>
       </p:grpSpPr>
+      <p:sp useBgFill="1">
+        <p:nvSpPr>
+          <p:cNvPr id="9" name="Rectangle 8">
+            <a:extLst>
+              <a:ext uri="{FF2B5EF4-FFF2-40B4-BE49-F238E27FC236}">
+                <a16:creationId xmlns:a16="http://schemas.microsoft.com/office/drawing/2014/main" id="{1BB867FF-FC45-48F7-8104-F89BE54909F1}"/>
+              </a:ext>
+              <a:ext uri="{C183D7F6-B498-43B3-948B-1728B52AA6E4}">
+                <adec:decorative xmlns:adec="http://schemas.microsoft.com/office/drawing/2017/decorative" val="1"/>
+              </a:ext>
+            </a:extLst>
+          </p:cNvPr>
+          <p:cNvSpPr>
+            <a:spLocks noGrp="1" noRot="1" noChangeAspect="1" noMove="1" noResize="1" noEditPoints="1" noAdjustHandles="1" noChangeArrowheads="1" noChangeShapeType="1" noTextEdit="1"/>
+          </p:cNvSpPr>
+          <p:nvPr>
+            <p:extLst>
+              <p:ext uri="{386F3935-93C4-4BCD-93E2-E3B085C9AB24}">
+                <p16:designElem xmlns:p16="http://schemas.microsoft.com/office/powerpoint/2015/main" val="1"/>
+              </p:ext>
+            </p:extLst>
+          </p:nvPr>
+        </p:nvSpPr>
+        <p:spPr>
+          <a:xfrm>
+            <a:off x="3048" y="0"/>
+            <a:ext cx="12188952" cy="6858000"/>
+          </a:xfrm>
+          <a:prstGeom prst="rect">
+            <a:avLst/>
+          </a:prstGeom>
+          <a:ln>
+            <a:noFill/>
+          </a:ln>
+        </p:spPr>
+        <p:style>
+          <a:lnRef idx="2">
+            <a:schemeClr val="accent1">
+              <a:shade val="50000"/>
+            </a:schemeClr>
+          </a:lnRef>
+          <a:fillRef idx="1">
+            <a:schemeClr val="accent1"/>
+          </a:fillRef>
+          <a:effectRef idx="0">
+            <a:schemeClr val="accent1"/>
+          </a:effectRef>
+          <a:fontRef idx="minor">
+            <a:schemeClr val="lt1"/>
+          </a:fontRef>
+        </p:style>
+        <p:txBody>
+          <a:bodyPr rtlCol="0" anchor="ctr"/>
+          <a:lstStyle/>
+          <a:p>
+            <a:pPr algn="ctr"/>
+            <a:endParaRPr lang="en-US"/>
+          </a:p>
+        </p:txBody>
+      </p:sp>
+      <p:sp>
+        <p:nvSpPr>
+          <p:cNvPr id="11" name="Freeform: Shape 10">
+            <a:extLst>
+              <a:ext uri="{FF2B5EF4-FFF2-40B4-BE49-F238E27FC236}">
+                <a16:creationId xmlns:a16="http://schemas.microsoft.com/office/drawing/2014/main" id="{8BB56887-D0D5-4F0C-9E19-7247EB83C8B7}"/>
+              </a:ext>
+              <a:ext uri="{C183D7F6-B498-43B3-948B-1728B52AA6E4}">
+                <adec:decorative xmlns:adec="http://schemas.microsoft.com/office/drawing/2017/decorative" val="1"/>
+              </a:ext>
+            </a:extLst>
+          </p:cNvPr>
+          <p:cNvSpPr>
+            <a:spLocks noGrp="1" noRot="1" noChangeAspect="1" noMove="1" noResize="1" noEditPoints="1" noAdjustHandles="1" noChangeArrowheads="1" noChangeShapeType="1" noTextEdit="1"/>
+          </p:cNvSpPr>
+          <p:nvPr>
+            <p:extLst>
+              <p:ext uri="{386F3935-93C4-4BCD-93E2-E3B085C9AB24}">
+                <p16:designElem xmlns:p16="http://schemas.microsoft.com/office/powerpoint/2015/main" val="1"/>
+              </p:ext>
+            </p:extLst>
+          </p:nvPr>
+        </p:nvSpPr>
+        <p:spPr>
+          <a:xfrm>
+            <a:off x="10208695" y="1"/>
+            <a:ext cx="1135066" cy="477997"/>
+          </a:xfrm>
+          <a:custGeom>
+            <a:avLst/>
+            <a:gdLst>
+              <a:gd name="connsiteX0" fmla="*/ 0 w 1135066"/>
+              <a:gd name="connsiteY0" fmla="*/ 0 h 477997"/>
+              <a:gd name="connsiteX1" fmla="*/ 1135066 w 1135066"/>
+              <a:gd name="connsiteY1" fmla="*/ 0 h 477997"/>
+              <a:gd name="connsiteX2" fmla="*/ 1133370 w 1135066"/>
+              <a:gd name="connsiteY2" fmla="*/ 16827 h 477997"/>
+              <a:gd name="connsiteX3" fmla="*/ 567533 w 1135066"/>
+              <a:gd name="connsiteY3" fmla="*/ 477997 h 477997"/>
+              <a:gd name="connsiteX4" fmla="*/ 1696 w 1135066"/>
+              <a:gd name="connsiteY4" fmla="*/ 16827 h 477997"/>
+            </a:gdLst>
+            <a:ahLst/>
+            <a:cxnLst>
+              <a:cxn ang="0">
+                <a:pos x="connsiteX0" y="connsiteY0"/>
+              </a:cxn>
+              <a:cxn ang="0">
+                <a:pos x="connsiteX1" y="connsiteY1"/>
+              </a:cxn>
+              <a:cxn ang="0">
+                <a:pos x="connsiteX2" y="connsiteY2"/>
+              </a:cxn>
+              <a:cxn ang="0">
+                <a:pos x="connsiteX3" y="connsiteY3"/>
+              </a:cxn>
+              <a:cxn ang="0">
+                <a:pos x="connsiteX4" y="connsiteY4"/>
+              </a:cxn>
+            </a:cxnLst>
+            <a:rect l="l" t="t" r="r" b="b"/>
+            <a:pathLst>
+              <a:path w="1135066" h="477997">
+                <a:moveTo>
+                  <a:pt x="0" y="0"/>
+                </a:moveTo>
+                <a:lnTo>
+                  <a:pt x="1135066" y="0"/>
+                </a:lnTo>
+                <a:lnTo>
+                  <a:pt x="1133370" y="16827"/>
+                </a:lnTo>
+                <a:cubicBezTo>
+                  <a:pt x="1079514" y="280016"/>
+                  <a:pt x="846644" y="477997"/>
+                  <a:pt x="567533" y="477997"/>
+                </a:cubicBezTo>
+                <a:cubicBezTo>
+                  <a:pt x="288422" y="477997"/>
+                  <a:pt x="55552" y="280016"/>
+                  <a:pt x="1696" y="16827"/>
+                </a:cubicBezTo>
+                <a:close/>
+              </a:path>
+            </a:pathLst>
+          </a:custGeom>
+          <a:solidFill>
+            <a:schemeClr val="accent4"/>
+          </a:solidFill>
+          <a:ln>
+            <a:noFill/>
+          </a:ln>
+        </p:spPr>
+        <p:style>
+          <a:lnRef idx="2">
+            <a:schemeClr val="accent1">
+              <a:shade val="50000"/>
+            </a:schemeClr>
+          </a:lnRef>
+          <a:fillRef idx="1">
+            <a:schemeClr val="accent1"/>
+          </a:fillRef>
+          <a:effectRef idx="0">
+            <a:schemeClr val="accent1"/>
+          </a:effectRef>
+          <a:fontRef idx="minor">
+            <a:schemeClr val="lt1"/>
+          </a:fontRef>
+        </p:style>
+        <p:txBody>
+          <a:bodyPr wrap="square" rtlCol="0" anchor="ctr">
+            <a:noAutofit/>
+          </a:bodyPr>
+          <a:lstStyle/>
+          <a:p>
+            <a:pPr algn="ctr"/>
+            <a:endParaRPr lang="en-US"/>
+          </a:p>
+        </p:txBody>
+      </p:sp>
+      <p:sp>
+        <p:nvSpPr>
+          <p:cNvPr id="2" name="標題 1">
+            <a:extLst>
+              <a:ext uri="{FF2B5EF4-FFF2-40B4-BE49-F238E27FC236}">
+                <a16:creationId xmlns:a16="http://schemas.microsoft.com/office/drawing/2014/main" id="{2B26951E-5864-904D-AF5F-74463F92448D}"/>
+              </a:ext>
+            </a:extLst>
+          </p:cNvPr>
+          <p:cNvSpPr>
+            <a:spLocks noGrp="1"/>
+          </p:cNvSpPr>
+          <p:nvPr>
+            <p:ph type="title"/>
+          </p:nvPr>
+        </p:nvSpPr>
+        <p:spPr>
+          <a:xfrm>
+            <a:off x="838200" y="365125"/>
+            <a:ext cx="10515600" cy="1325563"/>
+          </a:xfrm>
+        </p:spPr>
+        <p:txBody>
+          <a:bodyPr>
+            <a:normAutofit/>
+          </a:bodyPr>
+          <a:lstStyle/>
+          <a:p>
+            <a:r>
+              <a:rPr kumimoji="1" lang="en-US" altLang="zh-TW" dirty="0"/>
+              <a:t>Input_A1_020</a:t>
+            </a:r>
+            <a:r>
+              <a:rPr kumimoji="1" lang="zh-TW" altLang="en-US" dirty="0"/>
+              <a:t>的特徵工程</a:t>
+            </a:r>
+          </a:p>
+        </p:txBody>
+      </p:sp>
+      <p:sp>
+        <p:nvSpPr>
+          <p:cNvPr id="13" name="Arc 12">
+            <a:extLst>
+              <a:ext uri="{FF2B5EF4-FFF2-40B4-BE49-F238E27FC236}">
+                <a16:creationId xmlns:a16="http://schemas.microsoft.com/office/drawing/2014/main" id="{081E4A58-353D-44AE-B2FC-2A74E2E400F7}"/>
+              </a:ext>
+              <a:ext uri="{C183D7F6-B498-43B3-948B-1728B52AA6E4}">
+                <adec:decorative xmlns:adec="http://schemas.microsoft.com/office/drawing/2017/decorative" val="1"/>
+              </a:ext>
+            </a:extLst>
+          </p:cNvPr>
+          <p:cNvSpPr>
+            <a:spLocks noGrp="1" noRot="1" noChangeAspect="1" noMove="1" noResize="1" noEditPoints="1" noAdjustHandles="1" noChangeArrowheads="1" noChangeShapeType="1" noTextEdit="1"/>
+          </p:cNvSpPr>
+          <p:nvPr>
+            <p:extLst>
+              <p:ext uri="{386F3935-93C4-4BCD-93E2-E3B085C9AB24}">
+                <p16:designElem xmlns:p16="http://schemas.microsoft.com/office/powerpoint/2015/main" val="1"/>
+              </p:ext>
+            </p:extLst>
+          </p:nvPr>
+        </p:nvSpPr>
+        <p:spPr>
+          <a:xfrm rot="5400000" flipV="1">
+            <a:off x="555710" y="2183223"/>
+            <a:ext cx="4083433" cy="4083433"/>
+          </a:xfrm>
+          <a:prstGeom prst="arc">
+            <a:avLst/>
+          </a:prstGeom>
+          <a:ln w="127000" cap="rnd">
+            <a:solidFill>
+              <a:schemeClr val="accent4"/>
+            </a:solidFill>
+            <a:prstDash val="dash"/>
+          </a:ln>
+        </p:spPr>
+        <p:style>
+          <a:lnRef idx="1">
+            <a:schemeClr val="accent1"/>
+          </a:lnRef>
+          <a:fillRef idx="0">
+            <a:schemeClr val="accent1"/>
+          </a:fillRef>
+          <a:effectRef idx="0">
+            <a:schemeClr val="accent1"/>
+          </a:effectRef>
+          <a:fontRef idx="minor">
+            <a:schemeClr val="tx1"/>
+          </a:fontRef>
+        </p:style>
+        <p:txBody>
+          <a:bodyPr rtlCol="0" anchor="ctr"/>
+          <a:lstStyle/>
+          <a:p>
+            <a:pPr algn="ctr"/>
+            <a:endParaRPr lang="en-US" dirty="0"/>
+          </a:p>
+        </p:txBody>
+      </p:sp>
+      <p:sp>
+        <p:nvSpPr>
+          <p:cNvPr id="3" name="內容版面配置區 2">
+            <a:extLst>
+              <a:ext uri="{FF2B5EF4-FFF2-40B4-BE49-F238E27FC236}">
+                <a16:creationId xmlns:a16="http://schemas.microsoft.com/office/drawing/2014/main" id="{23759068-FB10-AF49-8CD8-B0EE3602E4CC}"/>
+              </a:ext>
+            </a:extLst>
+          </p:cNvPr>
+          <p:cNvSpPr>
+            <a:spLocks noGrp="1"/>
+          </p:cNvSpPr>
+          <p:nvPr>
+            <p:ph idx="1"/>
+          </p:nvPr>
+        </p:nvSpPr>
+        <p:spPr>
+          <a:xfrm>
+            <a:off x="838200" y="1825625"/>
+            <a:ext cx="5257800" cy="4351338"/>
+          </a:xfrm>
+        </p:spPr>
+        <p:txBody>
+          <a:bodyPr>
+            <a:normAutofit/>
+          </a:bodyPr>
+          <a:lstStyle/>
+          <a:p>
+            <a:r>
+              <a:rPr kumimoji="1" lang="zh-TW" altLang="en-US" dirty="0"/>
+              <a:t>在殘差圖中，我們發現</a:t>
+            </a:r>
+            <a:r>
+              <a:rPr kumimoji="1" lang="en-US" altLang="zh-TW" dirty="0">
+                <a:solidFill>
+                  <a:srgbClr val="FF0000"/>
+                </a:solidFill>
+              </a:rPr>
+              <a:t>Input_A1_020</a:t>
+            </a:r>
+            <a:r>
+              <a:rPr kumimoji="1" lang="zh-TW" altLang="en-US" dirty="0"/>
+              <a:t>明顯預測的比其他目標變數差。</a:t>
+            </a:r>
+            <a:endParaRPr kumimoji="1" lang="en-US" altLang="zh-TW" dirty="0"/>
+          </a:p>
+          <a:p>
+            <a:r>
+              <a:rPr kumimoji="1" lang="zh-TW" altLang="en-US" dirty="0"/>
+              <a:t>更進一步的我們發現</a:t>
+            </a:r>
+            <a:r>
+              <a:rPr kumimoji="1" lang="en-US" altLang="zh-TW" dirty="0">
+                <a:solidFill>
+                  <a:srgbClr val="FF0000"/>
+                </a:solidFill>
+              </a:rPr>
+              <a:t>A2~A6</a:t>
+            </a:r>
+            <a:r>
+              <a:rPr kumimoji="1" lang="zh-TW" altLang="en-US" dirty="0">
+                <a:solidFill>
+                  <a:srgbClr val="FF0000"/>
+                </a:solidFill>
+              </a:rPr>
+              <a:t>的</a:t>
+            </a:r>
+            <a:r>
+              <a:rPr kumimoji="1" lang="en-US" altLang="zh-TW" dirty="0">
+                <a:solidFill>
+                  <a:srgbClr val="FF0000"/>
+                </a:solidFill>
+              </a:rPr>
+              <a:t>020</a:t>
+            </a:r>
+            <a:r>
+              <a:rPr kumimoji="1" lang="zh-TW" altLang="en-US" dirty="0">
+                <a:solidFill>
+                  <a:srgbClr val="FF0000"/>
+                </a:solidFill>
+              </a:rPr>
+              <a:t>變數與</a:t>
+            </a:r>
+            <a:r>
+              <a:rPr kumimoji="1" lang="en-US" altLang="zh-TW" dirty="0">
+                <a:solidFill>
+                  <a:srgbClr val="FF0000"/>
+                </a:solidFill>
+              </a:rPr>
+              <a:t>A1</a:t>
+            </a:r>
+            <a:r>
+              <a:rPr kumimoji="1" lang="zh-TW" altLang="en-US" dirty="0">
+                <a:solidFill>
+                  <a:srgbClr val="FF0000"/>
+                </a:solidFill>
+              </a:rPr>
+              <a:t>相關性相對較高</a:t>
+            </a:r>
+            <a:r>
+              <a:rPr kumimoji="1" lang="en-US" altLang="zh-TW" dirty="0"/>
+              <a:t>(</a:t>
+            </a:r>
+            <a:r>
+              <a:rPr kumimoji="1" lang="zh-TW" altLang="en-US" dirty="0"/>
+              <a:t>從右下相關係數矩陣得知</a:t>
+            </a:r>
+            <a:r>
+              <a:rPr kumimoji="1" lang="en-US" altLang="zh-TW" dirty="0"/>
+              <a:t>) </a:t>
+            </a:r>
+            <a:r>
+              <a:rPr kumimoji="1" lang="zh-TW" altLang="en-US" dirty="0"/>
+              <a:t>，於是我們利用了</a:t>
+            </a:r>
+            <a:r>
+              <a:rPr kumimoji="1" lang="en-US" altLang="zh-TW" dirty="0"/>
+              <a:t>A2~A6</a:t>
+            </a:r>
+            <a:r>
+              <a:rPr kumimoji="1" lang="zh-TW" altLang="en-US" dirty="0"/>
+              <a:t>的</a:t>
+            </a:r>
+            <a:r>
+              <a:rPr kumimoji="1" lang="en-US" altLang="zh-TW" dirty="0"/>
+              <a:t>020</a:t>
+            </a:r>
+            <a:r>
+              <a:rPr kumimoji="1" lang="zh-TW" altLang="en-US" dirty="0"/>
+              <a:t>變數做了一些統計量來當作特徵</a:t>
+            </a:r>
+            <a:r>
+              <a:rPr kumimoji="1" lang="en-US" altLang="zh-TW" dirty="0"/>
+              <a:t>(min, max, std, mean)</a:t>
+            </a:r>
+            <a:r>
+              <a:rPr kumimoji="1" lang="zh-TW" altLang="en-US" dirty="0"/>
+              <a:t>。</a:t>
+            </a:r>
+          </a:p>
+          <a:p>
+            <a:endParaRPr kumimoji="1" lang="zh-TW" altLang="en-US" dirty="0"/>
+          </a:p>
+        </p:txBody>
+      </p:sp>
+      <p:sp>
+        <p:nvSpPr>
+          <p:cNvPr id="4" name="投影片編號版面配置區 3">
+            <a:extLst>
+              <a:ext uri="{FF2B5EF4-FFF2-40B4-BE49-F238E27FC236}">
+                <a16:creationId xmlns:a16="http://schemas.microsoft.com/office/drawing/2014/main" id="{3739A4A5-4FB7-4540-B633-514BA2CA2175}"/>
+              </a:ext>
+            </a:extLst>
+          </p:cNvPr>
+          <p:cNvSpPr>
+            <a:spLocks noGrp="1"/>
+          </p:cNvSpPr>
+          <p:nvPr>
+            <p:ph type="sldNum" sz="quarter" idx="12"/>
+          </p:nvPr>
+        </p:nvSpPr>
+        <p:spPr>
+          <a:xfrm>
+            <a:off x="8610600" y="6356350"/>
+            <a:ext cx="2743200" cy="365125"/>
+          </a:xfrm>
+        </p:spPr>
+        <p:txBody>
+          <a:bodyPr>
+            <a:normAutofit/>
+          </a:bodyPr>
+          <a:lstStyle/>
+          <a:p>
+            <a:pPr>
+              <a:spcAft>
+                <a:spcPts val="600"/>
+              </a:spcAft>
+            </a:pPr>
+            <a:fld id="{B386CFD2-0AD6-4F60-A1EA-3E4A485A23ED}" type="slidenum">
+              <a:rPr lang="zh-TW" altLang="en-US" smtClean="0"/>
+              <a:pPr>
+                <a:spcAft>
+                  <a:spcPts val="600"/>
+                </a:spcAft>
+              </a:pPr>
+              <a:t>10</a:t>
+            </a:fld>
+            <a:endParaRPr lang="zh-TW" altLang="en-US"/>
+          </a:p>
+        </p:txBody>
+      </p:sp>
+      <p:pic>
+        <p:nvPicPr>
+          <p:cNvPr id="8" name="圖片 7" descr="一張含有 船 的圖片&#10;&#10;自動產生的描述">
+            <a:extLst>
+              <a:ext uri="{FF2B5EF4-FFF2-40B4-BE49-F238E27FC236}">
+                <a16:creationId xmlns:a16="http://schemas.microsoft.com/office/drawing/2014/main" id="{4A30DDAD-5607-124A-A49D-FD03D113ECDD}"/>
+              </a:ext>
+            </a:extLst>
+          </p:cNvPr>
+          <p:cNvPicPr>
+            <a:picLocks noChangeAspect="1"/>
+          </p:cNvPicPr>
+          <p:nvPr/>
+        </p:nvPicPr>
+        <p:blipFill>
+          <a:blip r:embed="rId2">
+            <a:extLst>
+              <a:ext uri="{28A0092B-C50C-407E-A947-70E740481C1C}">
+                <a14:useLocalDpi xmlns:a14="http://schemas.microsoft.com/office/drawing/2010/main" val="0"/>
+              </a:ext>
+            </a:extLst>
+          </a:blip>
+          <a:stretch>
+            <a:fillRect/>
+          </a:stretch>
+        </p:blipFill>
+        <p:spPr>
+          <a:xfrm>
+            <a:off x="6214716" y="974093"/>
+            <a:ext cx="5588565" cy="2719074"/>
+          </a:xfrm>
+          <a:prstGeom prst="rect">
+            <a:avLst/>
+          </a:prstGeom>
+        </p:spPr>
+      </p:pic>
+      <p:pic>
+        <p:nvPicPr>
+          <p:cNvPr id="10" name="圖片 9" descr="一張含有 畫畫 的圖片&#10;&#10;自動產生的描述">
+            <a:extLst>
+              <a:ext uri="{FF2B5EF4-FFF2-40B4-BE49-F238E27FC236}">
+                <a16:creationId xmlns:a16="http://schemas.microsoft.com/office/drawing/2014/main" id="{A5F3143E-4A35-7743-8B44-D3CEA49471D0}"/>
+              </a:ext>
+            </a:extLst>
+          </p:cNvPr>
+          <p:cNvPicPr>
+            <a:picLocks noChangeAspect="1"/>
+          </p:cNvPicPr>
+          <p:nvPr/>
+        </p:nvPicPr>
+        <p:blipFill>
+          <a:blip r:embed="rId3">
+            <a:extLst>
+              <a:ext uri="{28A0092B-C50C-407E-A947-70E740481C1C}">
+                <a14:useLocalDpi xmlns:a14="http://schemas.microsoft.com/office/drawing/2010/main" val="0"/>
+              </a:ext>
+            </a:extLst>
+          </a:blip>
+          <a:stretch>
+            <a:fillRect/>
+          </a:stretch>
+        </p:blipFill>
+        <p:spPr>
+          <a:xfrm>
+            <a:off x="7356094" y="3934635"/>
+            <a:ext cx="3305810" cy="2612785"/>
+          </a:xfrm>
+          <a:prstGeom prst="rect">
+            <a:avLst/>
+          </a:prstGeom>
+        </p:spPr>
+      </p:pic>
+    </p:spTree>
+    <p:extLst>
+      <p:ext uri="{BB962C8B-B14F-4D97-AF65-F5344CB8AC3E}">
+        <p14:creationId xmlns:p14="http://schemas.microsoft.com/office/powerpoint/2010/main" val="297925717"/>
+      </p:ext>
+    </p:extLst>
+  </p:cSld>
+  <p:clrMapOvr>
+    <a:masterClrMapping/>
+  </p:clrMapOvr>
+</p:sld>
+</file>
+
+<file path=ppt/slides/slide11.xml><?xml version="1.0" encoding="utf-8"?>
+<p:sld xmlns:a="http://schemas.openxmlformats.org/drawingml/2006/main" xmlns:r="http://schemas.openxmlformats.org/officeDocument/2006/relationships" xmlns:p="http://schemas.openxmlformats.org/presentationml/2006/main">
+  <p:cSld>
+    <p:bg>
+      <p:bgPr>
+        <a:solidFill>
+          <a:schemeClr val="bg1"/>
+        </a:solidFill>
+        <a:effectLst/>
+      </p:bgPr>
+    </p:bg>
+    <p:spTree>
+      <p:nvGrpSpPr>
+        <p:cNvPr id="1" name=""/>
+        <p:cNvGrpSpPr/>
+        <p:nvPr/>
+      </p:nvGrpSpPr>
+      <p:grpSpPr>
+        <a:xfrm>
+          <a:off x="0" y="0"/>
+          <a:ext cx="0" cy="0"/>
+          <a:chOff x="0" y="0"/>
+          <a:chExt cx="0" cy="0"/>
+        </a:xfrm>
+      </p:grpSpPr>
+      <p:sp useBgFill="1">
+        <p:nvSpPr>
+          <p:cNvPr id="9" name="Rectangle 8">
+            <a:extLst>
+              <a:ext uri="{FF2B5EF4-FFF2-40B4-BE49-F238E27FC236}">
+                <a16:creationId xmlns:a16="http://schemas.microsoft.com/office/drawing/2014/main" id="{1BB867FF-FC45-48F7-8104-F89BE54909F1}"/>
+              </a:ext>
+              <a:ext uri="{C183D7F6-B498-43B3-948B-1728B52AA6E4}">
+                <adec:decorative xmlns:adec="http://schemas.microsoft.com/office/drawing/2017/decorative" val="1"/>
+              </a:ext>
+            </a:extLst>
+          </p:cNvPr>
+          <p:cNvSpPr>
+            <a:spLocks noGrp="1" noRot="1" noChangeAspect="1" noMove="1" noResize="1" noEditPoints="1" noAdjustHandles="1" noChangeArrowheads="1" noChangeShapeType="1" noTextEdit="1"/>
+          </p:cNvSpPr>
+          <p:nvPr>
+            <p:extLst>
+              <p:ext uri="{386F3935-93C4-4BCD-93E2-E3B085C9AB24}">
+                <p16:designElem xmlns:p16="http://schemas.microsoft.com/office/powerpoint/2015/main" val="1"/>
+              </p:ext>
+            </p:extLst>
+          </p:nvPr>
+        </p:nvSpPr>
+        <p:spPr>
+          <a:xfrm>
+            <a:off x="3048" y="0"/>
+            <a:ext cx="12188952" cy="6858000"/>
+          </a:xfrm>
+          <a:prstGeom prst="rect">
+            <a:avLst/>
+          </a:prstGeom>
+          <a:ln>
+            <a:noFill/>
+          </a:ln>
+        </p:spPr>
+        <p:style>
+          <a:lnRef idx="2">
+            <a:schemeClr val="accent1">
+              <a:shade val="50000"/>
+            </a:schemeClr>
+          </a:lnRef>
+          <a:fillRef idx="1">
+            <a:schemeClr val="accent1"/>
+          </a:fillRef>
+          <a:effectRef idx="0">
+            <a:schemeClr val="accent1"/>
+          </a:effectRef>
+          <a:fontRef idx="minor">
+            <a:schemeClr val="lt1"/>
+          </a:fontRef>
+        </p:style>
+        <p:txBody>
+          <a:bodyPr rtlCol="0" anchor="ctr"/>
+          <a:lstStyle/>
+          <a:p>
+            <a:pPr algn="ctr"/>
+            <a:endParaRPr lang="en-US"/>
+          </a:p>
+        </p:txBody>
+      </p:sp>
+      <p:sp>
+        <p:nvSpPr>
+          <p:cNvPr id="11" name="Freeform: Shape 10">
+            <a:extLst>
+              <a:ext uri="{FF2B5EF4-FFF2-40B4-BE49-F238E27FC236}">
+                <a16:creationId xmlns:a16="http://schemas.microsoft.com/office/drawing/2014/main" id="{8BB56887-D0D5-4F0C-9E19-7247EB83C8B7}"/>
+              </a:ext>
+              <a:ext uri="{C183D7F6-B498-43B3-948B-1728B52AA6E4}">
+                <adec:decorative xmlns:adec="http://schemas.microsoft.com/office/drawing/2017/decorative" val="1"/>
+              </a:ext>
+            </a:extLst>
+          </p:cNvPr>
+          <p:cNvSpPr>
+            <a:spLocks noGrp="1" noRot="1" noChangeAspect="1" noMove="1" noResize="1" noEditPoints="1" noAdjustHandles="1" noChangeArrowheads="1" noChangeShapeType="1" noTextEdit="1"/>
+          </p:cNvSpPr>
+          <p:nvPr>
+            <p:extLst>
+              <p:ext uri="{386F3935-93C4-4BCD-93E2-E3B085C9AB24}">
+                <p16:designElem xmlns:p16="http://schemas.microsoft.com/office/powerpoint/2015/main" val="1"/>
+              </p:ext>
+            </p:extLst>
+          </p:nvPr>
+        </p:nvSpPr>
+        <p:spPr>
+          <a:xfrm>
+            <a:off x="10208695" y="1"/>
+            <a:ext cx="1135066" cy="477997"/>
+          </a:xfrm>
+          <a:custGeom>
+            <a:avLst/>
+            <a:gdLst>
+              <a:gd name="connsiteX0" fmla="*/ 0 w 1135066"/>
+              <a:gd name="connsiteY0" fmla="*/ 0 h 477997"/>
+              <a:gd name="connsiteX1" fmla="*/ 1135066 w 1135066"/>
+              <a:gd name="connsiteY1" fmla="*/ 0 h 477997"/>
+              <a:gd name="connsiteX2" fmla="*/ 1133370 w 1135066"/>
+              <a:gd name="connsiteY2" fmla="*/ 16827 h 477997"/>
+              <a:gd name="connsiteX3" fmla="*/ 567533 w 1135066"/>
+              <a:gd name="connsiteY3" fmla="*/ 477997 h 477997"/>
+              <a:gd name="connsiteX4" fmla="*/ 1696 w 1135066"/>
+              <a:gd name="connsiteY4" fmla="*/ 16827 h 477997"/>
+            </a:gdLst>
+            <a:ahLst/>
+            <a:cxnLst>
+              <a:cxn ang="0">
+                <a:pos x="connsiteX0" y="connsiteY0"/>
+              </a:cxn>
+              <a:cxn ang="0">
+                <a:pos x="connsiteX1" y="connsiteY1"/>
+              </a:cxn>
+              <a:cxn ang="0">
+                <a:pos x="connsiteX2" y="connsiteY2"/>
+              </a:cxn>
+              <a:cxn ang="0">
+                <a:pos x="connsiteX3" y="connsiteY3"/>
+              </a:cxn>
+              <a:cxn ang="0">
+                <a:pos x="connsiteX4" y="connsiteY4"/>
+              </a:cxn>
+            </a:cxnLst>
+            <a:rect l="l" t="t" r="r" b="b"/>
+            <a:pathLst>
+              <a:path w="1135066" h="477997">
+                <a:moveTo>
+                  <a:pt x="0" y="0"/>
+                </a:moveTo>
+                <a:lnTo>
+                  <a:pt x="1135066" y="0"/>
+                </a:lnTo>
+                <a:lnTo>
+                  <a:pt x="1133370" y="16827"/>
+                </a:lnTo>
+                <a:cubicBezTo>
+                  <a:pt x="1079514" y="280016"/>
+                  <a:pt x="846644" y="477997"/>
+                  <a:pt x="567533" y="477997"/>
+                </a:cubicBezTo>
+                <a:cubicBezTo>
+                  <a:pt x="288422" y="477997"/>
+                  <a:pt x="55552" y="280016"/>
+                  <a:pt x="1696" y="16827"/>
+                </a:cubicBezTo>
+                <a:close/>
+              </a:path>
+            </a:pathLst>
+          </a:custGeom>
+          <a:solidFill>
+            <a:schemeClr val="accent4"/>
+          </a:solidFill>
+          <a:ln>
+            <a:noFill/>
+          </a:ln>
+        </p:spPr>
+        <p:style>
+          <a:lnRef idx="2">
+            <a:schemeClr val="accent1">
+              <a:shade val="50000"/>
+            </a:schemeClr>
+          </a:lnRef>
+          <a:fillRef idx="1">
+            <a:schemeClr val="accent1"/>
+          </a:fillRef>
+          <a:effectRef idx="0">
+            <a:schemeClr val="accent1"/>
+          </a:effectRef>
+          <a:fontRef idx="minor">
+            <a:schemeClr val="lt1"/>
+          </a:fontRef>
+        </p:style>
+        <p:txBody>
+          <a:bodyPr wrap="square" rtlCol="0" anchor="ctr">
+            <a:noAutofit/>
+          </a:bodyPr>
+          <a:lstStyle/>
+          <a:p>
+            <a:pPr algn="ctr"/>
+            <a:endParaRPr lang="en-US"/>
+          </a:p>
+        </p:txBody>
+      </p:sp>
+      <p:sp>
+        <p:nvSpPr>
+          <p:cNvPr id="2" name="標題 1">
+            <a:extLst>
+              <a:ext uri="{FF2B5EF4-FFF2-40B4-BE49-F238E27FC236}">
+                <a16:creationId xmlns:a16="http://schemas.microsoft.com/office/drawing/2014/main" id="{96FBA3E9-DBFE-DC49-AA1E-3B96F1E86F84}"/>
+              </a:ext>
+            </a:extLst>
+          </p:cNvPr>
+          <p:cNvSpPr>
+            <a:spLocks noGrp="1"/>
+          </p:cNvSpPr>
+          <p:nvPr>
+            <p:ph type="title"/>
+          </p:nvPr>
+        </p:nvSpPr>
+        <p:spPr>
+          <a:xfrm>
+            <a:off x="838200" y="365125"/>
+            <a:ext cx="10515600" cy="1325563"/>
+          </a:xfrm>
+        </p:spPr>
+        <p:txBody>
+          <a:bodyPr>
+            <a:normAutofit/>
+          </a:bodyPr>
+          <a:lstStyle/>
+          <a:p>
+            <a:r>
+              <a:rPr kumimoji="1" lang="zh-TW" altLang="en-US" dirty="0"/>
+              <a:t>極端值偵測</a:t>
+            </a:r>
+          </a:p>
+        </p:txBody>
+      </p:sp>
+      <p:sp>
+        <p:nvSpPr>
+          <p:cNvPr id="13" name="Arc 12">
+            <a:extLst>
+              <a:ext uri="{FF2B5EF4-FFF2-40B4-BE49-F238E27FC236}">
+                <a16:creationId xmlns:a16="http://schemas.microsoft.com/office/drawing/2014/main" id="{081E4A58-353D-44AE-B2FC-2A74E2E400F7}"/>
+              </a:ext>
+              <a:ext uri="{C183D7F6-B498-43B3-948B-1728B52AA6E4}">
+                <adec:decorative xmlns:adec="http://schemas.microsoft.com/office/drawing/2017/decorative" val="1"/>
+              </a:ext>
+            </a:extLst>
+          </p:cNvPr>
+          <p:cNvSpPr>
+            <a:spLocks noGrp="1" noRot="1" noChangeAspect="1" noMove="1" noResize="1" noEditPoints="1" noAdjustHandles="1" noChangeArrowheads="1" noChangeShapeType="1" noTextEdit="1"/>
+          </p:cNvSpPr>
+          <p:nvPr>
+            <p:extLst>
+              <p:ext uri="{386F3935-93C4-4BCD-93E2-E3B085C9AB24}">
+                <p16:designElem xmlns:p16="http://schemas.microsoft.com/office/powerpoint/2015/main" val="1"/>
+              </p:ext>
+            </p:extLst>
+          </p:nvPr>
+        </p:nvSpPr>
+        <p:spPr>
+          <a:xfrm rot="5400000" flipV="1">
+            <a:off x="555710" y="2183223"/>
+            <a:ext cx="4083433" cy="4083433"/>
+          </a:xfrm>
+          <a:prstGeom prst="arc">
+            <a:avLst/>
+          </a:prstGeom>
+          <a:ln w="127000" cap="rnd">
+            <a:solidFill>
+              <a:schemeClr val="accent4"/>
+            </a:solidFill>
+            <a:prstDash val="dash"/>
+          </a:ln>
+        </p:spPr>
+        <p:style>
+          <a:lnRef idx="1">
+            <a:schemeClr val="accent1"/>
+          </a:lnRef>
+          <a:fillRef idx="0">
+            <a:schemeClr val="accent1"/>
+          </a:fillRef>
+          <a:effectRef idx="0">
+            <a:schemeClr val="accent1"/>
+          </a:effectRef>
+          <a:fontRef idx="minor">
+            <a:schemeClr val="tx1"/>
+          </a:fontRef>
+        </p:style>
+        <p:txBody>
+          <a:bodyPr rtlCol="0" anchor="ctr"/>
+          <a:lstStyle/>
+          <a:p>
+            <a:pPr algn="ctr"/>
+            <a:endParaRPr lang="en-US" dirty="0"/>
+          </a:p>
+        </p:txBody>
+      </p:sp>
+      <p:sp>
+        <p:nvSpPr>
+          <p:cNvPr id="3" name="內容版面配置區 2">
+            <a:extLst>
+              <a:ext uri="{FF2B5EF4-FFF2-40B4-BE49-F238E27FC236}">
+                <a16:creationId xmlns:a16="http://schemas.microsoft.com/office/drawing/2014/main" id="{A10CBD48-CC00-F740-8B09-EE6B7DE53845}"/>
+              </a:ext>
+            </a:extLst>
+          </p:cNvPr>
+          <p:cNvSpPr>
+            <a:spLocks noGrp="1"/>
+          </p:cNvSpPr>
+          <p:nvPr>
+            <p:ph idx="1"/>
+          </p:nvPr>
+        </p:nvSpPr>
+        <p:spPr>
+          <a:xfrm>
+            <a:off x="838200" y="1825625"/>
+            <a:ext cx="5257800" cy="4351338"/>
+          </a:xfrm>
+        </p:spPr>
+        <p:txBody>
+          <a:bodyPr>
+            <a:normAutofit/>
+          </a:bodyPr>
+          <a:lstStyle/>
+          <a:p>
+            <a:r>
+              <a:rPr kumimoji="1" lang="zh-TW" altLang="en-US" dirty="0"/>
+              <a:t>我們發現到資料的</a:t>
+            </a:r>
+            <a:r>
+              <a:rPr kumimoji="1" lang="en-US" altLang="zh-TW" dirty="0"/>
+              <a:t>outlier</a:t>
+            </a:r>
+            <a:r>
+              <a:rPr kumimoji="1" lang="zh-TW" altLang="en-US" dirty="0"/>
+              <a:t>會影響到我們的預測結果。</a:t>
+            </a:r>
+            <a:endParaRPr kumimoji="1" lang="en-US" altLang="zh-TW" dirty="0"/>
+          </a:p>
+          <a:p>
+            <a:r>
+              <a:rPr kumimoji="1" lang="zh-TW" altLang="en-US" dirty="0"/>
+              <a:t>偵測極端值的方法為</a:t>
+            </a:r>
+            <a:r>
+              <a:rPr kumimoji="1" lang="en-US" altLang="zh-TW" dirty="0">
+                <a:solidFill>
+                  <a:srgbClr val="FF0000"/>
+                </a:solidFill>
+              </a:rPr>
+              <a:t>Isolation forest</a:t>
+            </a:r>
+            <a:r>
+              <a:rPr kumimoji="1" lang="zh-TW" altLang="en-US" dirty="0"/>
+              <a:t>。</a:t>
+            </a:r>
+            <a:endParaRPr kumimoji="1" lang="en-US" altLang="zh-TW" dirty="0"/>
+          </a:p>
+          <a:p>
+            <a:r>
+              <a:rPr kumimoji="1" lang="zh-TW" altLang="en-US" dirty="0"/>
+              <a:t>右圖，我們拿了目標變數的前十個繪製散佈圖，並以顏色區分模型預測的極端值</a:t>
+            </a:r>
+            <a:r>
+              <a:rPr kumimoji="1" lang="en-US" altLang="zh-TW" dirty="0"/>
+              <a:t>(</a:t>
+            </a:r>
+            <a:r>
+              <a:rPr kumimoji="1" lang="zh-TW" altLang="en-US" dirty="0"/>
+              <a:t>深色為極端值</a:t>
+            </a:r>
+            <a:r>
+              <a:rPr kumimoji="1" lang="en-US" altLang="zh-TW" dirty="0"/>
+              <a:t>)</a:t>
+            </a:r>
+            <a:r>
+              <a:rPr kumimoji="1" lang="zh-TW" altLang="en-US" dirty="0"/>
+              <a:t>。</a:t>
+            </a:r>
+          </a:p>
+        </p:txBody>
+      </p:sp>
+      <p:sp>
+        <p:nvSpPr>
+          <p:cNvPr id="4" name="投影片編號版面配置區 3">
+            <a:extLst>
+              <a:ext uri="{FF2B5EF4-FFF2-40B4-BE49-F238E27FC236}">
+                <a16:creationId xmlns:a16="http://schemas.microsoft.com/office/drawing/2014/main" id="{5215FE9B-ADFA-A24B-9D15-C95C41C8F9B0}"/>
+              </a:ext>
+            </a:extLst>
+          </p:cNvPr>
+          <p:cNvSpPr>
+            <a:spLocks noGrp="1"/>
+          </p:cNvSpPr>
+          <p:nvPr>
+            <p:ph type="sldNum" sz="quarter" idx="12"/>
+          </p:nvPr>
+        </p:nvSpPr>
+        <p:spPr>
+          <a:xfrm>
+            <a:off x="8610600" y="6356350"/>
+            <a:ext cx="2743200" cy="365125"/>
+          </a:xfrm>
+        </p:spPr>
+        <p:txBody>
+          <a:bodyPr>
+            <a:normAutofit/>
+          </a:bodyPr>
+          <a:lstStyle/>
+          <a:p>
+            <a:pPr>
+              <a:spcAft>
+                <a:spcPts val="600"/>
+              </a:spcAft>
+            </a:pPr>
+            <a:fld id="{B386CFD2-0AD6-4F60-A1EA-3E4A485A23ED}" type="slidenum">
+              <a:rPr lang="zh-TW" altLang="en-US" smtClean="0"/>
+              <a:pPr>
+                <a:spcAft>
+                  <a:spcPts val="600"/>
+                </a:spcAft>
+              </a:pPr>
+              <a:t>11</a:t>
+            </a:fld>
+            <a:endParaRPr lang="zh-TW" altLang="en-US"/>
+          </a:p>
+        </p:txBody>
+      </p:sp>
+      <p:pic>
+        <p:nvPicPr>
+          <p:cNvPr id="8" name="圖片 7">
+            <a:extLst>
+              <a:ext uri="{FF2B5EF4-FFF2-40B4-BE49-F238E27FC236}">
+                <a16:creationId xmlns:a16="http://schemas.microsoft.com/office/drawing/2014/main" id="{94863C1F-8957-F74A-850A-2CCADE9168BD}"/>
+              </a:ext>
+            </a:extLst>
+          </p:cNvPr>
+          <p:cNvPicPr>
+            <a:picLocks noChangeAspect="1"/>
+          </p:cNvPicPr>
+          <p:nvPr/>
+        </p:nvPicPr>
+        <p:blipFill>
+          <a:blip r:embed="rId2">
+            <a:extLst>
+              <a:ext uri="{28A0092B-C50C-407E-A947-70E740481C1C}">
+                <a14:useLocalDpi xmlns:a14="http://schemas.microsoft.com/office/drawing/2010/main" val="0"/>
+              </a:ext>
+            </a:extLst>
+          </a:blip>
+          <a:stretch>
+            <a:fillRect/>
+          </a:stretch>
+        </p:blipFill>
+        <p:spPr>
+          <a:xfrm>
+            <a:off x="6096000" y="1959006"/>
+            <a:ext cx="5912742" cy="3038984"/>
+          </a:xfrm>
+          <a:prstGeom prst="rect">
+            <a:avLst/>
+          </a:prstGeom>
+        </p:spPr>
+      </p:pic>
+    </p:spTree>
+    <p:extLst>
+      <p:ext uri="{BB962C8B-B14F-4D97-AF65-F5344CB8AC3E}">
+        <p14:creationId xmlns:p14="http://schemas.microsoft.com/office/powerpoint/2010/main" val="1983007989"/>
+      </p:ext>
+    </p:extLst>
+  </p:cSld>
+  <p:clrMapOvr>
+    <a:masterClrMapping/>
+  </p:clrMapOvr>
+</p:sld>
+</file>
+
+<file path=ppt/slides/slide12.xml><?xml version="1.0" encoding="utf-8"?>
+<p:sld xmlns:a="http://schemas.openxmlformats.org/drawingml/2006/main" xmlns:r="http://schemas.openxmlformats.org/officeDocument/2006/relationships" xmlns:p="http://schemas.openxmlformats.org/presentationml/2006/main">
+  <p:cSld>
+    <p:bg>
+      <p:bgPr>
+        <a:solidFill>
+          <a:schemeClr val="bg1"/>
+        </a:solidFill>
+        <a:effectLst/>
+      </p:bgPr>
+    </p:bg>
+    <p:spTree>
+      <p:nvGrpSpPr>
+        <p:cNvPr id="1" name=""/>
+        <p:cNvGrpSpPr/>
+        <p:nvPr/>
+      </p:nvGrpSpPr>
+      <p:grpSpPr>
+        <a:xfrm>
+          <a:off x="0" y="0"/>
+          <a:ext cx="0" cy="0"/>
+          <a:chOff x="0" y="0"/>
+          <a:chExt cx="0" cy="0"/>
+        </a:xfrm>
+      </p:grpSpPr>
+      <p:sp useBgFill="1">
+        <p:nvSpPr>
+          <p:cNvPr id="9" name="Rectangle 8">
+            <a:extLst>
+              <a:ext uri="{FF2B5EF4-FFF2-40B4-BE49-F238E27FC236}">
+                <a16:creationId xmlns:a16="http://schemas.microsoft.com/office/drawing/2014/main" id="{1BB867FF-FC45-48F7-8104-F89BE54909F1}"/>
+              </a:ext>
+              <a:ext uri="{C183D7F6-B498-43B3-948B-1728B52AA6E4}">
+                <adec:decorative xmlns:adec="http://schemas.microsoft.com/office/drawing/2017/decorative" val="1"/>
+              </a:ext>
+            </a:extLst>
+          </p:cNvPr>
+          <p:cNvSpPr>
+            <a:spLocks noGrp="1" noRot="1" noChangeAspect="1" noMove="1" noResize="1" noEditPoints="1" noAdjustHandles="1" noChangeArrowheads="1" noChangeShapeType="1" noTextEdit="1"/>
+          </p:cNvSpPr>
+          <p:nvPr>
+            <p:extLst>
+              <p:ext uri="{386F3935-93C4-4BCD-93E2-E3B085C9AB24}">
+                <p16:designElem xmlns:p16="http://schemas.microsoft.com/office/powerpoint/2015/main" val="1"/>
+              </p:ext>
+            </p:extLst>
+          </p:nvPr>
+        </p:nvSpPr>
+        <p:spPr>
+          <a:xfrm>
+            <a:off x="3048" y="0"/>
+            <a:ext cx="12188952" cy="6858000"/>
+          </a:xfrm>
+          <a:prstGeom prst="rect">
+            <a:avLst/>
+          </a:prstGeom>
+          <a:ln>
+            <a:noFill/>
+          </a:ln>
+        </p:spPr>
+        <p:style>
+          <a:lnRef idx="2">
+            <a:schemeClr val="accent1">
+              <a:shade val="50000"/>
+            </a:schemeClr>
+          </a:lnRef>
+          <a:fillRef idx="1">
+            <a:schemeClr val="accent1"/>
+          </a:fillRef>
+          <a:effectRef idx="0">
+            <a:schemeClr val="accent1"/>
+          </a:effectRef>
+          <a:fontRef idx="minor">
+            <a:schemeClr val="lt1"/>
+          </a:fontRef>
+        </p:style>
+        <p:txBody>
+          <a:bodyPr rtlCol="0" anchor="ctr"/>
+          <a:lstStyle/>
+          <a:p>
+            <a:pPr algn="ctr"/>
+            <a:endParaRPr lang="en-US"/>
+          </a:p>
+        </p:txBody>
+      </p:sp>
+      <p:sp>
+        <p:nvSpPr>
+          <p:cNvPr id="11" name="Freeform: Shape 10">
+            <a:extLst>
+              <a:ext uri="{FF2B5EF4-FFF2-40B4-BE49-F238E27FC236}">
+                <a16:creationId xmlns:a16="http://schemas.microsoft.com/office/drawing/2014/main" id="{8BB56887-D0D5-4F0C-9E19-7247EB83C8B7}"/>
+              </a:ext>
+              <a:ext uri="{C183D7F6-B498-43B3-948B-1728B52AA6E4}">
+                <adec:decorative xmlns:adec="http://schemas.microsoft.com/office/drawing/2017/decorative" val="1"/>
+              </a:ext>
+            </a:extLst>
+          </p:cNvPr>
+          <p:cNvSpPr>
+            <a:spLocks noGrp="1" noRot="1" noChangeAspect="1" noMove="1" noResize="1" noEditPoints="1" noAdjustHandles="1" noChangeArrowheads="1" noChangeShapeType="1" noTextEdit="1"/>
+          </p:cNvSpPr>
+          <p:nvPr>
+            <p:extLst>
+              <p:ext uri="{386F3935-93C4-4BCD-93E2-E3B085C9AB24}">
+                <p16:designElem xmlns:p16="http://schemas.microsoft.com/office/powerpoint/2015/main" val="1"/>
+              </p:ext>
+            </p:extLst>
+          </p:nvPr>
+        </p:nvSpPr>
+        <p:spPr>
+          <a:xfrm>
+            <a:off x="10208695" y="1"/>
+            <a:ext cx="1135066" cy="477997"/>
+          </a:xfrm>
+          <a:custGeom>
+            <a:avLst/>
+            <a:gdLst>
+              <a:gd name="connsiteX0" fmla="*/ 0 w 1135066"/>
+              <a:gd name="connsiteY0" fmla="*/ 0 h 477997"/>
+              <a:gd name="connsiteX1" fmla="*/ 1135066 w 1135066"/>
+              <a:gd name="connsiteY1" fmla="*/ 0 h 477997"/>
+              <a:gd name="connsiteX2" fmla="*/ 1133370 w 1135066"/>
+              <a:gd name="connsiteY2" fmla="*/ 16827 h 477997"/>
+              <a:gd name="connsiteX3" fmla="*/ 567533 w 1135066"/>
+              <a:gd name="connsiteY3" fmla="*/ 477997 h 477997"/>
+              <a:gd name="connsiteX4" fmla="*/ 1696 w 1135066"/>
+              <a:gd name="connsiteY4" fmla="*/ 16827 h 477997"/>
+            </a:gdLst>
+            <a:ahLst/>
+            <a:cxnLst>
+              <a:cxn ang="0">
+                <a:pos x="connsiteX0" y="connsiteY0"/>
+              </a:cxn>
+              <a:cxn ang="0">
+                <a:pos x="connsiteX1" y="connsiteY1"/>
+              </a:cxn>
+              <a:cxn ang="0">
+                <a:pos x="connsiteX2" y="connsiteY2"/>
+              </a:cxn>
+              <a:cxn ang="0">
+                <a:pos x="connsiteX3" y="connsiteY3"/>
+              </a:cxn>
+              <a:cxn ang="0">
+                <a:pos x="connsiteX4" y="connsiteY4"/>
+              </a:cxn>
+            </a:cxnLst>
+            <a:rect l="l" t="t" r="r" b="b"/>
+            <a:pathLst>
+              <a:path w="1135066" h="477997">
+                <a:moveTo>
+                  <a:pt x="0" y="0"/>
+                </a:moveTo>
+                <a:lnTo>
+                  <a:pt x="1135066" y="0"/>
+                </a:lnTo>
+                <a:lnTo>
+                  <a:pt x="1133370" y="16827"/>
+                </a:lnTo>
+                <a:cubicBezTo>
+                  <a:pt x="1079514" y="280016"/>
+                  <a:pt x="846644" y="477997"/>
+                  <a:pt x="567533" y="477997"/>
+                </a:cubicBezTo>
+                <a:cubicBezTo>
+                  <a:pt x="288422" y="477997"/>
+                  <a:pt x="55552" y="280016"/>
+                  <a:pt x="1696" y="16827"/>
+                </a:cubicBezTo>
+                <a:close/>
+              </a:path>
+            </a:pathLst>
+          </a:custGeom>
+          <a:solidFill>
+            <a:schemeClr val="accent4"/>
+          </a:solidFill>
+          <a:ln>
+            <a:noFill/>
+          </a:ln>
+        </p:spPr>
+        <p:style>
+          <a:lnRef idx="2">
+            <a:schemeClr val="accent1">
+              <a:shade val="50000"/>
+            </a:schemeClr>
+          </a:lnRef>
+          <a:fillRef idx="1">
+            <a:schemeClr val="accent1"/>
+          </a:fillRef>
+          <a:effectRef idx="0">
+            <a:schemeClr val="accent1"/>
+          </a:effectRef>
+          <a:fontRef idx="minor">
+            <a:schemeClr val="lt1"/>
+          </a:fontRef>
+        </p:style>
+        <p:txBody>
+          <a:bodyPr wrap="square" rtlCol="0" anchor="ctr">
+            <a:noAutofit/>
+          </a:bodyPr>
+          <a:lstStyle/>
+          <a:p>
+            <a:pPr algn="ctr"/>
+            <a:endParaRPr lang="en-US"/>
+          </a:p>
+        </p:txBody>
+      </p:sp>
+      <p:sp>
+        <p:nvSpPr>
+          <p:cNvPr id="2" name="標題 1">
+            <a:extLst>
+              <a:ext uri="{FF2B5EF4-FFF2-40B4-BE49-F238E27FC236}">
+                <a16:creationId xmlns:a16="http://schemas.microsoft.com/office/drawing/2014/main" id="{B67F5E18-3D7E-C441-B030-3E757AF110C2}"/>
+              </a:ext>
+            </a:extLst>
+          </p:cNvPr>
+          <p:cNvSpPr>
+            <a:spLocks noGrp="1"/>
+          </p:cNvSpPr>
+          <p:nvPr>
+            <p:ph type="title"/>
+          </p:nvPr>
+        </p:nvSpPr>
+        <p:spPr>
+          <a:xfrm>
+            <a:off x="838200" y="365125"/>
+            <a:ext cx="10515600" cy="1325563"/>
+          </a:xfrm>
+        </p:spPr>
+        <p:txBody>
+          <a:bodyPr>
+            <a:normAutofit/>
+          </a:bodyPr>
+          <a:lstStyle/>
+          <a:p>
+            <a:r>
+              <a:rPr kumimoji="1" lang="zh-TW" altLang="en-US"/>
+              <a:t>資料分群</a:t>
+            </a:r>
+            <a:endParaRPr kumimoji="1" lang="zh-TW" altLang="en-US" dirty="0"/>
+          </a:p>
+        </p:txBody>
+      </p:sp>
+      <p:sp>
+        <p:nvSpPr>
+          <p:cNvPr id="13" name="Arc 12">
+            <a:extLst>
+              <a:ext uri="{FF2B5EF4-FFF2-40B4-BE49-F238E27FC236}">
+                <a16:creationId xmlns:a16="http://schemas.microsoft.com/office/drawing/2014/main" id="{081E4A58-353D-44AE-B2FC-2A74E2E400F7}"/>
+              </a:ext>
+              <a:ext uri="{C183D7F6-B498-43B3-948B-1728B52AA6E4}">
+                <adec:decorative xmlns:adec="http://schemas.microsoft.com/office/drawing/2017/decorative" val="1"/>
+              </a:ext>
+            </a:extLst>
+          </p:cNvPr>
+          <p:cNvSpPr>
+            <a:spLocks noGrp="1" noRot="1" noChangeAspect="1" noMove="1" noResize="1" noEditPoints="1" noAdjustHandles="1" noChangeArrowheads="1" noChangeShapeType="1" noTextEdit="1"/>
+          </p:cNvSpPr>
+          <p:nvPr>
+            <p:extLst>
+              <p:ext uri="{386F3935-93C4-4BCD-93E2-E3B085C9AB24}">
+                <p16:designElem xmlns:p16="http://schemas.microsoft.com/office/powerpoint/2015/main" val="1"/>
+              </p:ext>
+            </p:extLst>
+          </p:nvPr>
+        </p:nvSpPr>
+        <p:spPr>
+          <a:xfrm rot="5400000" flipV="1">
+            <a:off x="555710" y="2183223"/>
+            <a:ext cx="4083433" cy="4083433"/>
+          </a:xfrm>
+          <a:prstGeom prst="arc">
+            <a:avLst/>
+          </a:prstGeom>
+          <a:ln w="127000" cap="rnd">
+            <a:solidFill>
+              <a:schemeClr val="accent4"/>
+            </a:solidFill>
+            <a:prstDash val="dash"/>
+          </a:ln>
+        </p:spPr>
+        <p:style>
+          <a:lnRef idx="1">
+            <a:schemeClr val="accent1"/>
+          </a:lnRef>
+          <a:fillRef idx="0">
+            <a:schemeClr val="accent1"/>
+          </a:fillRef>
+          <a:effectRef idx="0">
+            <a:schemeClr val="accent1"/>
+          </a:effectRef>
+          <a:fontRef idx="minor">
+            <a:schemeClr val="tx1"/>
+          </a:fontRef>
+        </p:style>
+        <p:txBody>
+          <a:bodyPr rtlCol="0" anchor="ctr"/>
+          <a:lstStyle/>
+          <a:p>
+            <a:pPr algn="ctr"/>
+            <a:endParaRPr lang="en-US" dirty="0"/>
+          </a:p>
+        </p:txBody>
+      </p:sp>
+      <p:sp>
+        <p:nvSpPr>
+          <p:cNvPr id="3" name="內容版面配置區 2">
+            <a:extLst>
+              <a:ext uri="{FF2B5EF4-FFF2-40B4-BE49-F238E27FC236}">
+                <a16:creationId xmlns:a16="http://schemas.microsoft.com/office/drawing/2014/main" id="{72D111AE-35FC-BD47-A434-981B2BF4EC6D}"/>
+              </a:ext>
+            </a:extLst>
+          </p:cNvPr>
+          <p:cNvSpPr>
+            <a:spLocks noGrp="1"/>
+          </p:cNvSpPr>
+          <p:nvPr>
+            <p:ph idx="1"/>
+          </p:nvPr>
+        </p:nvSpPr>
+        <p:spPr>
+          <a:xfrm>
+            <a:off x="838200" y="1825625"/>
+            <a:ext cx="5257800" cy="4351338"/>
+          </a:xfrm>
+        </p:spPr>
+        <p:txBody>
+          <a:bodyPr>
+            <a:normAutofit/>
+          </a:bodyPr>
+          <a:lstStyle/>
+          <a:p>
+            <a:r>
+              <a:rPr kumimoji="1" lang="zh-TW" altLang="en-US" dirty="0"/>
+              <a:t>我們也發現，將資料分群以後也能增進模型的準確度。</a:t>
+            </a:r>
+            <a:endParaRPr kumimoji="1" lang="en-US" altLang="zh-TW" dirty="0"/>
+          </a:p>
+          <a:p>
+            <a:r>
+              <a:rPr kumimoji="1" lang="zh-TW" altLang="en-US" dirty="0"/>
+              <a:t>右圖為取前十個特徵繪製的散佈圖，並以不同顏色代表不同的群集。</a:t>
+            </a:r>
+          </a:p>
+        </p:txBody>
+      </p:sp>
+      <p:sp>
+        <p:nvSpPr>
+          <p:cNvPr id="4" name="投影片編號版面配置區 3">
+            <a:extLst>
+              <a:ext uri="{FF2B5EF4-FFF2-40B4-BE49-F238E27FC236}">
+                <a16:creationId xmlns:a16="http://schemas.microsoft.com/office/drawing/2014/main" id="{9D1B40BC-FE32-A14E-8BB6-605874ECB21E}"/>
+              </a:ext>
+            </a:extLst>
+          </p:cNvPr>
+          <p:cNvSpPr>
+            <a:spLocks noGrp="1"/>
+          </p:cNvSpPr>
+          <p:nvPr>
+            <p:ph type="sldNum" sz="quarter" idx="12"/>
+          </p:nvPr>
+        </p:nvSpPr>
+        <p:spPr>
+          <a:xfrm>
+            <a:off x="8610600" y="6356350"/>
+            <a:ext cx="2743200" cy="365125"/>
+          </a:xfrm>
+        </p:spPr>
+        <p:txBody>
+          <a:bodyPr>
+            <a:normAutofit/>
+          </a:bodyPr>
+          <a:lstStyle/>
+          <a:p>
+            <a:pPr>
+              <a:spcAft>
+                <a:spcPts val="600"/>
+              </a:spcAft>
+            </a:pPr>
+            <a:fld id="{B386CFD2-0AD6-4F60-A1EA-3E4A485A23ED}" type="slidenum">
+              <a:rPr lang="zh-TW" altLang="en-US" smtClean="0"/>
+              <a:pPr>
+                <a:spcAft>
+                  <a:spcPts val="600"/>
+                </a:spcAft>
+              </a:pPr>
+              <a:t>12</a:t>
+            </a:fld>
+            <a:endParaRPr lang="zh-TW" altLang="en-US"/>
+          </a:p>
+        </p:txBody>
+      </p:sp>
+      <p:pic>
+        <p:nvPicPr>
+          <p:cNvPr id="6" name="圖片 5">
+            <a:extLst>
+              <a:ext uri="{FF2B5EF4-FFF2-40B4-BE49-F238E27FC236}">
+                <a16:creationId xmlns:a16="http://schemas.microsoft.com/office/drawing/2014/main" id="{98C045F7-1129-B549-9839-857907A1B757}"/>
+              </a:ext>
+            </a:extLst>
+          </p:cNvPr>
+          <p:cNvPicPr>
+            <a:picLocks noChangeAspect="1"/>
+          </p:cNvPicPr>
+          <p:nvPr/>
+        </p:nvPicPr>
+        <p:blipFill>
+          <a:blip r:embed="rId2">
+            <a:extLst>
+              <a:ext uri="{28A0092B-C50C-407E-A947-70E740481C1C}">
+                <a14:useLocalDpi xmlns:a14="http://schemas.microsoft.com/office/drawing/2010/main" val="0"/>
+              </a:ext>
+            </a:extLst>
+          </a:blip>
+          <a:stretch>
+            <a:fillRect/>
+          </a:stretch>
+        </p:blipFill>
+        <p:spPr>
+          <a:xfrm>
+            <a:off x="6092952" y="1863893"/>
+            <a:ext cx="6096000" cy="3130214"/>
+          </a:xfrm>
+          <a:prstGeom prst="rect">
+            <a:avLst/>
+          </a:prstGeom>
+        </p:spPr>
+      </p:pic>
+    </p:spTree>
+    <p:extLst>
+      <p:ext uri="{BB962C8B-B14F-4D97-AF65-F5344CB8AC3E}">
+        <p14:creationId xmlns:p14="http://schemas.microsoft.com/office/powerpoint/2010/main" val="2495151889"/>
+      </p:ext>
+    </p:extLst>
+  </p:cSld>
+  <p:clrMapOvr>
+    <a:masterClrMapping/>
+  </p:clrMapOvr>
+</p:sld>
+</file>
+
+<file path=ppt/slides/slide13.xml><?xml version="1.0" encoding="utf-8"?>
+<p:sld xmlns:a="http://schemas.openxmlformats.org/drawingml/2006/main" xmlns:r="http://schemas.openxmlformats.org/officeDocument/2006/relationships" xmlns:p="http://schemas.openxmlformats.org/presentationml/2006/main">
+  <p:cSld>
+    <p:bg>
+      <p:bgPr>
+        <a:solidFill>
+          <a:schemeClr val="bg1"/>
+        </a:solidFill>
+        <a:effectLst/>
+      </p:bgPr>
+    </p:bg>
+    <p:spTree>
+      <p:nvGrpSpPr>
+        <p:cNvPr id="1" name=""/>
+        <p:cNvGrpSpPr/>
+        <p:nvPr/>
+      </p:nvGrpSpPr>
+      <p:grpSpPr>
+        <a:xfrm>
+          <a:off x="0" y="0"/>
+          <a:ext cx="0" cy="0"/>
+          <a:chOff x="0" y="0"/>
+          <a:chExt cx="0" cy="0"/>
+        </a:xfrm>
+      </p:grpSpPr>
+      <p:sp useBgFill="1">
+        <p:nvSpPr>
+          <p:cNvPr id="9" name="Rectangle 8">
+            <a:extLst>
+              <a:ext uri="{FF2B5EF4-FFF2-40B4-BE49-F238E27FC236}">
+                <a16:creationId xmlns:a16="http://schemas.microsoft.com/office/drawing/2014/main" id="{4E1BEB12-92AF-4445-98AD-4C7756E7C93B}"/>
+              </a:ext>
+              <a:ext uri="{C183D7F6-B498-43B3-948B-1728B52AA6E4}">
+                <adec:decorative xmlns:adec="http://schemas.microsoft.com/office/drawing/2017/decorative" val="1"/>
+              </a:ext>
+            </a:extLst>
+          </p:cNvPr>
+          <p:cNvSpPr>
+            <a:spLocks noGrp="1" noRot="1" noChangeAspect="1" noMove="1" noResize="1" noEditPoints="1" noAdjustHandles="1" noChangeArrowheads="1" noChangeShapeType="1" noTextEdit="1"/>
+          </p:cNvSpPr>
+          <p:nvPr>
+            <p:extLst>
+              <p:ext uri="{386F3935-93C4-4BCD-93E2-E3B085C9AB24}">
+                <p16:designElem xmlns:p16="http://schemas.microsoft.com/office/powerpoint/2015/main" val="1"/>
+              </p:ext>
+            </p:extLst>
+          </p:nvPr>
+        </p:nvSpPr>
+        <p:spPr>
+          <a:xfrm>
+            <a:off x="3048" y="0"/>
+            <a:ext cx="12188952" cy="6858000"/>
+          </a:xfrm>
+          <a:prstGeom prst="rect">
+            <a:avLst/>
+          </a:prstGeom>
+          <a:ln>
+            <a:noFill/>
+          </a:ln>
+        </p:spPr>
+        <p:style>
+          <a:lnRef idx="2">
+            <a:schemeClr val="accent1">
+              <a:shade val="50000"/>
+            </a:schemeClr>
+          </a:lnRef>
+          <a:fillRef idx="1">
+            <a:schemeClr val="accent1"/>
+          </a:fillRef>
+          <a:effectRef idx="0">
+            <a:schemeClr val="accent1"/>
+          </a:effectRef>
+          <a:fontRef idx="minor">
+            <a:schemeClr val="lt1"/>
+          </a:fontRef>
+        </p:style>
+        <p:txBody>
+          <a:bodyPr rtlCol="0" anchor="ctr"/>
+          <a:lstStyle/>
+          <a:p>
+            <a:pPr algn="ctr"/>
+            <a:endParaRPr lang="en-US"/>
+          </a:p>
+        </p:txBody>
+      </p:sp>
+      <p:sp>
+        <p:nvSpPr>
+          <p:cNvPr id="11" name="Rectangle 10">
+            <a:extLst>
+              <a:ext uri="{FF2B5EF4-FFF2-40B4-BE49-F238E27FC236}">
+                <a16:creationId xmlns:a16="http://schemas.microsoft.com/office/drawing/2014/main" id="{D0522C2C-7B5C-48A7-A969-03941E5D2E76}"/>
+              </a:ext>
+              <a:ext uri="{C183D7F6-B498-43B3-948B-1728B52AA6E4}">
+                <adec:decorative xmlns:adec="http://schemas.microsoft.com/office/drawing/2017/decorative" val="1"/>
+              </a:ext>
+            </a:extLst>
+          </p:cNvPr>
+          <p:cNvSpPr>
+            <a:spLocks noGrp="1" noRot="1" noChangeAspect="1" noMove="1" noResize="1" noEditPoints="1" noAdjustHandles="1" noChangeArrowheads="1" noChangeShapeType="1" noTextEdit="1"/>
+          </p:cNvSpPr>
+          <p:nvPr>
+            <p:extLst>
+              <p:ext uri="{386F3935-93C4-4BCD-93E2-E3B085C9AB24}">
+                <p16:designElem xmlns:p16="http://schemas.microsoft.com/office/powerpoint/2015/main" val="1"/>
+              </p:ext>
+            </p:extLst>
+          </p:nvPr>
+        </p:nvSpPr>
+        <p:spPr>
+          <a:xfrm>
+            <a:off x="0" y="0"/>
+            <a:ext cx="12192000" cy="6858000"/>
+          </a:xfrm>
+          <a:prstGeom prst="rect">
+            <a:avLst/>
+          </a:prstGeom>
+          <a:solidFill>
+            <a:schemeClr val="accent2"/>
+          </a:solidFill>
+          <a:ln>
+            <a:noFill/>
+          </a:ln>
+        </p:spPr>
+        <p:style>
+          <a:lnRef idx="2">
+            <a:schemeClr val="accent1">
+              <a:shade val="50000"/>
+            </a:schemeClr>
+          </a:lnRef>
+          <a:fillRef idx="1">
+            <a:schemeClr val="accent1"/>
+          </a:fillRef>
+          <a:effectRef idx="0">
+            <a:schemeClr val="accent1"/>
+          </a:effectRef>
+          <a:fontRef idx="minor">
+            <a:schemeClr val="lt1"/>
+          </a:fontRef>
+        </p:style>
+        <p:txBody>
+          <a:bodyPr rtlCol="0" anchor="ctr"/>
+          <a:lstStyle/>
+          <a:p>
+            <a:pPr algn="ctr"/>
+            <a:endParaRPr lang="en-US">
+              <a:solidFill>
+                <a:schemeClr val="tx1"/>
+              </a:solidFill>
+            </a:endParaRPr>
+          </a:p>
+        </p:txBody>
+      </p:sp>
+      <p:sp>
+        <p:nvSpPr>
+          <p:cNvPr id="13" name="Freeform 13">
+            <a:extLst>
+              <a:ext uri="{FF2B5EF4-FFF2-40B4-BE49-F238E27FC236}">
+                <a16:creationId xmlns:a16="http://schemas.microsoft.com/office/drawing/2014/main" id="{9C682A1A-5B2D-4111-BBD6-620165633E5B}"/>
+              </a:ext>
+              <a:ext uri="{C183D7F6-B498-43B3-948B-1728B52AA6E4}">
+                <adec:decorative xmlns:adec="http://schemas.microsoft.com/office/drawing/2017/decorative" val="1"/>
+              </a:ext>
+            </a:extLst>
+          </p:cNvPr>
+          <p:cNvSpPr>
+            <a:spLocks noGrp="1" noRot="1" noChangeAspect="1" noMove="1" noResize="1" noEditPoints="1" noAdjustHandles="1" noChangeArrowheads="1" noChangeShapeType="1" noTextEdit="1"/>
+          </p:cNvSpPr>
+          <p:nvPr>
+            <p:extLst>
+              <p:ext uri="{386F3935-93C4-4BCD-93E2-E3B085C9AB24}">
+                <p16:designElem xmlns:p16="http://schemas.microsoft.com/office/powerpoint/2015/main" val="1"/>
+              </p:ext>
+            </p:extLst>
+          </p:nvPr>
+        </p:nvSpPr>
+        <p:spPr>
+          <a:xfrm>
+            <a:off x="2769476" y="220196"/>
+            <a:ext cx="9422524" cy="6637806"/>
+          </a:xfrm>
+          <a:custGeom>
+            <a:avLst/>
+            <a:gdLst>
+              <a:gd name="connsiteX0" fmla="*/ 4929467 w 8191500"/>
+              <a:gd name="connsiteY0" fmla="*/ 0 h 5770597"/>
+              <a:gd name="connsiteX1" fmla="*/ 8065066 w 8191500"/>
+              <a:gd name="connsiteY1" fmla="*/ 1118513 h 5770597"/>
+              <a:gd name="connsiteX2" fmla="*/ 8191500 w 8191500"/>
+              <a:gd name="connsiteY2" fmla="*/ 1227339 h 5770597"/>
+              <a:gd name="connsiteX3" fmla="*/ 8191500 w 8191500"/>
+              <a:gd name="connsiteY3" fmla="*/ 5770597 h 5770597"/>
+              <a:gd name="connsiteX4" fmla="*/ 79523 w 8191500"/>
+              <a:gd name="connsiteY4" fmla="*/ 5770597 h 5770597"/>
+              <a:gd name="connsiteX5" fmla="*/ 56799 w 8191500"/>
+              <a:gd name="connsiteY5" fmla="*/ 5644158 h 5770597"/>
+              <a:gd name="connsiteX6" fmla="*/ 0 w 8191500"/>
+              <a:gd name="connsiteY6" fmla="*/ 4898209 h 5770597"/>
+              <a:gd name="connsiteX7" fmla="*/ 4929467 w 8191500"/>
+              <a:gd name="connsiteY7" fmla="*/ 0 h 5770597"/>
+            </a:gdLst>
+            <a:ahLst/>
+            <a:cxnLst>
+              <a:cxn ang="0">
+                <a:pos x="connsiteX0" y="connsiteY0"/>
+              </a:cxn>
+              <a:cxn ang="0">
+                <a:pos x="connsiteX1" y="connsiteY1"/>
+              </a:cxn>
+              <a:cxn ang="0">
+                <a:pos x="connsiteX2" y="connsiteY2"/>
+              </a:cxn>
+              <a:cxn ang="0">
+                <a:pos x="connsiteX3" y="connsiteY3"/>
+              </a:cxn>
+              <a:cxn ang="0">
+                <a:pos x="connsiteX4" y="connsiteY4"/>
+              </a:cxn>
+              <a:cxn ang="0">
+                <a:pos x="connsiteX5" y="connsiteY5"/>
+              </a:cxn>
+              <a:cxn ang="0">
+                <a:pos x="connsiteX6" y="connsiteY6"/>
+              </a:cxn>
+              <a:cxn ang="0">
+                <a:pos x="connsiteX7" y="connsiteY7"/>
+              </a:cxn>
+            </a:cxnLst>
+            <a:rect l="l" t="t" r="r" b="b"/>
+            <a:pathLst>
+              <a:path w="8191500" h="5770597">
+                <a:moveTo>
+                  <a:pt x="4929467" y="0"/>
+                </a:moveTo>
+                <a:cubicBezTo>
+                  <a:pt x="6120547" y="0"/>
+                  <a:pt x="7212963" y="419755"/>
+                  <a:pt x="8065066" y="1118513"/>
+                </a:cubicBezTo>
+                <a:lnTo>
+                  <a:pt x="8191500" y="1227339"/>
+                </a:lnTo>
+                <a:lnTo>
+                  <a:pt x="8191500" y="5770597"/>
+                </a:lnTo>
+                <a:lnTo>
+                  <a:pt x="79523" y="5770597"/>
+                </a:lnTo>
+                <a:lnTo>
+                  <a:pt x="56799" y="5644158"/>
+                </a:lnTo>
+                <a:cubicBezTo>
+                  <a:pt x="19398" y="5400934"/>
+                  <a:pt x="0" y="5151822"/>
+                  <a:pt x="0" y="4898209"/>
+                </a:cubicBezTo>
+                <a:cubicBezTo>
+                  <a:pt x="0" y="2193003"/>
+                  <a:pt x="2206998" y="0"/>
+                  <a:pt x="4929467" y="0"/>
+                </a:cubicBezTo>
+                <a:close/>
+              </a:path>
+            </a:pathLst>
+          </a:custGeom>
+          <a:solidFill>
+            <a:schemeClr val="bg1"/>
+          </a:solidFill>
+          <a:ln>
+            <a:noFill/>
+          </a:ln>
+        </p:spPr>
+        <p:style>
+          <a:lnRef idx="2">
+            <a:schemeClr val="accent1">
+              <a:shade val="50000"/>
+            </a:schemeClr>
+          </a:lnRef>
+          <a:fillRef idx="1">
+            <a:schemeClr val="accent1"/>
+          </a:fillRef>
+          <a:effectRef idx="0">
+            <a:schemeClr val="accent1"/>
+          </a:effectRef>
+          <a:fontRef idx="minor">
+            <a:schemeClr val="lt1"/>
+          </a:fontRef>
+        </p:style>
+        <p:txBody>
+          <a:bodyPr wrap="square" rtlCol="0" anchor="ctr">
+            <a:noAutofit/>
+          </a:bodyPr>
+          <a:lstStyle/>
+          <a:p>
+            <a:pPr marL="0" marR="0" lvl="0" indent="0" algn="ctr" defTabSz="914400" rtl="0" eaLnBrk="1" fontAlgn="auto" latinLnBrk="0" hangingPunct="1">
+              <a:lnSpc>
+                <a:spcPct val="100000"/>
+              </a:lnSpc>
+              <a:spcBef>
+                <a:spcPts val="0"/>
+              </a:spcBef>
+              <a:spcAft>
+                <a:spcPts val="0"/>
+              </a:spcAft>
+              <a:buClrTx/>
+              <a:buSzTx/>
+              <a:buFontTx/>
+              <a:buNone/>
+              <a:tabLst/>
+              <a:defRPr/>
+            </a:pPr>
+            <a:endParaRPr kumimoji="0" lang="en-US" sz="1800" b="0" i="0" u="none" strike="noStrike" kern="1200" cap="none" spc="0" normalizeH="0" baseline="0" noProof="0">
+              <a:ln>
+                <a:noFill/>
+              </a:ln>
+              <a:solidFill>
+                <a:srgbClr val="FFFFFF"/>
+              </a:solidFill>
+              <a:effectLst/>
+              <a:uLnTx/>
+              <a:uFillTx/>
+              <a:latin typeface="Calibri" panose="020F0502020204030204"/>
+              <a:ea typeface="+mn-ea"/>
+              <a:cs typeface="+mn-cs"/>
+            </a:endParaRPr>
+          </a:p>
+        </p:txBody>
+      </p:sp>
+      <p:sp>
+        <p:nvSpPr>
+          <p:cNvPr id="15" name="Oval 14">
+            <a:extLst>
+              <a:ext uri="{FF2B5EF4-FFF2-40B4-BE49-F238E27FC236}">
+                <a16:creationId xmlns:a16="http://schemas.microsoft.com/office/drawing/2014/main" id="{D6EE29F2-D77F-4BD0-A20B-334D316A1C9D}"/>
+              </a:ext>
+              <a:ext uri="{C183D7F6-B498-43B3-948B-1728B52AA6E4}">
+                <adec:decorative xmlns:adec="http://schemas.microsoft.com/office/drawing/2017/decorative" val="1"/>
+              </a:ext>
+            </a:extLst>
+          </p:cNvPr>
+          <p:cNvSpPr>
+            <a:spLocks noGrp="1" noRot="1" noChangeAspect="1" noMove="1" noResize="1" noEditPoints="1" noAdjustHandles="1" noChangeArrowheads="1" noChangeShapeType="1" noTextEdit="1"/>
+          </p:cNvSpPr>
+          <p:nvPr>
+            <p:extLst>
+              <p:ext uri="{386F3935-93C4-4BCD-93E2-E3B085C9AB24}">
+                <p16:designElem xmlns:p16="http://schemas.microsoft.com/office/powerpoint/2015/main" val="1"/>
+              </p:ext>
+            </p:extLst>
+          </p:nvPr>
+        </p:nvSpPr>
+        <p:spPr>
+          <a:xfrm>
+            <a:off x="2209800" y="2099696"/>
+            <a:ext cx="1942241" cy="1889551"/>
+          </a:xfrm>
+          <a:prstGeom prst="ellipse">
+            <a:avLst/>
+          </a:prstGeom>
+          <a:solidFill>
+            <a:schemeClr val="accent4"/>
+          </a:solidFill>
+          <a:ln>
+            <a:noFill/>
+          </a:ln>
+        </p:spPr>
+        <p:style>
+          <a:lnRef idx="2">
+            <a:schemeClr val="accent1">
+              <a:shade val="50000"/>
+            </a:schemeClr>
+          </a:lnRef>
+          <a:fillRef idx="1">
+            <a:schemeClr val="accent1"/>
+          </a:fillRef>
+          <a:effectRef idx="0">
+            <a:schemeClr val="accent1"/>
+          </a:effectRef>
+          <a:fontRef idx="minor">
+            <a:schemeClr val="lt1"/>
+          </a:fontRef>
+        </p:style>
+        <p:txBody>
+          <a:bodyPr rtlCol="0" anchor="ctr"/>
+          <a:lstStyle/>
+          <a:p>
+            <a:pPr marL="0" marR="0" lvl="0" indent="0" algn="ctr" defTabSz="914400" rtl="0" eaLnBrk="1" fontAlgn="auto" latinLnBrk="0" hangingPunct="1">
+              <a:lnSpc>
+                <a:spcPct val="100000"/>
+              </a:lnSpc>
+              <a:spcBef>
+                <a:spcPts val="0"/>
+              </a:spcBef>
+              <a:spcAft>
+                <a:spcPts val="0"/>
+              </a:spcAft>
+              <a:buClrTx/>
+              <a:buSzTx/>
+              <a:buFontTx/>
+              <a:buNone/>
+              <a:tabLst/>
+              <a:defRPr/>
+            </a:pPr>
+            <a:endParaRPr kumimoji="0" lang="en-US" sz="1800" b="0" i="0" u="none" strike="noStrike" kern="1200" cap="none" spc="0" normalizeH="0" baseline="0" noProof="0">
+              <a:ln>
+                <a:noFill/>
+              </a:ln>
+              <a:solidFill>
+                <a:srgbClr val="FFFFFF"/>
+              </a:solidFill>
+              <a:effectLst/>
+              <a:uLnTx/>
+              <a:uFillTx/>
+              <a:latin typeface="Calibri" panose="020F0502020204030204"/>
+              <a:ea typeface="+mn-ea"/>
+              <a:cs typeface="+mn-cs"/>
+            </a:endParaRPr>
+          </a:p>
+        </p:txBody>
+      </p:sp>
+      <p:sp>
+        <p:nvSpPr>
+          <p:cNvPr id="17" name="Arc 16">
+            <a:extLst>
+              <a:ext uri="{FF2B5EF4-FFF2-40B4-BE49-F238E27FC236}">
+                <a16:creationId xmlns:a16="http://schemas.microsoft.com/office/drawing/2014/main" id="{22D09ED2-868F-42C6-866E-F92E0CEF314F}"/>
+              </a:ext>
+              <a:ext uri="{C183D7F6-B498-43B3-948B-1728B52AA6E4}">
+                <adec:decorative xmlns:adec="http://schemas.microsoft.com/office/drawing/2017/decorative" val="1"/>
+              </a:ext>
+            </a:extLst>
+          </p:cNvPr>
+          <p:cNvSpPr>
+            <a:spLocks noGrp="1" noRot="1" noChangeAspect="1" noMove="1" noResize="1" noEditPoints="1" noAdjustHandles="1" noChangeArrowheads="1" noChangeShapeType="1" noTextEdit="1"/>
+          </p:cNvSpPr>
+          <p:nvPr>
+            <p:extLst>
+              <p:ext uri="{386F3935-93C4-4BCD-93E2-E3B085C9AB24}">
+                <p16:designElem xmlns:p16="http://schemas.microsoft.com/office/powerpoint/2015/main" val="1"/>
+              </p:ext>
+            </p:extLst>
+          </p:nvPr>
+        </p:nvSpPr>
+        <p:spPr>
+          <a:xfrm rot="18520172">
+            <a:off x="1613162" y="1492572"/>
+            <a:ext cx="2987899" cy="2987899"/>
+          </a:xfrm>
+          <a:prstGeom prst="arc">
+            <a:avLst>
+              <a:gd name="adj1" fmla="val 14455503"/>
+              <a:gd name="adj2" fmla="val 227775"/>
+            </a:avLst>
+          </a:prstGeom>
+          <a:ln w="127000" cap="rnd">
+            <a:solidFill>
+              <a:schemeClr val="accent4"/>
+            </a:solidFill>
+            <a:prstDash val="dash"/>
+            <a:miter lim="800000"/>
+          </a:ln>
+        </p:spPr>
+        <p:style>
+          <a:lnRef idx="1">
+            <a:schemeClr val="accent1"/>
+          </a:lnRef>
+          <a:fillRef idx="0">
+            <a:schemeClr val="accent1"/>
+          </a:fillRef>
+          <a:effectRef idx="0">
+            <a:schemeClr val="accent1"/>
+          </a:effectRef>
+          <a:fontRef idx="minor">
+            <a:schemeClr val="tx1"/>
+          </a:fontRef>
+        </p:style>
+        <p:txBody>
+          <a:bodyPr rtlCol="0" anchor="ctr"/>
+          <a:lstStyle/>
+          <a:p>
+            <a:pPr marL="0" marR="0" lvl="0" indent="0" algn="ctr" defTabSz="914400" rtl="0" eaLnBrk="1" fontAlgn="auto" latinLnBrk="0" hangingPunct="1">
+              <a:lnSpc>
+                <a:spcPct val="100000"/>
+              </a:lnSpc>
+              <a:spcBef>
+                <a:spcPts val="0"/>
+              </a:spcBef>
+              <a:spcAft>
+                <a:spcPts val="0"/>
+              </a:spcAft>
+              <a:buClrTx/>
+              <a:buSzTx/>
+              <a:buFontTx/>
+              <a:buNone/>
+              <a:tabLst/>
+              <a:defRPr/>
+            </a:pPr>
+            <a:endParaRPr kumimoji="0" lang="en-US" sz="1800" b="0" i="0" u="none" strike="noStrike" kern="1200" cap="none" spc="0" normalizeH="0" baseline="0" noProof="0">
+              <a:ln>
+                <a:noFill/>
+              </a:ln>
+              <a:solidFill>
+                <a:srgbClr val="000000"/>
+              </a:solidFill>
+              <a:effectLst/>
+              <a:uLnTx/>
+              <a:uFillTx/>
+              <a:latin typeface="Calibri" panose="020F0502020204030204"/>
+              <a:ea typeface="+mn-ea"/>
+              <a:cs typeface="+mn-cs"/>
+            </a:endParaRPr>
+          </a:p>
+        </p:txBody>
+      </p:sp>
       <p:sp>
         <p:nvSpPr>
           <p:cNvPr id="2" name="標題 1"/>
@@ -3786,82 +5796,3115 @@
             <p:ph type="title"/>
           </p:nvPr>
         </p:nvSpPr>
-        <p:spPr/>
-        <p:txBody>
-          <a:bodyPr/>
+        <p:spPr>
+          <a:xfrm>
+            <a:off x="4038600" y="1939159"/>
+            <a:ext cx="7644627" cy="2751086"/>
+          </a:xfrm>
+        </p:spPr>
+        <p:txBody>
+          <a:bodyPr vert="horz" lIns="91440" tIns="45720" rIns="91440" bIns="45720" rtlCol="0" anchor="b">
+            <a:normAutofit/>
+          </a:bodyPr>
+          <a:lstStyle/>
+          <a:p>
+            <a:pPr algn="r"/>
+            <a:r>
+              <a:rPr lang="zh-TW" altLang="en-US" sz="6000" kern="1200" dirty="0">
+                <a:solidFill>
+                  <a:schemeClr val="tx1"/>
+                </a:solidFill>
+                <a:latin typeface="+mj-lt"/>
+                <a:ea typeface="+mj-ea"/>
+                <a:cs typeface="+mj-cs"/>
+              </a:rPr>
+              <a:t>演算法和模型介紹</a:t>
+            </a:r>
+            <a:endParaRPr lang="en-US" altLang="zh-TW" sz="6000" kern="1200" dirty="0">
+              <a:solidFill>
+                <a:schemeClr val="tx1"/>
+              </a:solidFill>
+              <a:latin typeface="+mj-lt"/>
+              <a:ea typeface="+mj-ea"/>
+              <a:cs typeface="+mj-cs"/>
+            </a:endParaRPr>
+          </a:p>
+        </p:txBody>
+      </p:sp>
+      <p:sp>
+        <p:nvSpPr>
+          <p:cNvPr id="4" name="投影片編號版面配置區 3"/>
+          <p:cNvSpPr>
+            <a:spLocks noGrp="1"/>
+          </p:cNvSpPr>
+          <p:nvPr>
+            <p:ph type="sldNum" sz="quarter" idx="12"/>
+          </p:nvPr>
+        </p:nvSpPr>
+        <p:spPr>
+          <a:xfrm>
+            <a:off x="8610600" y="6356350"/>
+            <a:ext cx="2743200" cy="365125"/>
+          </a:xfrm>
+        </p:spPr>
+        <p:txBody>
+          <a:bodyPr vert="horz" lIns="91440" tIns="45720" rIns="91440" bIns="45720" rtlCol="0" anchor="ctr">
+            <a:normAutofit/>
+          </a:bodyPr>
+          <a:lstStyle/>
+          <a:p>
+            <a:pPr>
+              <a:spcAft>
+                <a:spcPts val="600"/>
+              </a:spcAft>
+            </a:pPr>
+            <a:fld id="{B386CFD2-0AD6-4F60-A1EA-3E4A485A23ED}" type="slidenum">
+              <a:rPr lang="en-US" altLang="zh-TW" smtClean="0"/>
+              <a:pPr>
+                <a:spcAft>
+                  <a:spcPts val="600"/>
+                </a:spcAft>
+              </a:pPr>
+              <a:t>13</a:t>
+            </a:fld>
+            <a:endParaRPr lang="en-US" altLang="zh-TW"/>
+          </a:p>
+        </p:txBody>
+      </p:sp>
+    </p:spTree>
+    <p:extLst>
+      <p:ext uri="{BB962C8B-B14F-4D97-AF65-F5344CB8AC3E}">
+        <p14:creationId xmlns:p14="http://schemas.microsoft.com/office/powerpoint/2010/main" val="1992182561"/>
+      </p:ext>
+    </p:extLst>
+  </p:cSld>
+  <p:clrMapOvr>
+    <a:masterClrMapping/>
+  </p:clrMapOvr>
+</p:sld>
+</file>
+
+<file path=ppt/slides/slide14.xml><?xml version="1.0" encoding="utf-8"?>
+<p:sld xmlns:a="http://schemas.openxmlformats.org/drawingml/2006/main" xmlns:r="http://schemas.openxmlformats.org/officeDocument/2006/relationships" xmlns:p="http://schemas.openxmlformats.org/presentationml/2006/main">
+  <p:cSld>
+    <p:bg>
+      <p:bgPr>
+        <a:solidFill>
+          <a:schemeClr val="bg1"/>
+        </a:solidFill>
+        <a:effectLst/>
+      </p:bgPr>
+    </p:bg>
+    <p:spTree>
+      <p:nvGrpSpPr>
+        <p:cNvPr id="1" name=""/>
+        <p:cNvGrpSpPr/>
+        <p:nvPr/>
+      </p:nvGrpSpPr>
+      <p:grpSpPr>
+        <a:xfrm>
+          <a:off x="0" y="0"/>
+          <a:ext cx="0" cy="0"/>
+          <a:chOff x="0" y="0"/>
+          <a:chExt cx="0" cy="0"/>
+        </a:xfrm>
+      </p:grpSpPr>
+      <p:sp useBgFill="1">
+        <p:nvSpPr>
+          <p:cNvPr id="9" name="Rectangle 8">
+            <a:extLst>
+              <a:ext uri="{FF2B5EF4-FFF2-40B4-BE49-F238E27FC236}">
+                <a16:creationId xmlns:a16="http://schemas.microsoft.com/office/drawing/2014/main" id="{1BB867FF-FC45-48F7-8104-F89BE54909F1}"/>
+              </a:ext>
+              <a:ext uri="{C183D7F6-B498-43B3-948B-1728B52AA6E4}">
+                <adec:decorative xmlns:adec="http://schemas.microsoft.com/office/drawing/2017/decorative" val="1"/>
+              </a:ext>
+            </a:extLst>
+          </p:cNvPr>
+          <p:cNvSpPr>
+            <a:spLocks noGrp="1" noRot="1" noChangeAspect="1" noMove="1" noResize="1" noEditPoints="1" noAdjustHandles="1" noChangeArrowheads="1" noChangeShapeType="1" noTextEdit="1"/>
+          </p:cNvSpPr>
+          <p:nvPr>
+            <p:extLst>
+              <p:ext uri="{386F3935-93C4-4BCD-93E2-E3B085C9AB24}">
+                <p16:designElem xmlns:p16="http://schemas.microsoft.com/office/powerpoint/2015/main" val="1"/>
+              </p:ext>
+            </p:extLst>
+          </p:nvPr>
+        </p:nvSpPr>
+        <p:spPr>
+          <a:xfrm>
+            <a:off x="3048" y="0"/>
+            <a:ext cx="12188952" cy="6858000"/>
+          </a:xfrm>
+          <a:prstGeom prst="rect">
+            <a:avLst/>
+          </a:prstGeom>
+          <a:ln>
+            <a:noFill/>
+          </a:ln>
+        </p:spPr>
+        <p:style>
+          <a:lnRef idx="2">
+            <a:schemeClr val="accent1">
+              <a:shade val="50000"/>
+            </a:schemeClr>
+          </a:lnRef>
+          <a:fillRef idx="1">
+            <a:schemeClr val="accent1"/>
+          </a:fillRef>
+          <a:effectRef idx="0">
+            <a:schemeClr val="accent1"/>
+          </a:effectRef>
+          <a:fontRef idx="minor">
+            <a:schemeClr val="lt1"/>
+          </a:fontRef>
+        </p:style>
+        <p:txBody>
+          <a:bodyPr rtlCol="0" anchor="ctr"/>
+          <a:lstStyle/>
+          <a:p>
+            <a:pPr algn="ctr"/>
+            <a:endParaRPr lang="en-US"/>
+          </a:p>
+        </p:txBody>
+      </p:sp>
+      <p:sp>
+        <p:nvSpPr>
+          <p:cNvPr id="11" name="Freeform: Shape 10">
+            <a:extLst>
+              <a:ext uri="{FF2B5EF4-FFF2-40B4-BE49-F238E27FC236}">
+                <a16:creationId xmlns:a16="http://schemas.microsoft.com/office/drawing/2014/main" id="{8BB56887-D0D5-4F0C-9E19-7247EB83C8B7}"/>
+              </a:ext>
+              <a:ext uri="{C183D7F6-B498-43B3-948B-1728B52AA6E4}">
+                <adec:decorative xmlns:adec="http://schemas.microsoft.com/office/drawing/2017/decorative" val="1"/>
+              </a:ext>
+            </a:extLst>
+          </p:cNvPr>
+          <p:cNvSpPr>
+            <a:spLocks noGrp="1" noRot="1" noChangeAspect="1" noMove="1" noResize="1" noEditPoints="1" noAdjustHandles="1" noChangeArrowheads="1" noChangeShapeType="1" noTextEdit="1"/>
+          </p:cNvSpPr>
+          <p:nvPr>
+            <p:extLst>
+              <p:ext uri="{386F3935-93C4-4BCD-93E2-E3B085C9AB24}">
+                <p16:designElem xmlns:p16="http://schemas.microsoft.com/office/powerpoint/2015/main" val="1"/>
+              </p:ext>
+            </p:extLst>
+          </p:nvPr>
+        </p:nvSpPr>
+        <p:spPr>
+          <a:xfrm>
+            <a:off x="10208695" y="1"/>
+            <a:ext cx="1135066" cy="477997"/>
+          </a:xfrm>
+          <a:custGeom>
+            <a:avLst/>
+            <a:gdLst>
+              <a:gd name="connsiteX0" fmla="*/ 0 w 1135066"/>
+              <a:gd name="connsiteY0" fmla="*/ 0 h 477997"/>
+              <a:gd name="connsiteX1" fmla="*/ 1135066 w 1135066"/>
+              <a:gd name="connsiteY1" fmla="*/ 0 h 477997"/>
+              <a:gd name="connsiteX2" fmla="*/ 1133370 w 1135066"/>
+              <a:gd name="connsiteY2" fmla="*/ 16827 h 477997"/>
+              <a:gd name="connsiteX3" fmla="*/ 567533 w 1135066"/>
+              <a:gd name="connsiteY3" fmla="*/ 477997 h 477997"/>
+              <a:gd name="connsiteX4" fmla="*/ 1696 w 1135066"/>
+              <a:gd name="connsiteY4" fmla="*/ 16827 h 477997"/>
+            </a:gdLst>
+            <a:ahLst/>
+            <a:cxnLst>
+              <a:cxn ang="0">
+                <a:pos x="connsiteX0" y="connsiteY0"/>
+              </a:cxn>
+              <a:cxn ang="0">
+                <a:pos x="connsiteX1" y="connsiteY1"/>
+              </a:cxn>
+              <a:cxn ang="0">
+                <a:pos x="connsiteX2" y="connsiteY2"/>
+              </a:cxn>
+              <a:cxn ang="0">
+                <a:pos x="connsiteX3" y="connsiteY3"/>
+              </a:cxn>
+              <a:cxn ang="0">
+                <a:pos x="connsiteX4" y="connsiteY4"/>
+              </a:cxn>
+            </a:cxnLst>
+            <a:rect l="l" t="t" r="r" b="b"/>
+            <a:pathLst>
+              <a:path w="1135066" h="477997">
+                <a:moveTo>
+                  <a:pt x="0" y="0"/>
+                </a:moveTo>
+                <a:lnTo>
+                  <a:pt x="1135066" y="0"/>
+                </a:lnTo>
+                <a:lnTo>
+                  <a:pt x="1133370" y="16827"/>
+                </a:lnTo>
+                <a:cubicBezTo>
+                  <a:pt x="1079514" y="280016"/>
+                  <a:pt x="846644" y="477997"/>
+                  <a:pt x="567533" y="477997"/>
+                </a:cubicBezTo>
+                <a:cubicBezTo>
+                  <a:pt x="288422" y="477997"/>
+                  <a:pt x="55552" y="280016"/>
+                  <a:pt x="1696" y="16827"/>
+                </a:cubicBezTo>
+                <a:close/>
+              </a:path>
+            </a:pathLst>
+          </a:custGeom>
+          <a:solidFill>
+            <a:schemeClr val="accent4"/>
+          </a:solidFill>
+          <a:ln>
+            <a:noFill/>
+          </a:ln>
+        </p:spPr>
+        <p:style>
+          <a:lnRef idx="2">
+            <a:schemeClr val="accent1">
+              <a:shade val="50000"/>
+            </a:schemeClr>
+          </a:lnRef>
+          <a:fillRef idx="1">
+            <a:schemeClr val="accent1"/>
+          </a:fillRef>
+          <a:effectRef idx="0">
+            <a:schemeClr val="accent1"/>
+          </a:effectRef>
+          <a:fontRef idx="minor">
+            <a:schemeClr val="lt1"/>
+          </a:fontRef>
+        </p:style>
+        <p:txBody>
+          <a:bodyPr wrap="square" rtlCol="0" anchor="ctr">
+            <a:noAutofit/>
+          </a:bodyPr>
+          <a:lstStyle/>
+          <a:p>
+            <a:pPr algn="ctr"/>
+            <a:endParaRPr lang="en-US"/>
+          </a:p>
+        </p:txBody>
+      </p:sp>
+      <p:sp>
+        <p:nvSpPr>
+          <p:cNvPr id="2" name="標題 1">
+            <a:extLst>
+              <a:ext uri="{FF2B5EF4-FFF2-40B4-BE49-F238E27FC236}">
+                <a16:creationId xmlns:a16="http://schemas.microsoft.com/office/drawing/2014/main" id="{6CA1B94A-4829-5A4A-AA1D-AAC8241956DE}"/>
+              </a:ext>
+            </a:extLst>
+          </p:cNvPr>
+          <p:cNvSpPr>
+            <a:spLocks noGrp="1"/>
+          </p:cNvSpPr>
+          <p:nvPr>
+            <p:ph type="title"/>
+          </p:nvPr>
+        </p:nvSpPr>
+        <p:spPr>
+          <a:xfrm>
+            <a:off x="838200" y="365125"/>
+            <a:ext cx="10515600" cy="1325563"/>
+          </a:xfrm>
+        </p:spPr>
+        <p:txBody>
+          <a:bodyPr>
+            <a:normAutofit/>
+          </a:bodyPr>
+          <a:lstStyle/>
+          <a:p>
+            <a:r>
+              <a:rPr kumimoji="1" lang="zh-TW" altLang="en-US" dirty="0"/>
+              <a:t>模型</a:t>
+            </a:r>
+          </a:p>
+        </p:txBody>
+      </p:sp>
+      <p:sp>
+        <p:nvSpPr>
+          <p:cNvPr id="13" name="Arc 12">
+            <a:extLst>
+              <a:ext uri="{FF2B5EF4-FFF2-40B4-BE49-F238E27FC236}">
+                <a16:creationId xmlns:a16="http://schemas.microsoft.com/office/drawing/2014/main" id="{081E4A58-353D-44AE-B2FC-2A74E2E400F7}"/>
+              </a:ext>
+              <a:ext uri="{C183D7F6-B498-43B3-948B-1728B52AA6E4}">
+                <adec:decorative xmlns:adec="http://schemas.microsoft.com/office/drawing/2017/decorative" val="1"/>
+              </a:ext>
+            </a:extLst>
+          </p:cNvPr>
+          <p:cNvSpPr>
+            <a:spLocks noGrp="1" noRot="1" noChangeAspect="1" noMove="1" noResize="1" noEditPoints="1" noAdjustHandles="1" noChangeArrowheads="1" noChangeShapeType="1" noTextEdit="1"/>
+          </p:cNvSpPr>
+          <p:nvPr>
+            <p:extLst>
+              <p:ext uri="{386F3935-93C4-4BCD-93E2-E3B085C9AB24}">
+                <p16:designElem xmlns:p16="http://schemas.microsoft.com/office/powerpoint/2015/main" val="1"/>
+              </p:ext>
+            </p:extLst>
+          </p:nvPr>
+        </p:nvSpPr>
+        <p:spPr>
+          <a:xfrm rot="5400000" flipV="1">
+            <a:off x="555710" y="2183223"/>
+            <a:ext cx="4083433" cy="4083433"/>
+          </a:xfrm>
+          <a:prstGeom prst="arc">
+            <a:avLst/>
+          </a:prstGeom>
+          <a:ln w="127000" cap="rnd">
+            <a:solidFill>
+              <a:schemeClr val="accent4"/>
+            </a:solidFill>
+            <a:prstDash val="dash"/>
+          </a:ln>
+        </p:spPr>
+        <p:style>
+          <a:lnRef idx="1">
+            <a:schemeClr val="accent1"/>
+          </a:lnRef>
+          <a:fillRef idx="0">
+            <a:schemeClr val="accent1"/>
+          </a:fillRef>
+          <a:effectRef idx="0">
+            <a:schemeClr val="accent1"/>
+          </a:effectRef>
+          <a:fontRef idx="minor">
+            <a:schemeClr val="tx1"/>
+          </a:fontRef>
+        </p:style>
+        <p:txBody>
+          <a:bodyPr rtlCol="0" anchor="ctr"/>
+          <a:lstStyle/>
+          <a:p>
+            <a:pPr algn="ctr"/>
+            <a:endParaRPr lang="en-US" dirty="0"/>
+          </a:p>
+        </p:txBody>
+      </p:sp>
+      <p:sp>
+        <p:nvSpPr>
+          <p:cNvPr id="3" name="內容版面配置區 2">
+            <a:extLst>
+              <a:ext uri="{FF2B5EF4-FFF2-40B4-BE49-F238E27FC236}">
+                <a16:creationId xmlns:a16="http://schemas.microsoft.com/office/drawing/2014/main" id="{2E0C7AF8-27C3-B043-A139-7BF8D60CC9C6}"/>
+              </a:ext>
+            </a:extLst>
+          </p:cNvPr>
+          <p:cNvSpPr>
+            <a:spLocks noGrp="1"/>
+          </p:cNvSpPr>
+          <p:nvPr>
+            <p:ph idx="1"/>
+          </p:nvPr>
+        </p:nvSpPr>
+        <p:spPr>
+          <a:xfrm>
+            <a:off x="838200" y="1825625"/>
+            <a:ext cx="10515600" cy="4351338"/>
+          </a:xfrm>
+        </p:spPr>
+        <p:txBody>
+          <a:bodyPr>
+            <a:normAutofit/>
+          </a:bodyPr>
+          <a:lstStyle/>
+          <a:p>
+            <a:r>
+              <a:rPr kumimoji="1" lang="zh-TW" altLang="en-US" dirty="0"/>
+              <a:t>我們使用</a:t>
+            </a:r>
+            <a:r>
+              <a:rPr kumimoji="1" lang="en-US" altLang="zh-TW" dirty="0" err="1"/>
+              <a:t>LightGBM</a:t>
+            </a:r>
+            <a:r>
+              <a:rPr kumimoji="1" lang="zh-TW" altLang="en-US" dirty="0"/>
+              <a:t>作為我們的模型。</a:t>
+            </a:r>
+            <a:endParaRPr kumimoji="1" lang="en-US" altLang="zh-TW" dirty="0"/>
+          </a:p>
+          <a:p>
+            <a:r>
+              <a:rPr kumimoji="1" lang="zh-TW" altLang="en-US" dirty="0"/>
+              <a:t>在預測</a:t>
+            </a:r>
+            <a:r>
+              <a:rPr kumimoji="1" lang="en-US" altLang="zh-TW" dirty="0"/>
+              <a:t>20</a:t>
+            </a:r>
+            <a:r>
+              <a:rPr kumimoji="1" lang="zh-TW" altLang="en-US" dirty="0"/>
+              <a:t>組目標變數時，我們使用了</a:t>
+            </a:r>
+            <a:r>
+              <a:rPr kumimoji="1" lang="en-US" altLang="zh-TW" dirty="0"/>
+              <a:t>Regression chain</a:t>
+            </a:r>
+            <a:r>
+              <a:rPr kumimoji="1" lang="zh-TW" altLang="en-US" dirty="0"/>
+              <a:t>的方式來預測。換言之，在預測時，我們會將前一步預測的結果加入模型變成預測下一個變數的特徵之一。</a:t>
+            </a:r>
+            <a:endParaRPr kumimoji="1" lang="en-US" altLang="zh-TW" dirty="0"/>
+          </a:p>
+          <a:p>
+            <a:r>
+              <a:rPr kumimoji="1" lang="en-US" altLang="zh-TW" dirty="0"/>
+              <a:t>Regression chain</a:t>
+            </a:r>
+            <a:r>
+              <a:rPr kumimoji="1" lang="zh-TW" altLang="en-US" dirty="0"/>
+              <a:t>的順序，我們會先預測</a:t>
+            </a:r>
+            <a:r>
+              <a:rPr kumimoji="1" lang="en-US" altLang="zh-TW" dirty="0" err="1"/>
+              <a:t>Input_C</a:t>
+            </a:r>
+            <a:r>
+              <a:rPr kumimoji="1" lang="zh-TW" altLang="en-US" dirty="0"/>
+              <a:t>系列的目標變數</a:t>
+            </a:r>
+            <a:r>
+              <a:rPr kumimoji="1" lang="en-US" altLang="zh-TW" dirty="0"/>
+              <a:t>(</a:t>
+            </a:r>
+            <a:r>
+              <a:rPr kumimoji="1" lang="zh-TW" altLang="en-US" dirty="0"/>
+              <a:t>因為是共同變數</a:t>
+            </a:r>
+            <a:r>
+              <a:rPr kumimoji="1" lang="en-US" altLang="zh-TW" dirty="0"/>
+              <a:t>)</a:t>
+            </a:r>
+            <a:r>
+              <a:rPr kumimoji="1" lang="zh-TW" altLang="en-US" dirty="0"/>
+              <a:t>，再預測</a:t>
+            </a:r>
+            <a:r>
+              <a:rPr kumimoji="1" lang="en-US" altLang="zh-TW" dirty="0" err="1"/>
+              <a:t>Input_A</a:t>
+            </a:r>
+            <a:r>
+              <a:rPr kumimoji="1" lang="zh-TW" altLang="en-US" dirty="0"/>
+              <a:t>系列的變數，因為</a:t>
+            </a:r>
+            <a:r>
+              <a:rPr kumimoji="1" lang="en-US" altLang="zh-TW" dirty="0"/>
+              <a:t>Input_A1_020</a:t>
+            </a:r>
+            <a:r>
+              <a:rPr kumimoji="1" lang="zh-TW" altLang="en-US" dirty="0"/>
+              <a:t>是最難預測的，我們會放在最後才預測他。</a:t>
+            </a:r>
+          </a:p>
+        </p:txBody>
+      </p:sp>
+      <p:sp>
+        <p:nvSpPr>
+          <p:cNvPr id="4" name="投影片編號版面配置區 3">
+            <a:extLst>
+              <a:ext uri="{FF2B5EF4-FFF2-40B4-BE49-F238E27FC236}">
+                <a16:creationId xmlns:a16="http://schemas.microsoft.com/office/drawing/2014/main" id="{2ACCDBA9-27A4-AF46-A26D-20658F170235}"/>
+              </a:ext>
+            </a:extLst>
+          </p:cNvPr>
+          <p:cNvSpPr>
+            <a:spLocks noGrp="1"/>
+          </p:cNvSpPr>
+          <p:nvPr>
+            <p:ph type="sldNum" sz="quarter" idx="12"/>
+          </p:nvPr>
+        </p:nvSpPr>
+        <p:spPr>
+          <a:xfrm>
+            <a:off x="8610600" y="6356350"/>
+            <a:ext cx="2743200" cy="365125"/>
+          </a:xfrm>
+        </p:spPr>
+        <p:txBody>
+          <a:bodyPr>
+            <a:normAutofit/>
+          </a:bodyPr>
+          <a:lstStyle/>
+          <a:p>
+            <a:pPr>
+              <a:spcAft>
+                <a:spcPts val="600"/>
+              </a:spcAft>
+            </a:pPr>
+            <a:fld id="{B386CFD2-0AD6-4F60-A1EA-3E4A485A23ED}" type="slidenum">
+              <a:rPr lang="zh-TW" altLang="en-US" smtClean="0"/>
+              <a:pPr>
+                <a:spcAft>
+                  <a:spcPts val="600"/>
+                </a:spcAft>
+              </a:pPr>
+              <a:t>14</a:t>
+            </a:fld>
+            <a:endParaRPr lang="zh-TW" altLang="en-US"/>
+          </a:p>
+        </p:txBody>
+      </p:sp>
+    </p:spTree>
+    <p:extLst>
+      <p:ext uri="{BB962C8B-B14F-4D97-AF65-F5344CB8AC3E}">
+        <p14:creationId xmlns:p14="http://schemas.microsoft.com/office/powerpoint/2010/main" val="2702109761"/>
+      </p:ext>
+    </p:extLst>
+  </p:cSld>
+  <p:clrMapOvr>
+    <a:masterClrMapping/>
+  </p:clrMapOvr>
+</p:sld>
+</file>
+
+<file path=ppt/slides/slide15.xml><?xml version="1.0" encoding="utf-8"?>
+<p:sld xmlns:a="http://schemas.openxmlformats.org/drawingml/2006/main" xmlns:r="http://schemas.openxmlformats.org/officeDocument/2006/relationships" xmlns:p="http://schemas.openxmlformats.org/presentationml/2006/main">
+  <p:cSld>
+    <p:bg>
+      <p:bgPr>
+        <a:solidFill>
+          <a:schemeClr val="bg1"/>
+        </a:solidFill>
+        <a:effectLst/>
+      </p:bgPr>
+    </p:bg>
+    <p:spTree>
+      <p:nvGrpSpPr>
+        <p:cNvPr id="1" name=""/>
+        <p:cNvGrpSpPr/>
+        <p:nvPr/>
+      </p:nvGrpSpPr>
+      <p:grpSpPr>
+        <a:xfrm>
+          <a:off x="0" y="0"/>
+          <a:ext cx="0" cy="0"/>
+          <a:chOff x="0" y="0"/>
+          <a:chExt cx="0" cy="0"/>
+        </a:xfrm>
+      </p:grpSpPr>
+      <p:sp useBgFill="1">
+        <p:nvSpPr>
+          <p:cNvPr id="9" name="Rectangle 8">
+            <a:extLst>
+              <a:ext uri="{FF2B5EF4-FFF2-40B4-BE49-F238E27FC236}">
+                <a16:creationId xmlns:a16="http://schemas.microsoft.com/office/drawing/2014/main" id="{1BB867FF-FC45-48F7-8104-F89BE54909F1}"/>
+              </a:ext>
+              <a:ext uri="{C183D7F6-B498-43B3-948B-1728B52AA6E4}">
+                <adec:decorative xmlns:adec="http://schemas.microsoft.com/office/drawing/2017/decorative" val="1"/>
+              </a:ext>
+            </a:extLst>
+          </p:cNvPr>
+          <p:cNvSpPr>
+            <a:spLocks noGrp="1" noRot="1" noChangeAspect="1" noMove="1" noResize="1" noEditPoints="1" noAdjustHandles="1" noChangeArrowheads="1" noChangeShapeType="1" noTextEdit="1"/>
+          </p:cNvSpPr>
+          <p:nvPr>
+            <p:extLst>
+              <p:ext uri="{386F3935-93C4-4BCD-93E2-E3B085C9AB24}">
+                <p16:designElem xmlns:p16="http://schemas.microsoft.com/office/powerpoint/2015/main" val="1"/>
+              </p:ext>
+            </p:extLst>
+          </p:nvPr>
+        </p:nvSpPr>
+        <p:spPr>
+          <a:xfrm>
+            <a:off x="3048" y="0"/>
+            <a:ext cx="12188952" cy="6858000"/>
+          </a:xfrm>
+          <a:prstGeom prst="rect">
+            <a:avLst/>
+          </a:prstGeom>
+          <a:ln>
+            <a:noFill/>
+          </a:ln>
+        </p:spPr>
+        <p:style>
+          <a:lnRef idx="2">
+            <a:schemeClr val="accent1">
+              <a:shade val="50000"/>
+            </a:schemeClr>
+          </a:lnRef>
+          <a:fillRef idx="1">
+            <a:schemeClr val="accent1"/>
+          </a:fillRef>
+          <a:effectRef idx="0">
+            <a:schemeClr val="accent1"/>
+          </a:effectRef>
+          <a:fontRef idx="minor">
+            <a:schemeClr val="lt1"/>
+          </a:fontRef>
+        </p:style>
+        <p:txBody>
+          <a:bodyPr rtlCol="0" anchor="ctr"/>
+          <a:lstStyle/>
+          <a:p>
+            <a:pPr algn="ctr"/>
+            <a:endParaRPr lang="en-US"/>
+          </a:p>
+        </p:txBody>
+      </p:sp>
+      <p:sp>
+        <p:nvSpPr>
+          <p:cNvPr id="11" name="Freeform: Shape 10">
+            <a:extLst>
+              <a:ext uri="{FF2B5EF4-FFF2-40B4-BE49-F238E27FC236}">
+                <a16:creationId xmlns:a16="http://schemas.microsoft.com/office/drawing/2014/main" id="{8BB56887-D0D5-4F0C-9E19-7247EB83C8B7}"/>
+              </a:ext>
+              <a:ext uri="{C183D7F6-B498-43B3-948B-1728B52AA6E4}">
+                <adec:decorative xmlns:adec="http://schemas.microsoft.com/office/drawing/2017/decorative" val="1"/>
+              </a:ext>
+            </a:extLst>
+          </p:cNvPr>
+          <p:cNvSpPr>
+            <a:spLocks noGrp="1" noRot="1" noChangeAspect="1" noMove="1" noResize="1" noEditPoints="1" noAdjustHandles="1" noChangeArrowheads="1" noChangeShapeType="1" noTextEdit="1"/>
+          </p:cNvSpPr>
+          <p:nvPr>
+            <p:extLst>
+              <p:ext uri="{386F3935-93C4-4BCD-93E2-E3B085C9AB24}">
+                <p16:designElem xmlns:p16="http://schemas.microsoft.com/office/powerpoint/2015/main" val="1"/>
+              </p:ext>
+            </p:extLst>
+          </p:nvPr>
+        </p:nvSpPr>
+        <p:spPr>
+          <a:xfrm>
+            <a:off x="10208695" y="1"/>
+            <a:ext cx="1135066" cy="477997"/>
+          </a:xfrm>
+          <a:custGeom>
+            <a:avLst/>
+            <a:gdLst>
+              <a:gd name="connsiteX0" fmla="*/ 0 w 1135066"/>
+              <a:gd name="connsiteY0" fmla="*/ 0 h 477997"/>
+              <a:gd name="connsiteX1" fmla="*/ 1135066 w 1135066"/>
+              <a:gd name="connsiteY1" fmla="*/ 0 h 477997"/>
+              <a:gd name="connsiteX2" fmla="*/ 1133370 w 1135066"/>
+              <a:gd name="connsiteY2" fmla="*/ 16827 h 477997"/>
+              <a:gd name="connsiteX3" fmla="*/ 567533 w 1135066"/>
+              <a:gd name="connsiteY3" fmla="*/ 477997 h 477997"/>
+              <a:gd name="connsiteX4" fmla="*/ 1696 w 1135066"/>
+              <a:gd name="connsiteY4" fmla="*/ 16827 h 477997"/>
+            </a:gdLst>
+            <a:ahLst/>
+            <a:cxnLst>
+              <a:cxn ang="0">
+                <a:pos x="connsiteX0" y="connsiteY0"/>
+              </a:cxn>
+              <a:cxn ang="0">
+                <a:pos x="connsiteX1" y="connsiteY1"/>
+              </a:cxn>
+              <a:cxn ang="0">
+                <a:pos x="connsiteX2" y="connsiteY2"/>
+              </a:cxn>
+              <a:cxn ang="0">
+                <a:pos x="connsiteX3" y="connsiteY3"/>
+              </a:cxn>
+              <a:cxn ang="0">
+                <a:pos x="connsiteX4" y="connsiteY4"/>
+              </a:cxn>
+            </a:cxnLst>
+            <a:rect l="l" t="t" r="r" b="b"/>
+            <a:pathLst>
+              <a:path w="1135066" h="477997">
+                <a:moveTo>
+                  <a:pt x="0" y="0"/>
+                </a:moveTo>
+                <a:lnTo>
+                  <a:pt x="1135066" y="0"/>
+                </a:lnTo>
+                <a:lnTo>
+                  <a:pt x="1133370" y="16827"/>
+                </a:lnTo>
+                <a:cubicBezTo>
+                  <a:pt x="1079514" y="280016"/>
+                  <a:pt x="846644" y="477997"/>
+                  <a:pt x="567533" y="477997"/>
+                </a:cubicBezTo>
+                <a:cubicBezTo>
+                  <a:pt x="288422" y="477997"/>
+                  <a:pt x="55552" y="280016"/>
+                  <a:pt x="1696" y="16827"/>
+                </a:cubicBezTo>
+                <a:close/>
+              </a:path>
+            </a:pathLst>
+          </a:custGeom>
+          <a:solidFill>
+            <a:schemeClr val="accent4"/>
+          </a:solidFill>
+          <a:ln>
+            <a:noFill/>
+          </a:ln>
+        </p:spPr>
+        <p:style>
+          <a:lnRef idx="2">
+            <a:schemeClr val="accent1">
+              <a:shade val="50000"/>
+            </a:schemeClr>
+          </a:lnRef>
+          <a:fillRef idx="1">
+            <a:schemeClr val="accent1"/>
+          </a:fillRef>
+          <a:effectRef idx="0">
+            <a:schemeClr val="accent1"/>
+          </a:effectRef>
+          <a:fontRef idx="minor">
+            <a:schemeClr val="lt1"/>
+          </a:fontRef>
+        </p:style>
+        <p:txBody>
+          <a:bodyPr wrap="square" rtlCol="0" anchor="ctr">
+            <a:noAutofit/>
+          </a:bodyPr>
+          <a:lstStyle/>
+          <a:p>
+            <a:pPr algn="ctr"/>
+            <a:endParaRPr lang="en-US"/>
+          </a:p>
+        </p:txBody>
+      </p:sp>
+      <p:sp>
+        <p:nvSpPr>
+          <p:cNvPr id="2" name="標題 1">
+            <a:extLst>
+              <a:ext uri="{FF2B5EF4-FFF2-40B4-BE49-F238E27FC236}">
+                <a16:creationId xmlns:a16="http://schemas.microsoft.com/office/drawing/2014/main" id="{6D46FA63-068B-FD47-884B-DAFFAF91E0A9}"/>
+              </a:ext>
+            </a:extLst>
+          </p:cNvPr>
+          <p:cNvSpPr>
+            <a:spLocks noGrp="1"/>
+          </p:cNvSpPr>
+          <p:nvPr>
+            <p:ph type="title"/>
+          </p:nvPr>
+        </p:nvSpPr>
+        <p:spPr>
+          <a:xfrm>
+            <a:off x="838200" y="365125"/>
+            <a:ext cx="10515600" cy="1325563"/>
+          </a:xfrm>
+        </p:spPr>
+        <p:txBody>
+          <a:bodyPr>
+            <a:normAutofit/>
+          </a:bodyPr>
+          <a:lstStyle/>
+          <a:p>
+            <a:r>
+              <a:rPr kumimoji="1" lang="en-US" altLang="zh-TW" dirty="0"/>
+              <a:t>Hyperparameters Tuning</a:t>
+            </a:r>
+            <a:endParaRPr kumimoji="1" lang="zh-TW" altLang="en-US" dirty="0"/>
+          </a:p>
+        </p:txBody>
+      </p:sp>
+      <p:sp>
+        <p:nvSpPr>
+          <p:cNvPr id="13" name="Arc 12">
+            <a:extLst>
+              <a:ext uri="{FF2B5EF4-FFF2-40B4-BE49-F238E27FC236}">
+                <a16:creationId xmlns:a16="http://schemas.microsoft.com/office/drawing/2014/main" id="{081E4A58-353D-44AE-B2FC-2A74E2E400F7}"/>
+              </a:ext>
+              <a:ext uri="{C183D7F6-B498-43B3-948B-1728B52AA6E4}">
+                <adec:decorative xmlns:adec="http://schemas.microsoft.com/office/drawing/2017/decorative" val="1"/>
+              </a:ext>
+            </a:extLst>
+          </p:cNvPr>
+          <p:cNvSpPr>
+            <a:spLocks noGrp="1" noRot="1" noChangeAspect="1" noMove="1" noResize="1" noEditPoints="1" noAdjustHandles="1" noChangeArrowheads="1" noChangeShapeType="1" noTextEdit="1"/>
+          </p:cNvSpPr>
+          <p:nvPr>
+            <p:extLst>
+              <p:ext uri="{386F3935-93C4-4BCD-93E2-E3B085C9AB24}">
+                <p16:designElem xmlns:p16="http://schemas.microsoft.com/office/powerpoint/2015/main" val="1"/>
+              </p:ext>
+            </p:extLst>
+          </p:nvPr>
+        </p:nvSpPr>
+        <p:spPr>
+          <a:xfrm rot="5400000" flipV="1">
+            <a:off x="555710" y="2183223"/>
+            <a:ext cx="4083433" cy="4083433"/>
+          </a:xfrm>
+          <a:prstGeom prst="arc">
+            <a:avLst/>
+          </a:prstGeom>
+          <a:ln w="127000" cap="rnd">
+            <a:solidFill>
+              <a:schemeClr val="accent4"/>
+            </a:solidFill>
+            <a:prstDash val="dash"/>
+          </a:ln>
+        </p:spPr>
+        <p:style>
+          <a:lnRef idx="1">
+            <a:schemeClr val="accent1"/>
+          </a:lnRef>
+          <a:fillRef idx="0">
+            <a:schemeClr val="accent1"/>
+          </a:fillRef>
+          <a:effectRef idx="0">
+            <a:schemeClr val="accent1"/>
+          </a:effectRef>
+          <a:fontRef idx="minor">
+            <a:schemeClr val="tx1"/>
+          </a:fontRef>
+        </p:style>
+        <p:txBody>
+          <a:bodyPr rtlCol="0" anchor="ctr"/>
+          <a:lstStyle/>
+          <a:p>
+            <a:pPr algn="ctr"/>
+            <a:endParaRPr lang="en-US" dirty="0"/>
+          </a:p>
+        </p:txBody>
+      </p:sp>
+      <p:sp>
+        <p:nvSpPr>
+          <p:cNvPr id="3" name="內容版面配置區 2">
+            <a:extLst>
+              <a:ext uri="{FF2B5EF4-FFF2-40B4-BE49-F238E27FC236}">
+                <a16:creationId xmlns:a16="http://schemas.microsoft.com/office/drawing/2014/main" id="{88E070B6-EADF-0D48-A141-8D91246CFB99}"/>
+              </a:ext>
+            </a:extLst>
+          </p:cNvPr>
+          <p:cNvSpPr>
+            <a:spLocks noGrp="1"/>
+          </p:cNvSpPr>
+          <p:nvPr>
+            <p:ph idx="1"/>
+          </p:nvPr>
+        </p:nvSpPr>
+        <p:spPr>
+          <a:xfrm>
+            <a:off x="838200" y="1825625"/>
+            <a:ext cx="10515600" cy="4351338"/>
+          </a:xfrm>
+        </p:spPr>
+        <p:txBody>
+          <a:bodyPr>
+            <a:normAutofit/>
+          </a:bodyPr>
+          <a:lstStyle/>
+          <a:p>
+            <a:r>
+              <a:rPr kumimoji="1" lang="zh-TW" altLang="en-US" dirty="0"/>
+              <a:t>為了預防</a:t>
+            </a:r>
+            <a:r>
+              <a:rPr kumimoji="1" lang="en-US" altLang="zh-TW" dirty="0"/>
+              <a:t>overfitting</a:t>
+            </a:r>
+            <a:r>
+              <a:rPr kumimoji="1" lang="zh-TW" altLang="en-US" dirty="0"/>
+              <a:t>與得到更好的準確度，我們對</a:t>
+            </a:r>
+            <a:r>
+              <a:rPr kumimoji="1" lang="en-US" altLang="zh-TW" dirty="0" err="1"/>
+              <a:t>LightGBM</a:t>
+            </a:r>
+            <a:r>
+              <a:rPr kumimoji="1" lang="zh-TW" altLang="en-US" dirty="0"/>
+              <a:t>的以下參數做了調校，每次調校都做了</a:t>
+            </a:r>
+            <a:r>
+              <a:rPr kumimoji="1" lang="en-US" altLang="zh-TW" dirty="0"/>
+              <a:t>5-folds</a:t>
+            </a:r>
+            <a:r>
+              <a:rPr kumimoji="1" lang="zh-TW" altLang="en-US" dirty="0"/>
+              <a:t>的</a:t>
+            </a:r>
+            <a:r>
+              <a:rPr kumimoji="1" lang="en-US" altLang="zh-TW" dirty="0"/>
+              <a:t>cross validation</a:t>
+            </a:r>
+            <a:r>
+              <a:rPr kumimoji="1" lang="zh-TW" altLang="en-US" dirty="0"/>
+              <a:t>。</a:t>
+            </a:r>
+            <a:endParaRPr kumimoji="1" lang="en-US" altLang="zh-TW" dirty="0"/>
+          </a:p>
+          <a:p>
+            <a:pPr lvl="1"/>
+            <a:r>
+              <a:rPr kumimoji="1" lang="en-US" altLang="zh-TW" dirty="0" err="1"/>
+              <a:t>max_depth</a:t>
+            </a:r>
+            <a:r>
+              <a:rPr kumimoji="1" lang="en-US" altLang="zh-TW" dirty="0"/>
+              <a:t>: </a:t>
+            </a:r>
+            <a:r>
+              <a:rPr kumimoji="1" lang="zh-TW" altLang="en-US" dirty="0"/>
+              <a:t>每棵樹的最大深度。</a:t>
+            </a:r>
+            <a:endParaRPr kumimoji="1" lang="en-US" altLang="zh-TW" dirty="0"/>
+          </a:p>
+          <a:p>
+            <a:pPr lvl="1"/>
+            <a:r>
+              <a:rPr kumimoji="1" lang="en-US" altLang="zh-TW" dirty="0" err="1"/>
+              <a:t>min_data_in_leaf</a:t>
+            </a:r>
+            <a:r>
+              <a:rPr kumimoji="1" lang="en-US" altLang="zh-TW" dirty="0"/>
+              <a:t>: </a:t>
+            </a:r>
+            <a:r>
+              <a:rPr kumimoji="1" lang="zh-TW" altLang="en-US" dirty="0"/>
+              <a:t>每個</a:t>
+            </a:r>
+            <a:r>
+              <a:rPr kumimoji="1" lang="en-US" altLang="zh-TW" dirty="0"/>
+              <a:t>leaf</a:t>
+            </a:r>
+            <a:r>
+              <a:rPr kumimoji="1" lang="zh-TW" altLang="en-US" dirty="0"/>
+              <a:t>中最少需要的資料筆數。</a:t>
+            </a:r>
+            <a:endParaRPr kumimoji="1" lang="en-US" altLang="zh-TW" dirty="0"/>
+          </a:p>
+          <a:p>
+            <a:pPr lvl="1"/>
+            <a:r>
+              <a:rPr kumimoji="1" lang="en-US" altLang="zh-TW" dirty="0"/>
+              <a:t>subsample: </a:t>
+            </a:r>
+            <a:r>
+              <a:rPr kumimoji="1" lang="zh-TW" altLang="en-US" dirty="0"/>
+              <a:t>每次訓練時針對</a:t>
+            </a:r>
+            <a:r>
+              <a:rPr kumimoji="1" lang="en-US" altLang="zh-TW" dirty="0"/>
+              <a:t>row</a:t>
+            </a:r>
+            <a:r>
+              <a:rPr kumimoji="1" lang="zh-TW" altLang="en-US" dirty="0"/>
+              <a:t>抽樣比例。</a:t>
+            </a:r>
+            <a:endParaRPr kumimoji="1" lang="en-US" altLang="zh-TW" dirty="0"/>
+          </a:p>
+          <a:p>
+            <a:pPr lvl="1"/>
+            <a:r>
+              <a:rPr kumimoji="1" lang="en-US" altLang="zh-TW" dirty="0" err="1"/>
+              <a:t>colsample_bytree</a:t>
+            </a:r>
+            <a:r>
+              <a:rPr kumimoji="1" lang="en-US" altLang="zh-TW" dirty="0"/>
+              <a:t>, </a:t>
+            </a:r>
+            <a:r>
+              <a:rPr kumimoji="1" lang="en-US" altLang="zh-TW" dirty="0" err="1"/>
+              <a:t>colsample_bynode</a:t>
+            </a:r>
+            <a:r>
+              <a:rPr kumimoji="1" lang="en-US" altLang="zh-TW" dirty="0"/>
+              <a:t>: </a:t>
+            </a:r>
+            <a:r>
+              <a:rPr kumimoji="1" lang="zh-TW" altLang="en-US" dirty="0"/>
+              <a:t>每次訓練時針對特徵抽樣的比例。</a:t>
+            </a:r>
+            <a:endParaRPr kumimoji="1" lang="en-US" altLang="zh-TW" dirty="0"/>
+          </a:p>
+          <a:p>
+            <a:pPr lvl="1"/>
+            <a:r>
+              <a:rPr kumimoji="1" lang="en-US" altLang="zh-TW" dirty="0" err="1"/>
+              <a:t>num_leaves</a:t>
+            </a:r>
+            <a:r>
+              <a:rPr kumimoji="1" lang="en-US" altLang="zh-TW" dirty="0"/>
+              <a:t>: leaves</a:t>
+            </a:r>
+            <a:r>
+              <a:rPr kumimoji="1" lang="zh-TW" altLang="en-US" dirty="0"/>
+              <a:t>的數量。</a:t>
+            </a:r>
+            <a:endParaRPr kumimoji="1" lang="en-US" altLang="zh-TW" dirty="0"/>
+          </a:p>
+          <a:p>
+            <a:pPr lvl="1"/>
+            <a:r>
+              <a:rPr kumimoji="1" lang="en-US" altLang="zh-TW" dirty="0" err="1"/>
+              <a:t>reg_alpha</a:t>
+            </a:r>
+            <a:r>
+              <a:rPr kumimoji="1" lang="en-US" altLang="zh-TW" dirty="0"/>
+              <a:t>, </a:t>
+            </a:r>
+            <a:r>
+              <a:rPr kumimoji="1" lang="en-US" altLang="zh-TW" dirty="0" err="1"/>
+              <a:t>reg_lambda</a:t>
+            </a:r>
+            <a:r>
+              <a:rPr kumimoji="1" lang="en-US" altLang="zh-TW" dirty="0"/>
+              <a:t>: </a:t>
+            </a:r>
+            <a:r>
+              <a:rPr kumimoji="1" lang="zh-TW" altLang="en-US" dirty="0"/>
+              <a:t>模型的</a:t>
+            </a:r>
+            <a:r>
+              <a:rPr kumimoji="1" lang="en-US" altLang="zh-TW" dirty="0"/>
+              <a:t>penalty terms</a:t>
+            </a:r>
+            <a:r>
+              <a:rPr kumimoji="1" lang="zh-TW" altLang="en-US" dirty="0"/>
+              <a:t>。</a:t>
+            </a:r>
+            <a:endParaRPr kumimoji="1" lang="en-US" altLang="zh-TW" dirty="0"/>
+          </a:p>
+          <a:p>
+            <a:pPr lvl="1"/>
+            <a:endParaRPr kumimoji="1" lang="en-US" altLang="zh-TW" dirty="0"/>
+          </a:p>
+          <a:p>
+            <a:pPr lvl="1"/>
+            <a:endParaRPr kumimoji="1" lang="zh-TW" altLang="en-US" dirty="0"/>
+          </a:p>
+        </p:txBody>
+      </p:sp>
+      <p:sp>
+        <p:nvSpPr>
+          <p:cNvPr id="4" name="投影片編號版面配置區 3">
+            <a:extLst>
+              <a:ext uri="{FF2B5EF4-FFF2-40B4-BE49-F238E27FC236}">
+                <a16:creationId xmlns:a16="http://schemas.microsoft.com/office/drawing/2014/main" id="{E2E221CB-1AC3-4247-9059-0135170366FF}"/>
+              </a:ext>
+            </a:extLst>
+          </p:cNvPr>
+          <p:cNvSpPr>
+            <a:spLocks noGrp="1"/>
+          </p:cNvSpPr>
+          <p:nvPr>
+            <p:ph type="sldNum" sz="quarter" idx="12"/>
+          </p:nvPr>
+        </p:nvSpPr>
+        <p:spPr>
+          <a:xfrm>
+            <a:off x="8610600" y="6356350"/>
+            <a:ext cx="2743200" cy="365125"/>
+          </a:xfrm>
+        </p:spPr>
+        <p:txBody>
+          <a:bodyPr>
+            <a:normAutofit/>
+          </a:bodyPr>
+          <a:lstStyle/>
+          <a:p>
+            <a:pPr>
+              <a:spcAft>
+                <a:spcPts val="600"/>
+              </a:spcAft>
+            </a:pPr>
+            <a:fld id="{B386CFD2-0AD6-4F60-A1EA-3E4A485A23ED}" type="slidenum">
+              <a:rPr lang="zh-TW" altLang="en-US" smtClean="0"/>
+              <a:pPr>
+                <a:spcAft>
+                  <a:spcPts val="600"/>
+                </a:spcAft>
+              </a:pPr>
+              <a:t>15</a:t>
+            </a:fld>
+            <a:endParaRPr lang="zh-TW" altLang="en-US"/>
+          </a:p>
+        </p:txBody>
+      </p:sp>
+    </p:spTree>
+    <p:extLst>
+      <p:ext uri="{BB962C8B-B14F-4D97-AF65-F5344CB8AC3E}">
+        <p14:creationId xmlns:p14="http://schemas.microsoft.com/office/powerpoint/2010/main" val="3570630975"/>
+      </p:ext>
+    </p:extLst>
+  </p:cSld>
+  <p:clrMapOvr>
+    <a:masterClrMapping/>
+  </p:clrMapOvr>
+</p:sld>
+</file>
+
+<file path=ppt/slides/slide16.xml><?xml version="1.0" encoding="utf-8"?>
+<p:sld xmlns:a="http://schemas.openxmlformats.org/drawingml/2006/main" xmlns:r="http://schemas.openxmlformats.org/officeDocument/2006/relationships" xmlns:p="http://schemas.openxmlformats.org/presentationml/2006/main">
+  <p:cSld>
+    <p:bg>
+      <p:bgPr>
+        <a:solidFill>
+          <a:schemeClr val="bg1"/>
+        </a:solidFill>
+        <a:effectLst/>
+      </p:bgPr>
+    </p:bg>
+    <p:spTree>
+      <p:nvGrpSpPr>
+        <p:cNvPr id="1" name=""/>
+        <p:cNvGrpSpPr/>
+        <p:nvPr/>
+      </p:nvGrpSpPr>
+      <p:grpSpPr>
+        <a:xfrm>
+          <a:off x="0" y="0"/>
+          <a:ext cx="0" cy="0"/>
+          <a:chOff x="0" y="0"/>
+          <a:chExt cx="0" cy="0"/>
+        </a:xfrm>
+      </p:grpSpPr>
+      <p:sp useBgFill="1">
+        <p:nvSpPr>
+          <p:cNvPr id="10" name="Rectangle 12">
+            <a:extLst>
+              <a:ext uri="{FF2B5EF4-FFF2-40B4-BE49-F238E27FC236}">
+                <a16:creationId xmlns:a16="http://schemas.microsoft.com/office/drawing/2014/main" id="{4E1BEB12-92AF-4445-98AD-4C7756E7C93B}"/>
+              </a:ext>
+              <a:ext uri="{C183D7F6-B498-43B3-948B-1728B52AA6E4}">
+                <adec:decorative xmlns:adec="http://schemas.microsoft.com/office/drawing/2017/decorative" val="1"/>
+              </a:ext>
+            </a:extLst>
+          </p:cNvPr>
+          <p:cNvSpPr>
+            <a:spLocks noGrp="1" noRot="1" noChangeAspect="1" noMove="1" noResize="1" noEditPoints="1" noAdjustHandles="1" noChangeArrowheads="1" noChangeShapeType="1" noTextEdit="1"/>
+          </p:cNvSpPr>
+          <p:nvPr>
+            <p:extLst>
+              <p:ext uri="{386F3935-93C4-4BCD-93E2-E3B085C9AB24}">
+                <p16:designElem xmlns:p16="http://schemas.microsoft.com/office/powerpoint/2015/main" val="1"/>
+              </p:ext>
+            </p:extLst>
+          </p:nvPr>
+        </p:nvSpPr>
+        <p:spPr>
+          <a:xfrm>
+            <a:off x="3048" y="0"/>
+            <a:ext cx="12188952" cy="6858000"/>
+          </a:xfrm>
+          <a:prstGeom prst="rect">
+            <a:avLst/>
+          </a:prstGeom>
+          <a:ln>
+            <a:noFill/>
+          </a:ln>
+        </p:spPr>
+        <p:style>
+          <a:lnRef idx="2">
+            <a:schemeClr val="accent1">
+              <a:shade val="50000"/>
+            </a:schemeClr>
+          </a:lnRef>
+          <a:fillRef idx="1">
+            <a:schemeClr val="accent1"/>
+          </a:fillRef>
+          <a:effectRef idx="0">
+            <a:schemeClr val="accent1"/>
+          </a:effectRef>
+          <a:fontRef idx="minor">
+            <a:schemeClr val="lt1"/>
+          </a:fontRef>
+        </p:style>
+        <p:txBody>
+          <a:bodyPr rtlCol="0" anchor="ctr"/>
+          <a:lstStyle/>
+          <a:p>
+            <a:pPr algn="ctr"/>
+            <a:endParaRPr lang="en-US"/>
+          </a:p>
+        </p:txBody>
+      </p:sp>
+      <p:sp>
+        <p:nvSpPr>
+          <p:cNvPr id="12" name="Rectangle 14">
+            <a:extLst>
+              <a:ext uri="{FF2B5EF4-FFF2-40B4-BE49-F238E27FC236}">
+                <a16:creationId xmlns:a16="http://schemas.microsoft.com/office/drawing/2014/main" id="{D0522C2C-7B5C-48A7-A969-03941E5D2E76}"/>
+              </a:ext>
+              <a:ext uri="{C183D7F6-B498-43B3-948B-1728B52AA6E4}">
+                <adec:decorative xmlns:adec="http://schemas.microsoft.com/office/drawing/2017/decorative" val="1"/>
+              </a:ext>
+            </a:extLst>
+          </p:cNvPr>
+          <p:cNvSpPr>
+            <a:spLocks noGrp="1" noRot="1" noChangeAspect="1" noMove="1" noResize="1" noEditPoints="1" noAdjustHandles="1" noChangeArrowheads="1" noChangeShapeType="1" noTextEdit="1"/>
+          </p:cNvSpPr>
+          <p:nvPr>
+            <p:extLst>
+              <p:ext uri="{386F3935-93C4-4BCD-93E2-E3B085C9AB24}">
+                <p16:designElem xmlns:p16="http://schemas.microsoft.com/office/powerpoint/2015/main" val="1"/>
+              </p:ext>
+            </p:extLst>
+          </p:nvPr>
+        </p:nvSpPr>
+        <p:spPr>
+          <a:xfrm>
+            <a:off x="0" y="0"/>
+            <a:ext cx="12192000" cy="6858000"/>
+          </a:xfrm>
+          <a:prstGeom prst="rect">
+            <a:avLst/>
+          </a:prstGeom>
+          <a:solidFill>
+            <a:schemeClr val="accent2"/>
+          </a:solidFill>
+          <a:ln>
+            <a:noFill/>
+          </a:ln>
+        </p:spPr>
+        <p:style>
+          <a:lnRef idx="2">
+            <a:schemeClr val="accent1">
+              <a:shade val="50000"/>
+            </a:schemeClr>
+          </a:lnRef>
+          <a:fillRef idx="1">
+            <a:schemeClr val="accent1"/>
+          </a:fillRef>
+          <a:effectRef idx="0">
+            <a:schemeClr val="accent1"/>
+          </a:effectRef>
+          <a:fontRef idx="minor">
+            <a:schemeClr val="lt1"/>
+          </a:fontRef>
+        </p:style>
+        <p:txBody>
+          <a:bodyPr rtlCol="0" anchor="ctr"/>
+          <a:lstStyle/>
+          <a:p>
+            <a:pPr algn="ctr"/>
+            <a:endParaRPr lang="en-US">
+              <a:solidFill>
+                <a:schemeClr val="tx1"/>
+              </a:solidFill>
+            </a:endParaRPr>
+          </a:p>
+        </p:txBody>
+      </p:sp>
+      <p:sp>
+        <p:nvSpPr>
+          <p:cNvPr id="14" name="Freeform 13">
+            <a:extLst>
+              <a:ext uri="{FF2B5EF4-FFF2-40B4-BE49-F238E27FC236}">
+                <a16:creationId xmlns:a16="http://schemas.microsoft.com/office/drawing/2014/main" id="{9C682A1A-5B2D-4111-BBD6-620165633E5B}"/>
+              </a:ext>
+              <a:ext uri="{C183D7F6-B498-43B3-948B-1728B52AA6E4}">
+                <adec:decorative xmlns:adec="http://schemas.microsoft.com/office/drawing/2017/decorative" val="1"/>
+              </a:ext>
+            </a:extLst>
+          </p:cNvPr>
+          <p:cNvSpPr>
+            <a:spLocks noGrp="1" noRot="1" noChangeAspect="1" noMove="1" noResize="1" noEditPoints="1" noAdjustHandles="1" noChangeArrowheads="1" noChangeShapeType="1" noTextEdit="1"/>
+          </p:cNvSpPr>
+          <p:nvPr>
+            <p:extLst>
+              <p:ext uri="{386F3935-93C4-4BCD-93E2-E3B085C9AB24}">
+                <p16:designElem xmlns:p16="http://schemas.microsoft.com/office/powerpoint/2015/main" val="1"/>
+              </p:ext>
+            </p:extLst>
+          </p:nvPr>
+        </p:nvSpPr>
+        <p:spPr>
+          <a:xfrm>
+            <a:off x="2769476" y="220196"/>
+            <a:ext cx="9422524" cy="6637806"/>
+          </a:xfrm>
+          <a:custGeom>
+            <a:avLst/>
+            <a:gdLst>
+              <a:gd name="connsiteX0" fmla="*/ 4929467 w 8191500"/>
+              <a:gd name="connsiteY0" fmla="*/ 0 h 5770597"/>
+              <a:gd name="connsiteX1" fmla="*/ 8065066 w 8191500"/>
+              <a:gd name="connsiteY1" fmla="*/ 1118513 h 5770597"/>
+              <a:gd name="connsiteX2" fmla="*/ 8191500 w 8191500"/>
+              <a:gd name="connsiteY2" fmla="*/ 1227339 h 5770597"/>
+              <a:gd name="connsiteX3" fmla="*/ 8191500 w 8191500"/>
+              <a:gd name="connsiteY3" fmla="*/ 5770597 h 5770597"/>
+              <a:gd name="connsiteX4" fmla="*/ 79523 w 8191500"/>
+              <a:gd name="connsiteY4" fmla="*/ 5770597 h 5770597"/>
+              <a:gd name="connsiteX5" fmla="*/ 56799 w 8191500"/>
+              <a:gd name="connsiteY5" fmla="*/ 5644158 h 5770597"/>
+              <a:gd name="connsiteX6" fmla="*/ 0 w 8191500"/>
+              <a:gd name="connsiteY6" fmla="*/ 4898209 h 5770597"/>
+              <a:gd name="connsiteX7" fmla="*/ 4929467 w 8191500"/>
+              <a:gd name="connsiteY7" fmla="*/ 0 h 5770597"/>
+            </a:gdLst>
+            <a:ahLst/>
+            <a:cxnLst>
+              <a:cxn ang="0">
+                <a:pos x="connsiteX0" y="connsiteY0"/>
+              </a:cxn>
+              <a:cxn ang="0">
+                <a:pos x="connsiteX1" y="connsiteY1"/>
+              </a:cxn>
+              <a:cxn ang="0">
+                <a:pos x="connsiteX2" y="connsiteY2"/>
+              </a:cxn>
+              <a:cxn ang="0">
+                <a:pos x="connsiteX3" y="connsiteY3"/>
+              </a:cxn>
+              <a:cxn ang="0">
+                <a:pos x="connsiteX4" y="connsiteY4"/>
+              </a:cxn>
+              <a:cxn ang="0">
+                <a:pos x="connsiteX5" y="connsiteY5"/>
+              </a:cxn>
+              <a:cxn ang="0">
+                <a:pos x="connsiteX6" y="connsiteY6"/>
+              </a:cxn>
+              <a:cxn ang="0">
+                <a:pos x="connsiteX7" y="connsiteY7"/>
+              </a:cxn>
+            </a:cxnLst>
+            <a:rect l="l" t="t" r="r" b="b"/>
+            <a:pathLst>
+              <a:path w="8191500" h="5770597">
+                <a:moveTo>
+                  <a:pt x="4929467" y="0"/>
+                </a:moveTo>
+                <a:cubicBezTo>
+                  <a:pt x="6120547" y="0"/>
+                  <a:pt x="7212963" y="419755"/>
+                  <a:pt x="8065066" y="1118513"/>
+                </a:cubicBezTo>
+                <a:lnTo>
+                  <a:pt x="8191500" y="1227339"/>
+                </a:lnTo>
+                <a:lnTo>
+                  <a:pt x="8191500" y="5770597"/>
+                </a:lnTo>
+                <a:lnTo>
+                  <a:pt x="79523" y="5770597"/>
+                </a:lnTo>
+                <a:lnTo>
+                  <a:pt x="56799" y="5644158"/>
+                </a:lnTo>
+                <a:cubicBezTo>
+                  <a:pt x="19398" y="5400934"/>
+                  <a:pt x="0" y="5151822"/>
+                  <a:pt x="0" y="4898209"/>
+                </a:cubicBezTo>
+                <a:cubicBezTo>
+                  <a:pt x="0" y="2193003"/>
+                  <a:pt x="2206998" y="0"/>
+                  <a:pt x="4929467" y="0"/>
+                </a:cubicBezTo>
+                <a:close/>
+              </a:path>
+            </a:pathLst>
+          </a:custGeom>
+          <a:solidFill>
+            <a:schemeClr val="bg1"/>
+          </a:solidFill>
+          <a:ln>
+            <a:noFill/>
+          </a:ln>
+        </p:spPr>
+        <p:style>
+          <a:lnRef idx="2">
+            <a:schemeClr val="accent1">
+              <a:shade val="50000"/>
+            </a:schemeClr>
+          </a:lnRef>
+          <a:fillRef idx="1">
+            <a:schemeClr val="accent1"/>
+          </a:fillRef>
+          <a:effectRef idx="0">
+            <a:schemeClr val="accent1"/>
+          </a:effectRef>
+          <a:fontRef idx="minor">
+            <a:schemeClr val="lt1"/>
+          </a:fontRef>
+        </p:style>
+        <p:txBody>
+          <a:bodyPr wrap="square" rtlCol="0" anchor="ctr">
+            <a:noAutofit/>
+          </a:bodyPr>
+          <a:lstStyle/>
+          <a:p>
+            <a:pPr marL="0" marR="0" lvl="0" indent="0" algn="ctr" defTabSz="914400" rtl="0" eaLnBrk="1" fontAlgn="auto" latinLnBrk="0" hangingPunct="1">
+              <a:lnSpc>
+                <a:spcPct val="100000"/>
+              </a:lnSpc>
+              <a:spcBef>
+                <a:spcPts val="0"/>
+              </a:spcBef>
+              <a:spcAft>
+                <a:spcPts val="0"/>
+              </a:spcAft>
+              <a:buClrTx/>
+              <a:buSzTx/>
+              <a:buFontTx/>
+              <a:buNone/>
+              <a:tabLst/>
+              <a:defRPr/>
+            </a:pPr>
+            <a:endParaRPr kumimoji="0" lang="en-US" sz="1800" b="0" i="0" u="none" strike="noStrike" kern="1200" cap="none" spc="0" normalizeH="0" baseline="0" noProof="0">
+              <a:ln>
+                <a:noFill/>
+              </a:ln>
+              <a:solidFill>
+                <a:srgbClr val="FFFFFF"/>
+              </a:solidFill>
+              <a:effectLst/>
+              <a:uLnTx/>
+              <a:uFillTx/>
+              <a:latin typeface="Calibri" panose="020F0502020204030204"/>
+              <a:ea typeface="+mn-ea"/>
+              <a:cs typeface="+mn-cs"/>
+            </a:endParaRPr>
+          </a:p>
+        </p:txBody>
+      </p:sp>
+      <p:sp>
+        <p:nvSpPr>
+          <p:cNvPr id="16" name="Oval 18">
+            <a:extLst>
+              <a:ext uri="{FF2B5EF4-FFF2-40B4-BE49-F238E27FC236}">
+                <a16:creationId xmlns:a16="http://schemas.microsoft.com/office/drawing/2014/main" id="{D6EE29F2-D77F-4BD0-A20B-334D316A1C9D}"/>
+              </a:ext>
+              <a:ext uri="{C183D7F6-B498-43B3-948B-1728B52AA6E4}">
+                <adec:decorative xmlns:adec="http://schemas.microsoft.com/office/drawing/2017/decorative" val="1"/>
+              </a:ext>
+            </a:extLst>
+          </p:cNvPr>
+          <p:cNvSpPr>
+            <a:spLocks noGrp="1" noRot="1" noChangeAspect="1" noMove="1" noResize="1" noEditPoints="1" noAdjustHandles="1" noChangeArrowheads="1" noChangeShapeType="1" noTextEdit="1"/>
+          </p:cNvSpPr>
+          <p:nvPr>
+            <p:extLst>
+              <p:ext uri="{386F3935-93C4-4BCD-93E2-E3B085C9AB24}">
+                <p16:designElem xmlns:p16="http://schemas.microsoft.com/office/powerpoint/2015/main" val="1"/>
+              </p:ext>
+            </p:extLst>
+          </p:nvPr>
+        </p:nvSpPr>
+        <p:spPr>
+          <a:xfrm>
+            <a:off x="2209800" y="2099696"/>
+            <a:ext cx="1942241" cy="1889551"/>
+          </a:xfrm>
+          <a:prstGeom prst="ellipse">
+            <a:avLst/>
+          </a:prstGeom>
+          <a:solidFill>
+            <a:schemeClr val="accent4"/>
+          </a:solidFill>
+          <a:ln>
+            <a:noFill/>
+          </a:ln>
+        </p:spPr>
+        <p:style>
+          <a:lnRef idx="2">
+            <a:schemeClr val="accent1">
+              <a:shade val="50000"/>
+            </a:schemeClr>
+          </a:lnRef>
+          <a:fillRef idx="1">
+            <a:schemeClr val="accent1"/>
+          </a:fillRef>
+          <a:effectRef idx="0">
+            <a:schemeClr val="accent1"/>
+          </a:effectRef>
+          <a:fontRef idx="minor">
+            <a:schemeClr val="lt1"/>
+          </a:fontRef>
+        </p:style>
+        <p:txBody>
+          <a:bodyPr rtlCol="0" anchor="ctr"/>
+          <a:lstStyle/>
+          <a:p>
+            <a:pPr marL="0" marR="0" lvl="0" indent="0" algn="ctr" defTabSz="914400" rtl="0" eaLnBrk="1" fontAlgn="auto" latinLnBrk="0" hangingPunct="1">
+              <a:lnSpc>
+                <a:spcPct val="100000"/>
+              </a:lnSpc>
+              <a:spcBef>
+                <a:spcPts val="0"/>
+              </a:spcBef>
+              <a:spcAft>
+                <a:spcPts val="0"/>
+              </a:spcAft>
+              <a:buClrTx/>
+              <a:buSzTx/>
+              <a:buFontTx/>
+              <a:buNone/>
+              <a:tabLst/>
+              <a:defRPr/>
+            </a:pPr>
+            <a:endParaRPr kumimoji="0" lang="en-US" sz="1800" b="0" i="0" u="none" strike="noStrike" kern="1200" cap="none" spc="0" normalizeH="0" baseline="0" noProof="0">
+              <a:ln>
+                <a:noFill/>
+              </a:ln>
+              <a:solidFill>
+                <a:srgbClr val="FFFFFF"/>
+              </a:solidFill>
+              <a:effectLst/>
+              <a:uLnTx/>
+              <a:uFillTx/>
+              <a:latin typeface="Calibri" panose="020F0502020204030204"/>
+              <a:ea typeface="+mn-ea"/>
+              <a:cs typeface="+mn-cs"/>
+            </a:endParaRPr>
+          </a:p>
+        </p:txBody>
+      </p:sp>
+      <p:sp>
+        <p:nvSpPr>
+          <p:cNvPr id="18" name="Arc 20">
+            <a:extLst>
+              <a:ext uri="{FF2B5EF4-FFF2-40B4-BE49-F238E27FC236}">
+                <a16:creationId xmlns:a16="http://schemas.microsoft.com/office/drawing/2014/main" id="{22D09ED2-868F-42C6-866E-F92E0CEF314F}"/>
+              </a:ext>
+              <a:ext uri="{C183D7F6-B498-43B3-948B-1728B52AA6E4}">
+                <adec:decorative xmlns:adec="http://schemas.microsoft.com/office/drawing/2017/decorative" val="1"/>
+              </a:ext>
+            </a:extLst>
+          </p:cNvPr>
+          <p:cNvSpPr>
+            <a:spLocks noGrp="1" noRot="1" noChangeAspect="1" noMove="1" noResize="1" noEditPoints="1" noAdjustHandles="1" noChangeArrowheads="1" noChangeShapeType="1" noTextEdit="1"/>
+          </p:cNvSpPr>
+          <p:nvPr>
+            <p:extLst>
+              <p:ext uri="{386F3935-93C4-4BCD-93E2-E3B085C9AB24}">
+                <p16:designElem xmlns:p16="http://schemas.microsoft.com/office/powerpoint/2015/main" val="1"/>
+              </p:ext>
+            </p:extLst>
+          </p:nvPr>
+        </p:nvSpPr>
+        <p:spPr>
+          <a:xfrm rot="18520172">
+            <a:off x="1613162" y="1492572"/>
+            <a:ext cx="2987899" cy="2987899"/>
+          </a:xfrm>
+          <a:prstGeom prst="arc">
+            <a:avLst>
+              <a:gd name="adj1" fmla="val 14455503"/>
+              <a:gd name="adj2" fmla="val 227775"/>
+            </a:avLst>
+          </a:prstGeom>
+          <a:ln w="127000" cap="rnd">
+            <a:solidFill>
+              <a:schemeClr val="accent4"/>
+            </a:solidFill>
+            <a:prstDash val="dash"/>
+            <a:miter lim="800000"/>
+          </a:ln>
+        </p:spPr>
+        <p:style>
+          <a:lnRef idx="1">
+            <a:schemeClr val="accent1"/>
+          </a:lnRef>
+          <a:fillRef idx="0">
+            <a:schemeClr val="accent1"/>
+          </a:fillRef>
+          <a:effectRef idx="0">
+            <a:schemeClr val="accent1"/>
+          </a:effectRef>
+          <a:fontRef idx="minor">
+            <a:schemeClr val="tx1"/>
+          </a:fontRef>
+        </p:style>
+        <p:txBody>
+          <a:bodyPr rtlCol="0" anchor="ctr"/>
+          <a:lstStyle/>
+          <a:p>
+            <a:pPr marL="0" marR="0" lvl="0" indent="0" algn="ctr" defTabSz="914400" rtl="0" eaLnBrk="1" fontAlgn="auto" latinLnBrk="0" hangingPunct="1">
+              <a:lnSpc>
+                <a:spcPct val="100000"/>
+              </a:lnSpc>
+              <a:spcBef>
+                <a:spcPts val="0"/>
+              </a:spcBef>
+              <a:spcAft>
+                <a:spcPts val="0"/>
+              </a:spcAft>
+              <a:buClrTx/>
+              <a:buSzTx/>
+              <a:buFontTx/>
+              <a:buNone/>
+              <a:tabLst/>
+              <a:defRPr/>
+            </a:pPr>
+            <a:endParaRPr kumimoji="0" lang="en-US" sz="1800" b="0" i="0" u="none" strike="noStrike" kern="1200" cap="none" spc="0" normalizeH="0" baseline="0" noProof="0">
+              <a:ln>
+                <a:noFill/>
+              </a:ln>
+              <a:solidFill>
+                <a:srgbClr val="000000"/>
+              </a:solidFill>
+              <a:effectLst/>
+              <a:uLnTx/>
+              <a:uFillTx/>
+              <a:latin typeface="Calibri" panose="020F0502020204030204"/>
+              <a:ea typeface="+mn-ea"/>
+              <a:cs typeface="+mn-cs"/>
+            </a:endParaRPr>
+          </a:p>
+        </p:txBody>
+      </p:sp>
+      <p:sp>
+        <p:nvSpPr>
+          <p:cNvPr id="2" name="標題 1"/>
+          <p:cNvSpPr>
+            <a:spLocks noGrp="1"/>
+          </p:cNvSpPr>
+          <p:nvPr>
+            <p:ph type="title"/>
+          </p:nvPr>
+        </p:nvSpPr>
+        <p:spPr>
+          <a:xfrm>
+            <a:off x="4038600" y="1939159"/>
+            <a:ext cx="7644627" cy="2751086"/>
+          </a:xfrm>
+        </p:spPr>
+        <p:txBody>
+          <a:bodyPr vert="horz" lIns="91440" tIns="45720" rIns="91440" bIns="45720" rtlCol="0" anchor="b">
+            <a:normAutofit/>
+          </a:bodyPr>
+          <a:lstStyle/>
+          <a:p>
+            <a:pPr algn="r"/>
+            <a:r>
+              <a:rPr lang="zh-TW" altLang="en-US" b="1" dirty="0"/>
+              <a:t>預測結果 </a:t>
+            </a:r>
+          </a:p>
+        </p:txBody>
+      </p:sp>
+      <p:sp>
+        <p:nvSpPr>
+          <p:cNvPr id="4" name="投影片編號版面配置區 3"/>
+          <p:cNvSpPr>
+            <a:spLocks noGrp="1"/>
+          </p:cNvSpPr>
+          <p:nvPr>
+            <p:ph type="sldNum" sz="quarter" idx="12"/>
+          </p:nvPr>
+        </p:nvSpPr>
+        <p:spPr>
+          <a:xfrm>
+            <a:off x="8610600" y="6356350"/>
+            <a:ext cx="2743200" cy="365125"/>
+          </a:xfrm>
+        </p:spPr>
+        <p:txBody>
+          <a:bodyPr vert="horz" lIns="91440" tIns="45720" rIns="91440" bIns="45720" rtlCol="0" anchor="ctr">
+            <a:normAutofit/>
+          </a:bodyPr>
+          <a:lstStyle/>
+          <a:p>
+            <a:pPr>
+              <a:spcAft>
+                <a:spcPts val="600"/>
+              </a:spcAft>
+            </a:pPr>
+            <a:fld id="{B386CFD2-0AD6-4F60-A1EA-3E4A485A23ED}" type="slidenum">
+              <a:rPr lang="en-US" altLang="zh-TW" smtClean="0"/>
+              <a:pPr>
+                <a:spcAft>
+                  <a:spcPts val="600"/>
+                </a:spcAft>
+              </a:pPr>
+              <a:t>16</a:t>
+            </a:fld>
+            <a:endParaRPr lang="en-US" altLang="zh-TW"/>
+          </a:p>
+        </p:txBody>
+      </p:sp>
+    </p:spTree>
+    <p:extLst>
+      <p:ext uri="{BB962C8B-B14F-4D97-AF65-F5344CB8AC3E}">
+        <p14:creationId xmlns:p14="http://schemas.microsoft.com/office/powerpoint/2010/main" val="2267802513"/>
+      </p:ext>
+    </p:extLst>
+  </p:cSld>
+  <p:clrMapOvr>
+    <a:masterClrMapping/>
+  </p:clrMapOvr>
+</p:sld>
+</file>
+
+<file path=ppt/slides/slide17.xml><?xml version="1.0" encoding="utf-8"?>
+<p:sld xmlns:a="http://schemas.openxmlformats.org/drawingml/2006/main" xmlns:r="http://schemas.openxmlformats.org/officeDocument/2006/relationships" xmlns:p="http://schemas.openxmlformats.org/presentationml/2006/main">
+  <p:cSld>
+    <p:bg>
+      <p:bgPr>
+        <a:solidFill>
+          <a:schemeClr val="bg1"/>
+        </a:solidFill>
+        <a:effectLst/>
+      </p:bgPr>
+    </p:bg>
+    <p:spTree>
+      <p:nvGrpSpPr>
+        <p:cNvPr id="1" name=""/>
+        <p:cNvGrpSpPr/>
+        <p:nvPr/>
+      </p:nvGrpSpPr>
+      <p:grpSpPr>
+        <a:xfrm>
+          <a:off x="0" y="0"/>
+          <a:ext cx="0" cy="0"/>
+          <a:chOff x="0" y="0"/>
+          <a:chExt cx="0" cy="0"/>
+        </a:xfrm>
+      </p:grpSpPr>
+      <p:sp useBgFill="1">
+        <p:nvSpPr>
+          <p:cNvPr id="11" name="Rectangle 10">
+            <a:extLst>
+              <a:ext uri="{FF2B5EF4-FFF2-40B4-BE49-F238E27FC236}">
+                <a16:creationId xmlns:a16="http://schemas.microsoft.com/office/drawing/2014/main" id="{1BB867FF-FC45-48F7-8104-F89BE54909F1}"/>
+              </a:ext>
+              <a:ext uri="{C183D7F6-B498-43B3-948B-1728B52AA6E4}">
+                <adec:decorative xmlns:adec="http://schemas.microsoft.com/office/drawing/2017/decorative" val="1"/>
+              </a:ext>
+            </a:extLst>
+          </p:cNvPr>
+          <p:cNvSpPr>
+            <a:spLocks noGrp="1" noRot="1" noChangeAspect="1" noMove="1" noResize="1" noEditPoints="1" noAdjustHandles="1" noChangeArrowheads="1" noChangeShapeType="1" noTextEdit="1"/>
+          </p:cNvSpPr>
+          <p:nvPr>
+            <p:extLst>
+              <p:ext uri="{386F3935-93C4-4BCD-93E2-E3B085C9AB24}">
+                <p16:designElem xmlns:p16="http://schemas.microsoft.com/office/powerpoint/2015/main" val="1"/>
+              </p:ext>
+            </p:extLst>
+          </p:nvPr>
+        </p:nvSpPr>
+        <p:spPr>
+          <a:xfrm>
+            <a:off x="3048" y="0"/>
+            <a:ext cx="12188952" cy="6858000"/>
+          </a:xfrm>
+          <a:prstGeom prst="rect">
+            <a:avLst/>
+          </a:prstGeom>
+          <a:ln>
+            <a:noFill/>
+          </a:ln>
+        </p:spPr>
+        <p:style>
+          <a:lnRef idx="2">
+            <a:schemeClr val="accent1">
+              <a:shade val="50000"/>
+            </a:schemeClr>
+          </a:lnRef>
+          <a:fillRef idx="1">
+            <a:schemeClr val="accent1"/>
+          </a:fillRef>
+          <a:effectRef idx="0">
+            <a:schemeClr val="accent1"/>
+          </a:effectRef>
+          <a:fontRef idx="minor">
+            <a:schemeClr val="lt1"/>
+          </a:fontRef>
+        </p:style>
+        <p:txBody>
+          <a:bodyPr rtlCol="0" anchor="ctr"/>
+          <a:lstStyle/>
+          <a:p>
+            <a:pPr algn="ctr"/>
+            <a:endParaRPr lang="en-US"/>
+          </a:p>
+        </p:txBody>
+      </p:sp>
+      <p:sp>
+        <p:nvSpPr>
+          <p:cNvPr id="13" name="Freeform: Shape 12">
+            <a:extLst>
+              <a:ext uri="{FF2B5EF4-FFF2-40B4-BE49-F238E27FC236}">
+                <a16:creationId xmlns:a16="http://schemas.microsoft.com/office/drawing/2014/main" id="{8BB56887-D0D5-4F0C-9E19-7247EB83C8B7}"/>
+              </a:ext>
+              <a:ext uri="{C183D7F6-B498-43B3-948B-1728B52AA6E4}">
+                <adec:decorative xmlns:adec="http://schemas.microsoft.com/office/drawing/2017/decorative" val="1"/>
+              </a:ext>
+            </a:extLst>
+          </p:cNvPr>
+          <p:cNvSpPr>
+            <a:spLocks noGrp="1" noRot="1" noChangeAspect="1" noMove="1" noResize="1" noEditPoints="1" noAdjustHandles="1" noChangeArrowheads="1" noChangeShapeType="1" noTextEdit="1"/>
+          </p:cNvSpPr>
+          <p:nvPr>
+            <p:extLst>
+              <p:ext uri="{386F3935-93C4-4BCD-93E2-E3B085C9AB24}">
+                <p16:designElem xmlns:p16="http://schemas.microsoft.com/office/powerpoint/2015/main" val="1"/>
+              </p:ext>
+            </p:extLst>
+          </p:nvPr>
+        </p:nvSpPr>
+        <p:spPr>
+          <a:xfrm>
+            <a:off x="10208695" y="1"/>
+            <a:ext cx="1135066" cy="477997"/>
+          </a:xfrm>
+          <a:custGeom>
+            <a:avLst/>
+            <a:gdLst>
+              <a:gd name="connsiteX0" fmla="*/ 0 w 1135066"/>
+              <a:gd name="connsiteY0" fmla="*/ 0 h 477997"/>
+              <a:gd name="connsiteX1" fmla="*/ 1135066 w 1135066"/>
+              <a:gd name="connsiteY1" fmla="*/ 0 h 477997"/>
+              <a:gd name="connsiteX2" fmla="*/ 1133370 w 1135066"/>
+              <a:gd name="connsiteY2" fmla="*/ 16827 h 477997"/>
+              <a:gd name="connsiteX3" fmla="*/ 567533 w 1135066"/>
+              <a:gd name="connsiteY3" fmla="*/ 477997 h 477997"/>
+              <a:gd name="connsiteX4" fmla="*/ 1696 w 1135066"/>
+              <a:gd name="connsiteY4" fmla="*/ 16827 h 477997"/>
+            </a:gdLst>
+            <a:ahLst/>
+            <a:cxnLst>
+              <a:cxn ang="0">
+                <a:pos x="connsiteX0" y="connsiteY0"/>
+              </a:cxn>
+              <a:cxn ang="0">
+                <a:pos x="connsiteX1" y="connsiteY1"/>
+              </a:cxn>
+              <a:cxn ang="0">
+                <a:pos x="connsiteX2" y="connsiteY2"/>
+              </a:cxn>
+              <a:cxn ang="0">
+                <a:pos x="connsiteX3" y="connsiteY3"/>
+              </a:cxn>
+              <a:cxn ang="0">
+                <a:pos x="connsiteX4" y="connsiteY4"/>
+              </a:cxn>
+            </a:cxnLst>
+            <a:rect l="l" t="t" r="r" b="b"/>
+            <a:pathLst>
+              <a:path w="1135066" h="477997">
+                <a:moveTo>
+                  <a:pt x="0" y="0"/>
+                </a:moveTo>
+                <a:lnTo>
+                  <a:pt x="1135066" y="0"/>
+                </a:lnTo>
+                <a:lnTo>
+                  <a:pt x="1133370" y="16827"/>
+                </a:lnTo>
+                <a:cubicBezTo>
+                  <a:pt x="1079514" y="280016"/>
+                  <a:pt x="846644" y="477997"/>
+                  <a:pt x="567533" y="477997"/>
+                </a:cubicBezTo>
+                <a:cubicBezTo>
+                  <a:pt x="288422" y="477997"/>
+                  <a:pt x="55552" y="280016"/>
+                  <a:pt x="1696" y="16827"/>
+                </a:cubicBezTo>
+                <a:close/>
+              </a:path>
+            </a:pathLst>
+          </a:custGeom>
+          <a:solidFill>
+            <a:schemeClr val="accent4"/>
+          </a:solidFill>
+          <a:ln>
+            <a:noFill/>
+          </a:ln>
+        </p:spPr>
+        <p:style>
+          <a:lnRef idx="2">
+            <a:schemeClr val="accent1">
+              <a:shade val="50000"/>
+            </a:schemeClr>
+          </a:lnRef>
+          <a:fillRef idx="1">
+            <a:schemeClr val="accent1"/>
+          </a:fillRef>
+          <a:effectRef idx="0">
+            <a:schemeClr val="accent1"/>
+          </a:effectRef>
+          <a:fontRef idx="minor">
+            <a:schemeClr val="lt1"/>
+          </a:fontRef>
+        </p:style>
+        <p:txBody>
+          <a:bodyPr wrap="square" rtlCol="0" anchor="ctr">
+            <a:noAutofit/>
+          </a:bodyPr>
+          <a:lstStyle/>
+          <a:p>
+            <a:pPr algn="ctr"/>
+            <a:endParaRPr lang="en-US"/>
+          </a:p>
+        </p:txBody>
+      </p:sp>
+      <p:sp>
+        <p:nvSpPr>
+          <p:cNvPr id="5" name="標題 4">
+            <a:extLst>
+              <a:ext uri="{FF2B5EF4-FFF2-40B4-BE49-F238E27FC236}">
+                <a16:creationId xmlns:a16="http://schemas.microsoft.com/office/drawing/2014/main" id="{2D2293D6-96AC-3648-A924-A073C370F4C6}"/>
+              </a:ext>
+            </a:extLst>
+          </p:cNvPr>
+          <p:cNvSpPr>
+            <a:spLocks noGrp="1"/>
+          </p:cNvSpPr>
+          <p:nvPr>
+            <p:ph type="title"/>
+          </p:nvPr>
+        </p:nvSpPr>
+        <p:spPr>
+          <a:xfrm>
+            <a:off x="838200" y="365125"/>
+            <a:ext cx="10515600" cy="1325563"/>
+          </a:xfrm>
+        </p:spPr>
+        <p:txBody>
+          <a:bodyPr>
+            <a:normAutofit/>
+          </a:bodyPr>
           <a:lstStyle/>
           <a:p>
             <a:r>
               <a:rPr lang="zh-TW" altLang="en-US" dirty="0"/>
-              <a:t>一、</a:t>
-            </a:r>
-            <a:r>
-              <a:rPr lang="zh-TW" altLang="zh-TW" dirty="0">
-                <a:cs typeface="Arial" panose="020B0604020202020204" pitchFamily="34" charset="0"/>
+              <a:t>模型調校結果</a:t>
+            </a:r>
+          </a:p>
+        </p:txBody>
+      </p:sp>
+      <p:sp>
+        <p:nvSpPr>
+          <p:cNvPr id="15" name="Arc 14">
+            <a:extLst>
+              <a:ext uri="{FF2B5EF4-FFF2-40B4-BE49-F238E27FC236}">
+                <a16:creationId xmlns:a16="http://schemas.microsoft.com/office/drawing/2014/main" id="{081E4A58-353D-44AE-B2FC-2A74E2E400F7}"/>
+              </a:ext>
+              <a:ext uri="{C183D7F6-B498-43B3-948B-1728B52AA6E4}">
+                <adec:decorative xmlns:adec="http://schemas.microsoft.com/office/drawing/2017/decorative" val="1"/>
+              </a:ext>
+            </a:extLst>
+          </p:cNvPr>
+          <p:cNvSpPr>
+            <a:spLocks noGrp="1" noRot="1" noChangeAspect="1" noMove="1" noResize="1" noEditPoints="1" noAdjustHandles="1" noChangeArrowheads="1" noChangeShapeType="1" noTextEdit="1"/>
+          </p:cNvSpPr>
+          <p:nvPr>
+            <p:extLst>
+              <p:ext uri="{386F3935-93C4-4BCD-93E2-E3B085C9AB24}">
+                <p16:designElem xmlns:p16="http://schemas.microsoft.com/office/powerpoint/2015/main" val="1"/>
+              </p:ext>
+            </p:extLst>
+          </p:nvPr>
+        </p:nvSpPr>
+        <p:spPr>
+          <a:xfrm rot="5400000" flipV="1">
+            <a:off x="555710" y="2183223"/>
+            <a:ext cx="4083433" cy="4083433"/>
+          </a:xfrm>
+          <a:prstGeom prst="arc">
+            <a:avLst/>
+          </a:prstGeom>
+          <a:ln w="127000" cap="rnd">
+            <a:solidFill>
+              <a:schemeClr val="accent4"/>
+            </a:solidFill>
+            <a:prstDash val="dash"/>
+          </a:ln>
+        </p:spPr>
+        <p:style>
+          <a:lnRef idx="1">
+            <a:schemeClr val="accent1"/>
+          </a:lnRef>
+          <a:fillRef idx="0">
+            <a:schemeClr val="accent1"/>
+          </a:fillRef>
+          <a:effectRef idx="0">
+            <a:schemeClr val="accent1"/>
+          </a:effectRef>
+          <a:fontRef idx="minor">
+            <a:schemeClr val="tx1"/>
+          </a:fontRef>
+        </p:style>
+        <p:txBody>
+          <a:bodyPr rtlCol="0" anchor="ctr"/>
+          <a:lstStyle/>
+          <a:p>
+            <a:pPr algn="ctr"/>
+            <a:endParaRPr lang="en-US" dirty="0"/>
+          </a:p>
+        </p:txBody>
+      </p:sp>
+      <p:sp>
+        <p:nvSpPr>
+          <p:cNvPr id="6" name="內容版面配置區 5">
+            <a:extLst>
+              <a:ext uri="{FF2B5EF4-FFF2-40B4-BE49-F238E27FC236}">
+                <a16:creationId xmlns:a16="http://schemas.microsoft.com/office/drawing/2014/main" id="{716DF996-4CEA-C343-9D1C-5542F61F65D0}"/>
+              </a:ext>
+            </a:extLst>
+          </p:cNvPr>
+          <p:cNvSpPr>
+            <a:spLocks noGrp="1"/>
+          </p:cNvSpPr>
+          <p:nvPr>
+            <p:ph idx="1"/>
+          </p:nvPr>
+        </p:nvSpPr>
+        <p:spPr>
+          <a:xfrm>
+            <a:off x="838200" y="1825625"/>
+            <a:ext cx="10515600" cy="4351338"/>
+          </a:xfrm>
+        </p:spPr>
+        <p:txBody>
+          <a:bodyPr>
+            <a:normAutofit/>
+          </a:bodyPr>
+          <a:lstStyle/>
+          <a:p>
+            <a:endParaRPr lang="zh-TW" altLang="en-US" dirty="0"/>
+          </a:p>
+        </p:txBody>
+      </p:sp>
+      <p:sp>
+        <p:nvSpPr>
+          <p:cNvPr id="4" name="投影片編號版面配置區 3">
+            <a:extLst>
+              <a:ext uri="{FF2B5EF4-FFF2-40B4-BE49-F238E27FC236}">
+                <a16:creationId xmlns:a16="http://schemas.microsoft.com/office/drawing/2014/main" id="{557FCA82-6171-0045-A574-61D81213F46D}"/>
+              </a:ext>
+            </a:extLst>
+          </p:cNvPr>
+          <p:cNvSpPr>
+            <a:spLocks noGrp="1"/>
+          </p:cNvSpPr>
+          <p:nvPr>
+            <p:ph type="sldNum" sz="quarter" idx="12"/>
+          </p:nvPr>
+        </p:nvSpPr>
+        <p:spPr>
+          <a:xfrm>
+            <a:off x="8610600" y="6356350"/>
+            <a:ext cx="2743200" cy="365125"/>
+          </a:xfrm>
+        </p:spPr>
+        <p:txBody>
+          <a:bodyPr>
+            <a:normAutofit/>
+          </a:bodyPr>
+          <a:lstStyle/>
+          <a:p>
+            <a:pPr>
+              <a:spcAft>
+                <a:spcPts val="600"/>
+              </a:spcAft>
+            </a:pPr>
+            <a:fld id="{B386CFD2-0AD6-4F60-A1EA-3E4A485A23ED}" type="slidenum">
+              <a:rPr lang="zh-TW" altLang="en-US" smtClean="0"/>
+              <a:pPr>
+                <a:spcAft>
+                  <a:spcPts val="600"/>
+                </a:spcAft>
+              </a:pPr>
+              <a:t>17</a:t>
+            </a:fld>
+            <a:endParaRPr lang="zh-TW" altLang="en-US"/>
+          </a:p>
+        </p:txBody>
+      </p:sp>
+    </p:spTree>
+    <p:extLst>
+      <p:ext uri="{BB962C8B-B14F-4D97-AF65-F5344CB8AC3E}">
+        <p14:creationId xmlns:p14="http://schemas.microsoft.com/office/powerpoint/2010/main" val="476843605"/>
+      </p:ext>
+    </p:extLst>
+  </p:cSld>
+  <p:clrMapOvr>
+    <a:masterClrMapping/>
+  </p:clrMapOvr>
+</p:sld>
+</file>
+
+<file path=ppt/slides/slide18.xml><?xml version="1.0" encoding="utf-8"?>
+<p:sld xmlns:a="http://schemas.openxmlformats.org/drawingml/2006/main" xmlns:r="http://schemas.openxmlformats.org/officeDocument/2006/relationships" xmlns:p="http://schemas.openxmlformats.org/presentationml/2006/main">
+  <p:cSld>
+    <p:bg>
+      <p:bgPr>
+        <a:solidFill>
+          <a:schemeClr val="bg1"/>
+        </a:solidFill>
+        <a:effectLst/>
+      </p:bgPr>
+    </p:bg>
+    <p:spTree>
+      <p:nvGrpSpPr>
+        <p:cNvPr id="1" name=""/>
+        <p:cNvGrpSpPr/>
+        <p:nvPr/>
+      </p:nvGrpSpPr>
+      <p:grpSpPr>
+        <a:xfrm>
+          <a:off x="0" y="0"/>
+          <a:ext cx="0" cy="0"/>
+          <a:chOff x="0" y="0"/>
+          <a:chExt cx="0" cy="0"/>
+        </a:xfrm>
+      </p:grpSpPr>
+      <p:sp useBgFill="1">
+        <p:nvSpPr>
+          <p:cNvPr id="11" name="Rectangle 10">
+            <a:extLst>
+              <a:ext uri="{FF2B5EF4-FFF2-40B4-BE49-F238E27FC236}">
+                <a16:creationId xmlns:a16="http://schemas.microsoft.com/office/drawing/2014/main" id="{1BB867FF-FC45-48F7-8104-F89BE54909F1}"/>
+              </a:ext>
+              <a:ext uri="{C183D7F6-B498-43B3-948B-1728B52AA6E4}">
+                <adec:decorative xmlns:adec="http://schemas.microsoft.com/office/drawing/2017/decorative" val="1"/>
+              </a:ext>
+            </a:extLst>
+          </p:cNvPr>
+          <p:cNvSpPr>
+            <a:spLocks noGrp="1" noRot="1" noChangeAspect="1" noMove="1" noResize="1" noEditPoints="1" noAdjustHandles="1" noChangeArrowheads="1" noChangeShapeType="1" noTextEdit="1"/>
+          </p:cNvSpPr>
+          <p:nvPr>
+            <p:extLst>
+              <p:ext uri="{386F3935-93C4-4BCD-93E2-E3B085C9AB24}">
+                <p16:designElem xmlns:p16="http://schemas.microsoft.com/office/powerpoint/2015/main" val="1"/>
+              </p:ext>
+            </p:extLst>
+          </p:nvPr>
+        </p:nvSpPr>
+        <p:spPr>
+          <a:xfrm>
+            <a:off x="3048" y="0"/>
+            <a:ext cx="12188952" cy="6858000"/>
+          </a:xfrm>
+          <a:prstGeom prst="rect">
+            <a:avLst/>
+          </a:prstGeom>
+          <a:ln>
+            <a:noFill/>
+          </a:ln>
+        </p:spPr>
+        <p:style>
+          <a:lnRef idx="2">
+            <a:schemeClr val="accent1">
+              <a:shade val="50000"/>
+            </a:schemeClr>
+          </a:lnRef>
+          <a:fillRef idx="1">
+            <a:schemeClr val="accent1"/>
+          </a:fillRef>
+          <a:effectRef idx="0">
+            <a:schemeClr val="accent1"/>
+          </a:effectRef>
+          <a:fontRef idx="minor">
+            <a:schemeClr val="lt1"/>
+          </a:fontRef>
+        </p:style>
+        <p:txBody>
+          <a:bodyPr rtlCol="0" anchor="ctr"/>
+          <a:lstStyle/>
+          <a:p>
+            <a:pPr algn="ctr"/>
+            <a:endParaRPr lang="en-US"/>
+          </a:p>
+        </p:txBody>
+      </p:sp>
+      <p:sp>
+        <p:nvSpPr>
+          <p:cNvPr id="13" name="Freeform: Shape 12">
+            <a:extLst>
+              <a:ext uri="{FF2B5EF4-FFF2-40B4-BE49-F238E27FC236}">
+                <a16:creationId xmlns:a16="http://schemas.microsoft.com/office/drawing/2014/main" id="{8BB56887-D0D5-4F0C-9E19-7247EB83C8B7}"/>
+              </a:ext>
+              <a:ext uri="{C183D7F6-B498-43B3-948B-1728B52AA6E4}">
+                <adec:decorative xmlns:adec="http://schemas.microsoft.com/office/drawing/2017/decorative" val="1"/>
+              </a:ext>
+            </a:extLst>
+          </p:cNvPr>
+          <p:cNvSpPr>
+            <a:spLocks noGrp="1" noRot="1" noChangeAspect="1" noMove="1" noResize="1" noEditPoints="1" noAdjustHandles="1" noChangeArrowheads="1" noChangeShapeType="1" noTextEdit="1"/>
+          </p:cNvSpPr>
+          <p:nvPr>
+            <p:extLst>
+              <p:ext uri="{386F3935-93C4-4BCD-93E2-E3B085C9AB24}">
+                <p16:designElem xmlns:p16="http://schemas.microsoft.com/office/powerpoint/2015/main" val="1"/>
+              </p:ext>
+            </p:extLst>
+          </p:nvPr>
+        </p:nvSpPr>
+        <p:spPr>
+          <a:xfrm>
+            <a:off x="10208695" y="1"/>
+            <a:ext cx="1135066" cy="477997"/>
+          </a:xfrm>
+          <a:custGeom>
+            <a:avLst/>
+            <a:gdLst>
+              <a:gd name="connsiteX0" fmla="*/ 0 w 1135066"/>
+              <a:gd name="connsiteY0" fmla="*/ 0 h 477997"/>
+              <a:gd name="connsiteX1" fmla="*/ 1135066 w 1135066"/>
+              <a:gd name="connsiteY1" fmla="*/ 0 h 477997"/>
+              <a:gd name="connsiteX2" fmla="*/ 1133370 w 1135066"/>
+              <a:gd name="connsiteY2" fmla="*/ 16827 h 477997"/>
+              <a:gd name="connsiteX3" fmla="*/ 567533 w 1135066"/>
+              <a:gd name="connsiteY3" fmla="*/ 477997 h 477997"/>
+              <a:gd name="connsiteX4" fmla="*/ 1696 w 1135066"/>
+              <a:gd name="connsiteY4" fmla="*/ 16827 h 477997"/>
+            </a:gdLst>
+            <a:ahLst/>
+            <a:cxnLst>
+              <a:cxn ang="0">
+                <a:pos x="connsiteX0" y="connsiteY0"/>
+              </a:cxn>
+              <a:cxn ang="0">
+                <a:pos x="connsiteX1" y="connsiteY1"/>
+              </a:cxn>
+              <a:cxn ang="0">
+                <a:pos x="connsiteX2" y="connsiteY2"/>
+              </a:cxn>
+              <a:cxn ang="0">
+                <a:pos x="connsiteX3" y="connsiteY3"/>
+              </a:cxn>
+              <a:cxn ang="0">
+                <a:pos x="connsiteX4" y="connsiteY4"/>
+              </a:cxn>
+            </a:cxnLst>
+            <a:rect l="l" t="t" r="r" b="b"/>
+            <a:pathLst>
+              <a:path w="1135066" h="477997">
+                <a:moveTo>
+                  <a:pt x="0" y="0"/>
+                </a:moveTo>
+                <a:lnTo>
+                  <a:pt x="1135066" y="0"/>
+                </a:lnTo>
+                <a:lnTo>
+                  <a:pt x="1133370" y="16827"/>
+                </a:lnTo>
+                <a:cubicBezTo>
+                  <a:pt x="1079514" y="280016"/>
+                  <a:pt x="846644" y="477997"/>
+                  <a:pt x="567533" y="477997"/>
+                </a:cubicBezTo>
+                <a:cubicBezTo>
+                  <a:pt x="288422" y="477997"/>
+                  <a:pt x="55552" y="280016"/>
+                  <a:pt x="1696" y="16827"/>
+                </a:cubicBezTo>
+                <a:close/>
+              </a:path>
+            </a:pathLst>
+          </a:custGeom>
+          <a:solidFill>
+            <a:schemeClr val="accent4"/>
+          </a:solidFill>
+          <a:ln>
+            <a:noFill/>
+          </a:ln>
+        </p:spPr>
+        <p:style>
+          <a:lnRef idx="2">
+            <a:schemeClr val="accent1">
+              <a:shade val="50000"/>
+            </a:schemeClr>
+          </a:lnRef>
+          <a:fillRef idx="1">
+            <a:schemeClr val="accent1"/>
+          </a:fillRef>
+          <a:effectRef idx="0">
+            <a:schemeClr val="accent1"/>
+          </a:effectRef>
+          <a:fontRef idx="minor">
+            <a:schemeClr val="lt1"/>
+          </a:fontRef>
+        </p:style>
+        <p:txBody>
+          <a:bodyPr wrap="square" rtlCol="0" anchor="ctr">
+            <a:noAutofit/>
+          </a:bodyPr>
+          <a:lstStyle/>
+          <a:p>
+            <a:pPr algn="ctr"/>
+            <a:endParaRPr lang="en-US"/>
+          </a:p>
+        </p:txBody>
+      </p:sp>
+      <p:sp>
+        <p:nvSpPr>
+          <p:cNvPr id="5" name="標題 4">
+            <a:extLst>
+              <a:ext uri="{FF2B5EF4-FFF2-40B4-BE49-F238E27FC236}">
+                <a16:creationId xmlns:a16="http://schemas.microsoft.com/office/drawing/2014/main" id="{9FB54F85-F41B-ED4E-80FD-D02FFDF2FE0A}"/>
+              </a:ext>
+            </a:extLst>
+          </p:cNvPr>
+          <p:cNvSpPr>
+            <a:spLocks noGrp="1"/>
+          </p:cNvSpPr>
+          <p:nvPr>
+            <p:ph type="title"/>
+          </p:nvPr>
+        </p:nvSpPr>
+        <p:spPr>
+          <a:xfrm>
+            <a:off x="838200" y="365125"/>
+            <a:ext cx="10515600" cy="1325563"/>
+          </a:xfrm>
+        </p:spPr>
+        <p:txBody>
+          <a:bodyPr>
+            <a:normAutofit/>
+          </a:bodyPr>
+          <a:lstStyle/>
+          <a:p>
+            <a:r>
+              <a:rPr lang="zh-TW" altLang="en-US" dirty="0"/>
+              <a:t>預測結果</a:t>
+            </a:r>
+          </a:p>
+        </p:txBody>
+      </p:sp>
+      <p:sp>
+        <p:nvSpPr>
+          <p:cNvPr id="15" name="Arc 14">
+            <a:extLst>
+              <a:ext uri="{FF2B5EF4-FFF2-40B4-BE49-F238E27FC236}">
+                <a16:creationId xmlns:a16="http://schemas.microsoft.com/office/drawing/2014/main" id="{081E4A58-353D-44AE-B2FC-2A74E2E400F7}"/>
+              </a:ext>
+              <a:ext uri="{C183D7F6-B498-43B3-948B-1728B52AA6E4}">
+                <adec:decorative xmlns:adec="http://schemas.microsoft.com/office/drawing/2017/decorative" val="1"/>
+              </a:ext>
+            </a:extLst>
+          </p:cNvPr>
+          <p:cNvSpPr>
+            <a:spLocks noGrp="1" noRot="1" noChangeAspect="1" noMove="1" noResize="1" noEditPoints="1" noAdjustHandles="1" noChangeArrowheads="1" noChangeShapeType="1" noTextEdit="1"/>
+          </p:cNvSpPr>
+          <p:nvPr>
+            <p:extLst>
+              <p:ext uri="{386F3935-93C4-4BCD-93E2-E3B085C9AB24}">
+                <p16:designElem xmlns:p16="http://schemas.microsoft.com/office/powerpoint/2015/main" val="1"/>
+              </p:ext>
+            </p:extLst>
+          </p:nvPr>
+        </p:nvSpPr>
+        <p:spPr>
+          <a:xfrm rot="5400000" flipV="1">
+            <a:off x="555710" y="2183223"/>
+            <a:ext cx="4083433" cy="4083433"/>
+          </a:xfrm>
+          <a:prstGeom prst="arc">
+            <a:avLst/>
+          </a:prstGeom>
+          <a:ln w="127000" cap="rnd">
+            <a:solidFill>
+              <a:schemeClr val="accent4"/>
+            </a:solidFill>
+            <a:prstDash val="dash"/>
+          </a:ln>
+        </p:spPr>
+        <p:style>
+          <a:lnRef idx="1">
+            <a:schemeClr val="accent1"/>
+          </a:lnRef>
+          <a:fillRef idx="0">
+            <a:schemeClr val="accent1"/>
+          </a:fillRef>
+          <a:effectRef idx="0">
+            <a:schemeClr val="accent1"/>
+          </a:effectRef>
+          <a:fontRef idx="minor">
+            <a:schemeClr val="tx1"/>
+          </a:fontRef>
+        </p:style>
+        <p:txBody>
+          <a:bodyPr rtlCol="0" anchor="ctr"/>
+          <a:lstStyle/>
+          <a:p>
+            <a:pPr algn="ctr"/>
+            <a:endParaRPr lang="en-US" dirty="0"/>
+          </a:p>
+        </p:txBody>
+      </p:sp>
+      <p:sp>
+        <p:nvSpPr>
+          <p:cNvPr id="6" name="內容版面配置區 5">
+            <a:extLst>
+              <a:ext uri="{FF2B5EF4-FFF2-40B4-BE49-F238E27FC236}">
+                <a16:creationId xmlns:a16="http://schemas.microsoft.com/office/drawing/2014/main" id="{8A0B2D53-B652-1041-9652-C912D1916F54}"/>
+              </a:ext>
+            </a:extLst>
+          </p:cNvPr>
+          <p:cNvSpPr>
+            <a:spLocks noGrp="1"/>
+          </p:cNvSpPr>
+          <p:nvPr>
+            <p:ph idx="1"/>
+          </p:nvPr>
+        </p:nvSpPr>
+        <p:spPr>
+          <a:xfrm>
+            <a:off x="838200" y="1825625"/>
+            <a:ext cx="10515600" cy="4351338"/>
+          </a:xfrm>
+        </p:spPr>
+        <p:txBody>
+          <a:bodyPr>
+            <a:normAutofit/>
+          </a:bodyPr>
+          <a:lstStyle/>
+          <a:p>
+            <a:endParaRPr lang="zh-TW" altLang="en-US" dirty="0"/>
+          </a:p>
+        </p:txBody>
+      </p:sp>
+      <p:sp>
+        <p:nvSpPr>
+          <p:cNvPr id="4" name="投影片編號版面配置區 3">
+            <a:extLst>
+              <a:ext uri="{FF2B5EF4-FFF2-40B4-BE49-F238E27FC236}">
+                <a16:creationId xmlns:a16="http://schemas.microsoft.com/office/drawing/2014/main" id="{D829DF26-3607-544E-986B-59F84FA46265}"/>
+              </a:ext>
+            </a:extLst>
+          </p:cNvPr>
+          <p:cNvSpPr>
+            <a:spLocks noGrp="1"/>
+          </p:cNvSpPr>
+          <p:nvPr>
+            <p:ph type="sldNum" sz="quarter" idx="12"/>
+          </p:nvPr>
+        </p:nvSpPr>
+        <p:spPr>
+          <a:xfrm>
+            <a:off x="8610600" y="6356350"/>
+            <a:ext cx="2743200" cy="365125"/>
+          </a:xfrm>
+        </p:spPr>
+        <p:txBody>
+          <a:bodyPr>
+            <a:normAutofit/>
+          </a:bodyPr>
+          <a:lstStyle/>
+          <a:p>
+            <a:pPr>
+              <a:spcAft>
+                <a:spcPts val="600"/>
+              </a:spcAft>
+            </a:pPr>
+            <a:fld id="{B386CFD2-0AD6-4F60-A1EA-3E4A485A23ED}" type="slidenum">
+              <a:rPr lang="zh-TW" altLang="en-US" smtClean="0"/>
+              <a:pPr>
+                <a:spcAft>
+                  <a:spcPts val="600"/>
+                </a:spcAft>
+              </a:pPr>
+              <a:t>18</a:t>
+            </a:fld>
+            <a:endParaRPr lang="zh-TW" altLang="en-US"/>
+          </a:p>
+        </p:txBody>
+      </p:sp>
+    </p:spTree>
+    <p:extLst>
+      <p:ext uri="{BB962C8B-B14F-4D97-AF65-F5344CB8AC3E}">
+        <p14:creationId xmlns:p14="http://schemas.microsoft.com/office/powerpoint/2010/main" val="893540272"/>
+      </p:ext>
+    </p:extLst>
+  </p:cSld>
+  <p:clrMapOvr>
+    <a:masterClrMapping/>
+  </p:clrMapOvr>
+</p:sld>
+</file>
+
+<file path=ppt/slides/slide2.xml><?xml version="1.0" encoding="utf-8"?>
+<p:sld xmlns:a="http://schemas.openxmlformats.org/drawingml/2006/main" xmlns:r="http://schemas.openxmlformats.org/officeDocument/2006/relationships" xmlns:p="http://schemas.openxmlformats.org/presentationml/2006/main">
+  <p:cSld>
+    <p:bg>
+      <p:bgPr>
+        <a:solidFill>
+          <a:schemeClr val="bg1"/>
+        </a:solidFill>
+        <a:effectLst/>
+      </p:bgPr>
+    </p:bg>
+    <p:spTree>
+      <p:nvGrpSpPr>
+        <p:cNvPr id="1" name=""/>
+        <p:cNvGrpSpPr/>
+        <p:nvPr/>
+      </p:nvGrpSpPr>
+      <p:grpSpPr>
+        <a:xfrm>
+          <a:off x="0" y="0"/>
+          <a:ext cx="0" cy="0"/>
+          <a:chOff x="0" y="0"/>
+          <a:chExt cx="0" cy="0"/>
+        </a:xfrm>
+      </p:grpSpPr>
+      <p:sp useBgFill="1">
+        <p:nvSpPr>
+          <p:cNvPr id="36" name="Rectangle 35">
+            <a:extLst>
+              <a:ext uri="{FF2B5EF4-FFF2-40B4-BE49-F238E27FC236}">
+                <a16:creationId xmlns:a16="http://schemas.microsoft.com/office/drawing/2014/main" id="{9AFC454B-A080-4D23-B177-6D5356C6E6EF}"/>
+              </a:ext>
+              <a:ext uri="{C183D7F6-B498-43B3-948B-1728B52AA6E4}">
+                <adec:decorative xmlns:adec="http://schemas.microsoft.com/office/drawing/2017/decorative" val="1"/>
+              </a:ext>
+            </a:extLst>
+          </p:cNvPr>
+          <p:cNvSpPr>
+            <a:spLocks noGrp="1" noRot="1" noChangeAspect="1" noMove="1" noResize="1" noEditPoints="1" noAdjustHandles="1" noChangeArrowheads="1" noChangeShapeType="1" noTextEdit="1"/>
+          </p:cNvSpPr>
+          <p:nvPr>
+            <p:extLst>
+              <p:ext uri="{386F3935-93C4-4BCD-93E2-E3B085C9AB24}">
+                <p16:designElem xmlns:p16="http://schemas.microsoft.com/office/powerpoint/2015/main" val="1"/>
+              </p:ext>
+            </p:extLst>
+          </p:nvPr>
+        </p:nvSpPr>
+        <p:spPr>
+          <a:xfrm>
+            <a:off x="3048" y="0"/>
+            <a:ext cx="12188952" cy="6858000"/>
+          </a:xfrm>
+          <a:prstGeom prst="rect">
+            <a:avLst/>
+          </a:prstGeom>
+          <a:ln>
+            <a:noFill/>
+          </a:ln>
+        </p:spPr>
+        <p:style>
+          <a:lnRef idx="2">
+            <a:schemeClr val="accent1">
+              <a:shade val="50000"/>
+            </a:schemeClr>
+          </a:lnRef>
+          <a:fillRef idx="1">
+            <a:schemeClr val="accent1"/>
+          </a:fillRef>
+          <a:effectRef idx="0">
+            <a:schemeClr val="accent1"/>
+          </a:effectRef>
+          <a:fontRef idx="minor">
+            <a:schemeClr val="lt1"/>
+          </a:fontRef>
+        </p:style>
+        <p:txBody>
+          <a:bodyPr rtlCol="0" anchor="ctr"/>
+          <a:lstStyle/>
+          <a:p>
+            <a:pPr algn="ctr"/>
+            <a:endParaRPr lang="en-US"/>
+          </a:p>
+        </p:txBody>
+      </p:sp>
+      <p:sp>
+        <p:nvSpPr>
+          <p:cNvPr id="38" name="Rectangle 37">
+            <a:extLst>
+              <a:ext uri="{FF2B5EF4-FFF2-40B4-BE49-F238E27FC236}">
+                <a16:creationId xmlns:a16="http://schemas.microsoft.com/office/drawing/2014/main" id="{D0522C2C-7B5C-48A7-A969-03941E5D2E76}"/>
+              </a:ext>
+              <a:ext uri="{C183D7F6-B498-43B3-948B-1728B52AA6E4}">
+                <adec:decorative xmlns:adec="http://schemas.microsoft.com/office/drawing/2017/decorative" val="1"/>
+              </a:ext>
+            </a:extLst>
+          </p:cNvPr>
+          <p:cNvSpPr>
+            <a:spLocks noGrp="1" noRot="1" noChangeAspect="1" noMove="1" noResize="1" noEditPoints="1" noAdjustHandles="1" noChangeArrowheads="1" noChangeShapeType="1" noTextEdit="1"/>
+          </p:cNvSpPr>
+          <p:nvPr>
+            <p:extLst>
+              <p:ext uri="{386F3935-93C4-4BCD-93E2-E3B085C9AB24}">
+                <p16:designElem xmlns:p16="http://schemas.microsoft.com/office/powerpoint/2015/main" val="1"/>
+              </p:ext>
+            </p:extLst>
+          </p:nvPr>
+        </p:nvSpPr>
+        <p:spPr>
+          <a:xfrm>
+            <a:off x="0" y="-9427"/>
+            <a:ext cx="12192000" cy="6858000"/>
+          </a:xfrm>
+          <a:prstGeom prst="rect">
+            <a:avLst/>
+          </a:prstGeom>
+          <a:solidFill>
+            <a:schemeClr val="accent2"/>
+          </a:solidFill>
+          <a:ln>
+            <a:noFill/>
+          </a:ln>
+        </p:spPr>
+        <p:style>
+          <a:lnRef idx="2">
+            <a:schemeClr val="accent1">
+              <a:shade val="50000"/>
+            </a:schemeClr>
+          </a:lnRef>
+          <a:fillRef idx="1">
+            <a:schemeClr val="accent1"/>
+          </a:fillRef>
+          <a:effectRef idx="0">
+            <a:schemeClr val="accent1"/>
+          </a:effectRef>
+          <a:fontRef idx="minor">
+            <a:schemeClr val="lt1"/>
+          </a:fontRef>
+        </p:style>
+        <p:txBody>
+          <a:bodyPr rtlCol="0" anchor="ctr"/>
+          <a:lstStyle/>
+          <a:p>
+            <a:pPr algn="ctr"/>
+            <a:endParaRPr lang="en-US">
+              <a:solidFill>
+                <a:schemeClr val="tx1"/>
+              </a:solidFill>
+            </a:endParaRPr>
+          </a:p>
+        </p:txBody>
+      </p:sp>
+      <p:sp>
+        <p:nvSpPr>
+          <p:cNvPr id="40" name="Freeform 13">
+            <a:extLst>
+              <a:ext uri="{FF2B5EF4-FFF2-40B4-BE49-F238E27FC236}">
+                <a16:creationId xmlns:a16="http://schemas.microsoft.com/office/drawing/2014/main" id="{9C682A1A-5B2D-4111-BBD6-620165633E5B}"/>
+              </a:ext>
+              <a:ext uri="{C183D7F6-B498-43B3-948B-1728B52AA6E4}">
+                <adec:decorative xmlns:adec="http://schemas.microsoft.com/office/drawing/2017/decorative" val="1"/>
+              </a:ext>
+            </a:extLst>
+          </p:cNvPr>
+          <p:cNvSpPr>
+            <a:spLocks noGrp="1" noRot="1" noChangeAspect="1" noMove="1" noResize="1" noEditPoints="1" noAdjustHandles="1" noChangeArrowheads="1" noChangeShapeType="1" noTextEdit="1"/>
+          </p:cNvSpPr>
+          <p:nvPr>
+            <p:extLst>
+              <p:ext uri="{386F3935-93C4-4BCD-93E2-E3B085C9AB24}">
+                <p16:designElem xmlns:p16="http://schemas.microsoft.com/office/powerpoint/2015/main" val="1"/>
+              </p:ext>
+            </p:extLst>
+          </p:nvPr>
+        </p:nvSpPr>
+        <p:spPr>
+          <a:xfrm>
+            <a:off x="2769476" y="220196"/>
+            <a:ext cx="9422524" cy="6637806"/>
+          </a:xfrm>
+          <a:custGeom>
+            <a:avLst/>
+            <a:gdLst>
+              <a:gd name="connsiteX0" fmla="*/ 4929467 w 8191500"/>
+              <a:gd name="connsiteY0" fmla="*/ 0 h 5770597"/>
+              <a:gd name="connsiteX1" fmla="*/ 8065066 w 8191500"/>
+              <a:gd name="connsiteY1" fmla="*/ 1118513 h 5770597"/>
+              <a:gd name="connsiteX2" fmla="*/ 8191500 w 8191500"/>
+              <a:gd name="connsiteY2" fmla="*/ 1227339 h 5770597"/>
+              <a:gd name="connsiteX3" fmla="*/ 8191500 w 8191500"/>
+              <a:gd name="connsiteY3" fmla="*/ 5770597 h 5770597"/>
+              <a:gd name="connsiteX4" fmla="*/ 79523 w 8191500"/>
+              <a:gd name="connsiteY4" fmla="*/ 5770597 h 5770597"/>
+              <a:gd name="connsiteX5" fmla="*/ 56799 w 8191500"/>
+              <a:gd name="connsiteY5" fmla="*/ 5644158 h 5770597"/>
+              <a:gd name="connsiteX6" fmla="*/ 0 w 8191500"/>
+              <a:gd name="connsiteY6" fmla="*/ 4898209 h 5770597"/>
+              <a:gd name="connsiteX7" fmla="*/ 4929467 w 8191500"/>
+              <a:gd name="connsiteY7" fmla="*/ 0 h 5770597"/>
+            </a:gdLst>
+            <a:ahLst/>
+            <a:cxnLst>
+              <a:cxn ang="0">
+                <a:pos x="connsiteX0" y="connsiteY0"/>
+              </a:cxn>
+              <a:cxn ang="0">
+                <a:pos x="connsiteX1" y="connsiteY1"/>
+              </a:cxn>
+              <a:cxn ang="0">
+                <a:pos x="connsiteX2" y="connsiteY2"/>
+              </a:cxn>
+              <a:cxn ang="0">
+                <a:pos x="connsiteX3" y="connsiteY3"/>
+              </a:cxn>
+              <a:cxn ang="0">
+                <a:pos x="connsiteX4" y="connsiteY4"/>
+              </a:cxn>
+              <a:cxn ang="0">
+                <a:pos x="connsiteX5" y="connsiteY5"/>
+              </a:cxn>
+              <a:cxn ang="0">
+                <a:pos x="connsiteX6" y="connsiteY6"/>
+              </a:cxn>
+              <a:cxn ang="0">
+                <a:pos x="connsiteX7" y="connsiteY7"/>
+              </a:cxn>
+            </a:cxnLst>
+            <a:rect l="l" t="t" r="r" b="b"/>
+            <a:pathLst>
+              <a:path w="8191500" h="5770597">
+                <a:moveTo>
+                  <a:pt x="4929467" y="0"/>
+                </a:moveTo>
+                <a:cubicBezTo>
+                  <a:pt x="6120547" y="0"/>
+                  <a:pt x="7212963" y="419755"/>
+                  <a:pt x="8065066" y="1118513"/>
+                </a:cubicBezTo>
+                <a:lnTo>
+                  <a:pt x="8191500" y="1227339"/>
+                </a:lnTo>
+                <a:lnTo>
+                  <a:pt x="8191500" y="5770597"/>
+                </a:lnTo>
+                <a:lnTo>
+                  <a:pt x="79523" y="5770597"/>
+                </a:lnTo>
+                <a:lnTo>
+                  <a:pt x="56799" y="5644158"/>
+                </a:lnTo>
+                <a:cubicBezTo>
+                  <a:pt x="19398" y="5400934"/>
+                  <a:pt x="0" y="5151822"/>
+                  <a:pt x="0" y="4898209"/>
+                </a:cubicBezTo>
+                <a:cubicBezTo>
+                  <a:pt x="0" y="2193003"/>
+                  <a:pt x="2206998" y="0"/>
+                  <a:pt x="4929467" y="0"/>
+                </a:cubicBezTo>
+                <a:close/>
+              </a:path>
+            </a:pathLst>
+          </a:custGeom>
+          <a:solidFill>
+            <a:schemeClr val="bg1"/>
+          </a:solidFill>
+          <a:ln>
+            <a:noFill/>
+          </a:ln>
+        </p:spPr>
+        <p:style>
+          <a:lnRef idx="2">
+            <a:schemeClr val="accent1">
+              <a:shade val="50000"/>
+            </a:schemeClr>
+          </a:lnRef>
+          <a:fillRef idx="1">
+            <a:schemeClr val="accent1"/>
+          </a:fillRef>
+          <a:effectRef idx="0">
+            <a:schemeClr val="accent1"/>
+          </a:effectRef>
+          <a:fontRef idx="minor">
+            <a:schemeClr val="lt1"/>
+          </a:fontRef>
+        </p:style>
+        <p:txBody>
+          <a:bodyPr wrap="square" rtlCol="0" anchor="ctr">
+            <a:noAutofit/>
+          </a:bodyPr>
+          <a:lstStyle/>
+          <a:p>
+            <a:pPr marL="0" marR="0" lvl="0" indent="0" algn="ctr" defTabSz="914400" rtl="0" eaLnBrk="1" fontAlgn="auto" latinLnBrk="0" hangingPunct="1">
+              <a:lnSpc>
+                <a:spcPct val="100000"/>
+              </a:lnSpc>
+              <a:spcBef>
+                <a:spcPts val="0"/>
+              </a:spcBef>
+              <a:spcAft>
+                <a:spcPts val="0"/>
+              </a:spcAft>
+              <a:buClrTx/>
+              <a:buSzTx/>
+              <a:buFontTx/>
+              <a:buNone/>
+              <a:tabLst/>
+              <a:defRPr/>
+            </a:pPr>
+            <a:endParaRPr kumimoji="0" lang="en-US" sz="1800" b="0" i="0" u="none" strike="noStrike" kern="1200" cap="none" spc="0" normalizeH="0" baseline="0" noProof="0">
+              <a:ln>
+                <a:noFill/>
+              </a:ln>
+              <a:solidFill>
+                <a:srgbClr val="FFFFFF"/>
+              </a:solidFill>
+              <a:effectLst/>
+              <a:uLnTx/>
+              <a:uFillTx/>
+              <a:latin typeface="Calibri" panose="020F0502020204030204"/>
+              <a:ea typeface="+mn-ea"/>
+              <a:cs typeface="+mn-cs"/>
+            </a:endParaRPr>
+          </a:p>
+        </p:txBody>
+      </p:sp>
+      <p:sp>
+        <p:nvSpPr>
+          <p:cNvPr id="42" name="Oval 41">
+            <a:extLst>
+              <a:ext uri="{FF2B5EF4-FFF2-40B4-BE49-F238E27FC236}">
+                <a16:creationId xmlns:a16="http://schemas.microsoft.com/office/drawing/2014/main" id="{D6EE29F2-D77F-4BD0-A20B-334D316A1C9D}"/>
+              </a:ext>
+              <a:ext uri="{C183D7F6-B498-43B3-948B-1728B52AA6E4}">
+                <adec:decorative xmlns:adec="http://schemas.microsoft.com/office/drawing/2017/decorative" val="1"/>
+              </a:ext>
+            </a:extLst>
+          </p:cNvPr>
+          <p:cNvSpPr>
+            <a:spLocks noGrp="1" noRot="1" noChangeAspect="1" noMove="1" noResize="1" noEditPoints="1" noAdjustHandles="1" noChangeArrowheads="1" noChangeShapeType="1" noTextEdit="1"/>
+          </p:cNvSpPr>
+          <p:nvPr>
+            <p:extLst>
+              <p:ext uri="{386F3935-93C4-4BCD-93E2-E3B085C9AB24}">
+                <p16:designElem xmlns:p16="http://schemas.microsoft.com/office/powerpoint/2015/main" val="1"/>
+              </p:ext>
+            </p:extLst>
+          </p:nvPr>
+        </p:nvSpPr>
+        <p:spPr>
+          <a:xfrm>
+            <a:off x="1758029" y="3334786"/>
+            <a:ext cx="1942241" cy="1889551"/>
+          </a:xfrm>
+          <a:prstGeom prst="ellipse">
+            <a:avLst/>
+          </a:prstGeom>
+          <a:solidFill>
+            <a:schemeClr val="accent4"/>
+          </a:solidFill>
+          <a:ln>
+            <a:noFill/>
+          </a:ln>
+        </p:spPr>
+        <p:style>
+          <a:lnRef idx="2">
+            <a:schemeClr val="accent1">
+              <a:shade val="50000"/>
+            </a:schemeClr>
+          </a:lnRef>
+          <a:fillRef idx="1">
+            <a:schemeClr val="accent1"/>
+          </a:fillRef>
+          <a:effectRef idx="0">
+            <a:schemeClr val="accent1"/>
+          </a:effectRef>
+          <a:fontRef idx="minor">
+            <a:schemeClr val="lt1"/>
+          </a:fontRef>
+        </p:style>
+        <p:txBody>
+          <a:bodyPr rtlCol="0" anchor="ctr"/>
+          <a:lstStyle/>
+          <a:p>
+            <a:pPr marL="0" marR="0" lvl="0" indent="0" algn="ctr" defTabSz="914400" rtl="0" eaLnBrk="1" fontAlgn="auto" latinLnBrk="0" hangingPunct="1">
+              <a:lnSpc>
+                <a:spcPct val="100000"/>
+              </a:lnSpc>
+              <a:spcBef>
+                <a:spcPts val="0"/>
+              </a:spcBef>
+              <a:spcAft>
+                <a:spcPts val="0"/>
+              </a:spcAft>
+              <a:buClrTx/>
+              <a:buSzTx/>
+              <a:buFontTx/>
+              <a:buNone/>
+              <a:tabLst/>
+              <a:defRPr/>
+            </a:pPr>
+            <a:endParaRPr kumimoji="0" lang="en-US" sz="1800" b="0" i="0" u="none" strike="noStrike" kern="1200" cap="none" spc="0" normalizeH="0" baseline="0" noProof="0">
+              <a:ln>
+                <a:noFill/>
+              </a:ln>
+              <a:solidFill>
+                <a:srgbClr val="FFFFFF"/>
+              </a:solidFill>
+              <a:effectLst/>
+              <a:uLnTx/>
+              <a:uFillTx/>
+              <a:latin typeface="Calibri" panose="020F0502020204030204"/>
+              <a:ea typeface="+mn-ea"/>
+              <a:cs typeface="+mn-cs"/>
+            </a:endParaRPr>
+          </a:p>
+        </p:txBody>
+      </p:sp>
+      <p:sp>
+        <p:nvSpPr>
+          <p:cNvPr id="44" name="Arc 43">
+            <a:extLst>
+              <a:ext uri="{FF2B5EF4-FFF2-40B4-BE49-F238E27FC236}">
+                <a16:creationId xmlns:a16="http://schemas.microsoft.com/office/drawing/2014/main" id="{22D09ED2-868F-42C6-866E-F92E0CEF314F}"/>
+              </a:ext>
+              <a:ext uri="{C183D7F6-B498-43B3-948B-1728B52AA6E4}">
+                <adec:decorative xmlns:adec="http://schemas.microsoft.com/office/drawing/2017/decorative" val="1"/>
+              </a:ext>
+            </a:extLst>
+          </p:cNvPr>
+          <p:cNvSpPr>
+            <a:spLocks noGrp="1" noRot="1" noChangeAspect="1" noMove="1" noResize="1" noEditPoints="1" noAdjustHandles="1" noChangeArrowheads="1" noChangeShapeType="1" noTextEdit="1"/>
+          </p:cNvSpPr>
+          <p:nvPr>
+            <p:extLst>
+              <p:ext uri="{386F3935-93C4-4BCD-93E2-E3B085C9AB24}">
+                <p16:designElem xmlns:p16="http://schemas.microsoft.com/office/powerpoint/2015/main" val="1"/>
+              </p:ext>
+            </p:extLst>
+          </p:nvPr>
+        </p:nvSpPr>
+        <p:spPr>
+          <a:xfrm rot="18520172">
+            <a:off x="1474479" y="1096414"/>
+            <a:ext cx="2987899" cy="2987899"/>
+          </a:xfrm>
+          <a:prstGeom prst="arc">
+            <a:avLst>
+              <a:gd name="adj1" fmla="val 14455503"/>
+              <a:gd name="adj2" fmla="val 227775"/>
+            </a:avLst>
+          </a:prstGeom>
+          <a:ln w="127000" cap="rnd">
+            <a:solidFill>
+              <a:schemeClr val="accent4"/>
+            </a:solidFill>
+            <a:prstDash val="dash"/>
+            <a:miter lim="800000"/>
+          </a:ln>
+        </p:spPr>
+        <p:style>
+          <a:lnRef idx="1">
+            <a:schemeClr val="accent1"/>
+          </a:lnRef>
+          <a:fillRef idx="0">
+            <a:schemeClr val="accent1"/>
+          </a:fillRef>
+          <a:effectRef idx="0">
+            <a:schemeClr val="accent1"/>
+          </a:effectRef>
+          <a:fontRef idx="minor">
+            <a:schemeClr val="tx1"/>
+          </a:fontRef>
+        </p:style>
+        <p:txBody>
+          <a:bodyPr rtlCol="0" anchor="ctr"/>
+          <a:lstStyle/>
+          <a:p>
+            <a:pPr marL="0" marR="0" lvl="0" indent="0" algn="ctr" defTabSz="914400" rtl="0" eaLnBrk="1" fontAlgn="auto" latinLnBrk="0" hangingPunct="1">
+              <a:lnSpc>
+                <a:spcPct val="100000"/>
+              </a:lnSpc>
+              <a:spcBef>
+                <a:spcPts val="0"/>
+              </a:spcBef>
+              <a:spcAft>
+                <a:spcPts val="0"/>
+              </a:spcAft>
+              <a:buClrTx/>
+              <a:buSzTx/>
+              <a:buFontTx/>
+              <a:buNone/>
+              <a:tabLst/>
+              <a:defRPr/>
+            </a:pPr>
+            <a:endParaRPr kumimoji="0" lang="en-US" sz="1800" b="0" i="0" u="none" strike="noStrike" kern="1200" cap="none" spc="0" normalizeH="0" baseline="0" noProof="0">
+              <a:ln>
+                <a:noFill/>
+              </a:ln>
+              <a:solidFill>
+                <a:srgbClr val="000000"/>
+              </a:solidFill>
+              <a:effectLst/>
+              <a:uLnTx/>
+              <a:uFillTx/>
+              <a:latin typeface="Calibri" panose="020F0502020204030204"/>
+              <a:ea typeface="+mn-ea"/>
+              <a:cs typeface="+mn-cs"/>
+            </a:endParaRPr>
+          </a:p>
+        </p:txBody>
+      </p:sp>
+      <p:sp>
+        <p:nvSpPr>
+          <p:cNvPr id="2" name="標題 1"/>
+          <p:cNvSpPr>
+            <a:spLocks noGrp="1"/>
+          </p:cNvSpPr>
+          <p:nvPr>
+            <p:ph type="title"/>
+          </p:nvPr>
+        </p:nvSpPr>
+        <p:spPr>
+          <a:xfrm>
+            <a:off x="4038600" y="1939159"/>
+            <a:ext cx="7644627" cy="2751086"/>
+          </a:xfrm>
+        </p:spPr>
+        <p:txBody>
+          <a:bodyPr vert="horz" lIns="91440" tIns="45720" rIns="91440" bIns="45720" rtlCol="0" anchor="b">
+            <a:normAutofit/>
+          </a:bodyPr>
+          <a:lstStyle/>
+          <a:p>
+            <a:pPr algn="r"/>
+            <a:r>
+              <a:rPr lang="zh-TW" altLang="en-US" sz="6000" kern="1200" dirty="0">
+                <a:solidFill>
+                  <a:schemeClr val="tx1"/>
+                </a:solidFill>
+                <a:latin typeface="+mj-lt"/>
+                <a:ea typeface="+mj-ea"/>
+                <a:cs typeface="+mj-cs"/>
               </a:rPr>
               <a:t>資料前處理</a:t>
             </a:r>
-            <a:r>
-              <a:rPr lang="en-US" altLang="zh-TW" dirty="0">
-                <a:cs typeface="Arial" panose="020B0604020202020204" pitchFamily="34" charset="0"/>
-              </a:rPr>
-              <a:t>(</a:t>
-            </a:r>
-            <a:r>
-              <a:rPr lang="zh-TW" altLang="zh-TW" dirty="0">
-                <a:cs typeface="Arial" panose="020B0604020202020204" pitchFamily="34" charset="0"/>
-              </a:rPr>
-              <a:t>說明資料前處理過程</a:t>
-            </a:r>
-            <a:r>
-              <a:rPr lang="en-US" altLang="zh-TW" dirty="0">
-                <a:cs typeface="Arial" panose="020B0604020202020204" pitchFamily="34" charset="0"/>
-              </a:rPr>
-              <a:t>)</a:t>
-            </a:r>
-            <a:endParaRPr lang="zh-TW" altLang="en-US" dirty="0"/>
-          </a:p>
-        </p:txBody>
-      </p:sp>
-      <p:sp>
-        <p:nvSpPr>
-          <p:cNvPr id="6" name="內容版面配置區 5"/>
+            <a:endParaRPr lang="en-US" altLang="zh-TW" sz="6000" kern="1200" dirty="0">
+              <a:solidFill>
+                <a:schemeClr val="tx1"/>
+              </a:solidFill>
+              <a:latin typeface="+mj-lt"/>
+              <a:ea typeface="+mj-ea"/>
+              <a:cs typeface="+mj-cs"/>
+            </a:endParaRPr>
+          </a:p>
+        </p:txBody>
+      </p:sp>
+      <p:sp>
+        <p:nvSpPr>
+          <p:cNvPr id="4" name="投影片編號版面配置區 3"/>
           <p:cNvSpPr>
             <a:spLocks noGrp="1"/>
           </p:cNvSpPr>
           <p:nvPr>
-            <p:ph idx="1"/>
-          </p:nvPr>
-        </p:nvSpPr>
-        <p:spPr/>
-        <p:txBody>
-          <a:bodyPr/>
-          <a:lstStyle/>
-          <a:p>
-            <a:endParaRPr lang="zh-TW" altLang="en-US"/>
-          </a:p>
-        </p:txBody>
-      </p:sp>
-      <p:sp>
-        <p:nvSpPr>
-          <p:cNvPr id="4" name="投影片編號版面配置區 3"/>
-          <p:cNvSpPr>
-            <a:spLocks noGrp="1"/>
-          </p:cNvSpPr>
-          <p:nvPr>
             <p:ph type="sldNum" sz="quarter" idx="12"/>
           </p:nvPr>
         </p:nvSpPr>
-        <p:spPr/>
-        <p:txBody>
-          <a:bodyPr/>
-          <a:lstStyle/>
-          <a:p>
+        <p:spPr>
+          <a:xfrm>
+            <a:off x="8610600" y="6356350"/>
+            <a:ext cx="2743200" cy="365125"/>
+          </a:xfrm>
+        </p:spPr>
+        <p:txBody>
+          <a:bodyPr vert="horz" lIns="91440" tIns="45720" rIns="91440" bIns="45720" rtlCol="0" anchor="ctr">
+            <a:normAutofit/>
+          </a:bodyPr>
+          <a:lstStyle/>
+          <a:p>
+            <a:pPr>
+              <a:spcAft>
+                <a:spcPts val="600"/>
+              </a:spcAft>
+            </a:pPr>
             <a:fld id="{B386CFD2-0AD6-4F60-A1EA-3E4A485A23ED}" type="slidenum">
-              <a:rPr lang="zh-TW" altLang="en-US" smtClean="0"/>
+              <a:rPr lang="en-US" altLang="zh-TW"/>
+              <a:pPr>
+                <a:spcAft>
+                  <a:spcPts val="600"/>
+                </a:spcAft>
+              </a:pPr>
               <a:t>2</a:t>
             </a:fld>
-            <a:endParaRPr lang="zh-TW" altLang="en-US" dirty="0"/>
+            <a:endParaRPr lang="en-US" altLang="zh-TW"/>
           </a:p>
         </p:txBody>
       </p:sp>
@@ -3881,6 +8924,14 @@
 <file path=ppt/slides/slide3.xml><?xml version="1.0" encoding="utf-8"?>
 <p:sld xmlns:a="http://schemas.openxmlformats.org/drawingml/2006/main" xmlns:r="http://schemas.openxmlformats.org/officeDocument/2006/relationships" xmlns:p="http://schemas.openxmlformats.org/presentationml/2006/main">
   <p:cSld>
+    <p:bg>
+      <p:bgPr>
+        <a:solidFill>
+          <a:schemeClr val="bg1"/>
+        </a:solidFill>
+        <a:effectLst/>
+      </p:bgPr>
+    </p:bg>
     <p:spTree>
       <p:nvGrpSpPr>
         <p:cNvPr id="1" name=""/>
@@ -3895,9 +8946,195 @@
           <a:chExt cx="0" cy="0"/>
         </a:xfrm>
       </p:grpSpPr>
-      <p:sp>
-        <p:nvSpPr>
-          <p:cNvPr id="2" name="標題 1"/>
+      <p:sp useBgFill="1">
+        <p:nvSpPr>
+          <p:cNvPr id="27" name="Rectangle 26">
+            <a:extLst>
+              <a:ext uri="{FF2B5EF4-FFF2-40B4-BE49-F238E27FC236}">
+                <a16:creationId xmlns:a16="http://schemas.microsoft.com/office/drawing/2014/main" id="{1BB867FF-FC45-48F7-8104-F89BE54909F1}"/>
+              </a:ext>
+              <a:ext uri="{C183D7F6-B498-43B3-948B-1728B52AA6E4}">
+                <adec:decorative xmlns:adec="http://schemas.microsoft.com/office/drawing/2017/decorative" val="1"/>
+              </a:ext>
+            </a:extLst>
+          </p:cNvPr>
+          <p:cNvSpPr>
+            <a:spLocks noGrp="1" noRot="1" noChangeAspect="1" noMove="1" noResize="1" noEditPoints="1" noAdjustHandles="1" noChangeArrowheads="1" noChangeShapeType="1" noTextEdit="1"/>
+          </p:cNvSpPr>
+          <p:nvPr>
+            <p:extLst>
+              <p:ext uri="{386F3935-93C4-4BCD-93E2-E3B085C9AB24}">
+                <p16:designElem xmlns:p16="http://schemas.microsoft.com/office/powerpoint/2015/main" val="1"/>
+              </p:ext>
+            </p:extLst>
+          </p:nvPr>
+        </p:nvSpPr>
+        <p:spPr>
+          <a:xfrm>
+            <a:off x="3048" y="0"/>
+            <a:ext cx="12188952" cy="6858000"/>
+          </a:xfrm>
+          <a:prstGeom prst="rect">
+            <a:avLst/>
+          </a:prstGeom>
+          <a:ln>
+            <a:noFill/>
+          </a:ln>
+        </p:spPr>
+        <p:style>
+          <a:lnRef idx="2">
+            <a:schemeClr val="accent1">
+              <a:shade val="50000"/>
+            </a:schemeClr>
+          </a:lnRef>
+          <a:fillRef idx="1">
+            <a:schemeClr val="accent1"/>
+          </a:fillRef>
+          <a:effectRef idx="0">
+            <a:schemeClr val="accent1"/>
+          </a:effectRef>
+          <a:fontRef idx="minor">
+            <a:schemeClr val="lt1"/>
+          </a:fontRef>
+        </p:style>
+        <p:txBody>
+          <a:bodyPr rtlCol="0" anchor="ctr"/>
+          <a:lstStyle/>
+          <a:p>
+            <a:pPr algn="ctr"/>
+            <a:endParaRPr lang="en-US"/>
+          </a:p>
+        </p:txBody>
+      </p:sp>
+      <p:sp>
+        <p:nvSpPr>
+          <p:cNvPr id="29" name="Freeform: Shape 28">
+            <a:extLst>
+              <a:ext uri="{FF2B5EF4-FFF2-40B4-BE49-F238E27FC236}">
+                <a16:creationId xmlns:a16="http://schemas.microsoft.com/office/drawing/2014/main" id="{8BB56887-D0D5-4F0C-9E19-7247EB83C8B7}"/>
+              </a:ext>
+              <a:ext uri="{C183D7F6-B498-43B3-948B-1728B52AA6E4}">
+                <adec:decorative xmlns:adec="http://schemas.microsoft.com/office/drawing/2017/decorative" val="1"/>
+              </a:ext>
+            </a:extLst>
+          </p:cNvPr>
+          <p:cNvSpPr>
+            <a:spLocks noGrp="1" noRot="1" noChangeAspect="1" noMove="1" noResize="1" noEditPoints="1" noAdjustHandles="1" noChangeArrowheads="1" noChangeShapeType="1" noTextEdit="1"/>
+          </p:cNvSpPr>
+          <p:nvPr>
+            <p:extLst>
+              <p:ext uri="{386F3935-93C4-4BCD-93E2-E3B085C9AB24}">
+                <p16:designElem xmlns:p16="http://schemas.microsoft.com/office/powerpoint/2015/main" val="1"/>
+              </p:ext>
+            </p:extLst>
+          </p:nvPr>
+        </p:nvSpPr>
+        <p:spPr>
+          <a:xfrm>
+            <a:off x="10208695" y="1"/>
+            <a:ext cx="1135066" cy="477997"/>
+          </a:xfrm>
+          <a:custGeom>
+            <a:avLst/>
+            <a:gdLst>
+              <a:gd name="connsiteX0" fmla="*/ 0 w 1135066"/>
+              <a:gd name="connsiteY0" fmla="*/ 0 h 477997"/>
+              <a:gd name="connsiteX1" fmla="*/ 1135066 w 1135066"/>
+              <a:gd name="connsiteY1" fmla="*/ 0 h 477997"/>
+              <a:gd name="connsiteX2" fmla="*/ 1133370 w 1135066"/>
+              <a:gd name="connsiteY2" fmla="*/ 16827 h 477997"/>
+              <a:gd name="connsiteX3" fmla="*/ 567533 w 1135066"/>
+              <a:gd name="connsiteY3" fmla="*/ 477997 h 477997"/>
+              <a:gd name="connsiteX4" fmla="*/ 1696 w 1135066"/>
+              <a:gd name="connsiteY4" fmla="*/ 16827 h 477997"/>
+            </a:gdLst>
+            <a:ahLst/>
+            <a:cxnLst>
+              <a:cxn ang="0">
+                <a:pos x="connsiteX0" y="connsiteY0"/>
+              </a:cxn>
+              <a:cxn ang="0">
+                <a:pos x="connsiteX1" y="connsiteY1"/>
+              </a:cxn>
+              <a:cxn ang="0">
+                <a:pos x="connsiteX2" y="connsiteY2"/>
+              </a:cxn>
+              <a:cxn ang="0">
+                <a:pos x="connsiteX3" y="connsiteY3"/>
+              </a:cxn>
+              <a:cxn ang="0">
+                <a:pos x="connsiteX4" y="connsiteY4"/>
+              </a:cxn>
+            </a:cxnLst>
+            <a:rect l="l" t="t" r="r" b="b"/>
+            <a:pathLst>
+              <a:path w="1135066" h="477997">
+                <a:moveTo>
+                  <a:pt x="0" y="0"/>
+                </a:moveTo>
+                <a:lnTo>
+                  <a:pt x="1135066" y="0"/>
+                </a:lnTo>
+                <a:lnTo>
+                  <a:pt x="1133370" y="16827"/>
+                </a:lnTo>
+                <a:cubicBezTo>
+                  <a:pt x="1079514" y="280016"/>
+                  <a:pt x="846644" y="477997"/>
+                  <a:pt x="567533" y="477997"/>
+                </a:cubicBezTo>
+                <a:cubicBezTo>
+                  <a:pt x="288422" y="477997"/>
+                  <a:pt x="55552" y="280016"/>
+                  <a:pt x="1696" y="16827"/>
+                </a:cubicBezTo>
+                <a:close/>
+              </a:path>
+            </a:pathLst>
+          </a:custGeom>
+          <a:solidFill>
+            <a:schemeClr val="accent4"/>
+          </a:solidFill>
+          <a:ln>
+            <a:noFill/>
+          </a:ln>
+        </p:spPr>
+        <p:style>
+          <a:lnRef idx="2">
+            <a:schemeClr val="accent1">
+              <a:shade val="50000"/>
+            </a:schemeClr>
+          </a:lnRef>
+          <a:fillRef idx="1">
+            <a:schemeClr val="accent1"/>
+          </a:fillRef>
+          <a:effectRef idx="0">
+            <a:schemeClr val="accent1"/>
+          </a:effectRef>
+          <a:fontRef idx="minor">
+            <a:schemeClr val="lt1"/>
+          </a:fontRef>
+        </p:style>
+        <p:txBody>
+          <a:bodyPr wrap="square" rtlCol="0" anchor="ctr">
+            <a:noAutofit/>
+          </a:bodyPr>
+          <a:lstStyle/>
+          <a:p>
+            <a:pPr algn="ctr"/>
+            <a:endParaRPr lang="en-US"/>
+          </a:p>
+        </p:txBody>
+      </p:sp>
+      <p:sp>
+        <p:nvSpPr>
+          <p:cNvPr id="2" name="標題 1">
+            <a:extLst>
+              <a:ext uri="{FF2B5EF4-FFF2-40B4-BE49-F238E27FC236}">
+                <a16:creationId xmlns:a16="http://schemas.microsoft.com/office/drawing/2014/main" id="{71A2E600-7313-994C-86BC-4D563B6930A7}"/>
+              </a:ext>
+            </a:extLst>
+          </p:cNvPr>
           <p:cNvSpPr>
             <a:spLocks noGrp="1"/>
           </p:cNvSpPr>
@@ -3905,87 +9142,269 @@
             <p:ph type="title"/>
           </p:nvPr>
         </p:nvSpPr>
-        <p:spPr/>
-        <p:txBody>
-          <a:bodyPr/>
-          <a:lstStyle/>
-          <a:p>
-            <a:r>
-              <a:rPr lang="zh-TW" altLang="en-US" dirty="0">
-                <a:cs typeface="Arial" panose="020B0604020202020204" pitchFamily="34" charset="0"/>
+        <p:spPr>
+          <a:xfrm>
+            <a:off x="838200" y="365125"/>
+            <a:ext cx="10515600" cy="1325563"/>
+          </a:xfrm>
+        </p:spPr>
+        <p:txBody>
+          <a:bodyPr>
+            <a:normAutofit/>
+          </a:bodyPr>
+          <a:lstStyle/>
+          <a:p>
+            <a:r>
+              <a:rPr kumimoji="1" lang="zh-TW" altLang="en-US" dirty="0"/>
+              <a:t>處理</a:t>
+            </a:r>
+            <a:r>
+              <a:rPr kumimoji="1" lang="en-US" altLang="zh-TW" dirty="0"/>
+              <a:t>Target</a:t>
+            </a:r>
+            <a:r>
+              <a:rPr kumimoji="1" lang="zh-TW" altLang="en-US" dirty="0"/>
+              <a:t>的缺失值</a:t>
+            </a:r>
+          </a:p>
+        </p:txBody>
+      </p:sp>
+      <p:sp>
+        <p:nvSpPr>
+          <p:cNvPr id="31" name="Arc 30">
+            <a:extLst>
+              <a:ext uri="{FF2B5EF4-FFF2-40B4-BE49-F238E27FC236}">
+                <a16:creationId xmlns:a16="http://schemas.microsoft.com/office/drawing/2014/main" id="{081E4A58-353D-44AE-B2FC-2A74E2E400F7}"/>
+              </a:ext>
+              <a:ext uri="{C183D7F6-B498-43B3-948B-1728B52AA6E4}">
+                <adec:decorative xmlns:adec="http://schemas.microsoft.com/office/drawing/2017/decorative" val="1"/>
+              </a:ext>
+            </a:extLst>
+          </p:cNvPr>
+          <p:cNvSpPr>
+            <a:spLocks noGrp="1" noRot="1" noChangeAspect="1" noMove="1" noResize="1" noEditPoints="1" noAdjustHandles="1" noChangeArrowheads="1" noChangeShapeType="1" noTextEdit="1"/>
+          </p:cNvSpPr>
+          <p:nvPr>
+            <p:extLst>
+              <p:ext uri="{386F3935-93C4-4BCD-93E2-E3B085C9AB24}">
+                <p16:designElem xmlns:p16="http://schemas.microsoft.com/office/powerpoint/2015/main" val="1"/>
+              </p:ext>
+            </p:extLst>
+          </p:nvPr>
+        </p:nvSpPr>
+        <p:spPr>
+          <a:xfrm rot="5400000" flipV="1">
+            <a:off x="555710" y="2183223"/>
+            <a:ext cx="4083433" cy="4083433"/>
+          </a:xfrm>
+          <a:prstGeom prst="arc">
+            <a:avLst/>
+          </a:prstGeom>
+          <a:ln w="127000" cap="rnd">
+            <a:solidFill>
+              <a:schemeClr val="accent4"/>
+            </a:solidFill>
+            <a:prstDash val="dash"/>
+          </a:ln>
+        </p:spPr>
+        <p:style>
+          <a:lnRef idx="1">
+            <a:schemeClr val="accent1"/>
+          </a:lnRef>
+          <a:fillRef idx="0">
+            <a:schemeClr val="accent1"/>
+          </a:fillRef>
+          <a:effectRef idx="0">
+            <a:schemeClr val="accent1"/>
+          </a:effectRef>
+          <a:fontRef idx="minor">
+            <a:schemeClr val="tx1"/>
+          </a:fontRef>
+        </p:style>
+        <p:txBody>
+          <a:bodyPr rtlCol="0" anchor="ctr"/>
+          <a:lstStyle/>
+          <a:p>
+            <a:pPr algn="ctr"/>
+            <a:endParaRPr lang="en-US" dirty="0"/>
+          </a:p>
+        </p:txBody>
+      </p:sp>
+      <p:sp>
+        <p:nvSpPr>
+          <p:cNvPr id="3" name="內容版面配置區 2">
+            <a:extLst>
+              <a:ext uri="{FF2B5EF4-FFF2-40B4-BE49-F238E27FC236}">
+                <a16:creationId xmlns:a16="http://schemas.microsoft.com/office/drawing/2014/main" id="{A4C2964A-976E-184B-8F10-979FDB44C12E}"/>
+              </a:ext>
+            </a:extLst>
+          </p:cNvPr>
+          <p:cNvSpPr>
+            <a:spLocks noGrp="1"/>
+          </p:cNvSpPr>
+          <p:nvPr>
+            <p:ph idx="1"/>
+          </p:nvPr>
+        </p:nvSpPr>
+        <p:spPr>
+          <a:xfrm>
+            <a:off x="838200" y="1825625"/>
+            <a:ext cx="5257800" cy="4351338"/>
+          </a:xfrm>
+        </p:spPr>
+        <p:txBody>
+          <a:bodyPr>
+            <a:normAutofit/>
+          </a:bodyPr>
+          <a:lstStyle/>
+          <a:p>
+            <a:r>
+              <a:rPr kumimoji="1" lang="zh-TW" altLang="en-US" dirty="0"/>
+              <a:t>圖中可以看到，白色橫線是</a:t>
+            </a:r>
+            <a:r>
+              <a:rPr kumimoji="1" lang="zh-TW" altLang="en-US" dirty="0">
+                <a:solidFill>
+                  <a:srgbClr val="FF0000"/>
+                </a:solidFill>
               </a:rPr>
-              <a:t>二</a:t>
-            </a:r>
-            <a:r>
-              <a:rPr lang="zh-TW" altLang="zh-TW" dirty="0">
-                <a:cs typeface="Arial" panose="020B0604020202020204" pitchFamily="34" charset="0"/>
+              <a:t>在</a:t>
+            </a:r>
+            <a:r>
+              <a:rPr kumimoji="1" lang="en-US" altLang="zh-TW" dirty="0">
+                <a:solidFill>
+                  <a:srgbClr val="FF0000"/>
+                </a:solidFill>
               </a:rPr>
-              <a:t>、演算法和模型介紹</a:t>
-            </a:r>
-            <a:r>
-              <a:rPr lang="en-US" altLang="zh-TW" dirty="0"/>
-              <a:t>(</a:t>
-            </a:r>
-            <a:r>
-              <a:rPr lang="zh-TW" altLang="zh-TW" dirty="0">
-                <a:cs typeface="Arial" panose="020B0604020202020204" pitchFamily="34" charset="0"/>
+              <a:t>target</a:t>
+            </a:r>
+            <a:r>
+              <a:rPr kumimoji="1" lang="zh-TW" altLang="en-US" dirty="0">
+                <a:solidFill>
+                  <a:srgbClr val="FF0000"/>
+                </a:solidFill>
               </a:rPr>
-              <a:t>介紹方法細節</a:t>
-            </a:r>
-            <a:r>
-              <a:rPr lang="en-US" altLang="zh-TW" dirty="0"/>
-              <a:t>)</a:t>
-            </a:r>
-            <a:endParaRPr lang="zh-TW" altLang="en-US" dirty="0"/>
-          </a:p>
-        </p:txBody>
-      </p:sp>
-      <p:sp>
-        <p:nvSpPr>
-          <p:cNvPr id="3" name="內容版面配置區 2"/>
+              <a:t>的</a:t>
+            </a:r>
+            <a:r>
+              <a:rPr kumimoji="1" lang="en-US" altLang="zh-TW" dirty="0">
+                <a:solidFill>
+                  <a:srgbClr val="FF0000"/>
+                </a:solidFill>
+              </a:rPr>
+              <a:t>20</a:t>
+            </a:r>
+            <a:r>
+              <a:rPr kumimoji="1" lang="zh-TW" altLang="en-US" dirty="0">
+                <a:solidFill>
+                  <a:srgbClr val="FF0000"/>
+                </a:solidFill>
+              </a:rPr>
+              <a:t>個筆數中為缺失值</a:t>
+            </a:r>
+            <a:r>
+              <a:rPr kumimoji="1" lang="zh-TW" altLang="en-US" dirty="0"/>
+              <a:t>的位置。為了不影響訓練結果，我們將其丟棄，丟棄</a:t>
+            </a:r>
+            <a:r>
+              <a:rPr kumimoji="1" lang="en-US" altLang="zh-TW" dirty="0"/>
+              <a:t>9</a:t>
+            </a:r>
+            <a:r>
+              <a:rPr kumimoji="1" lang="zh-TW" altLang="en-US" dirty="0"/>
+              <a:t>筆</a:t>
+            </a:r>
+            <a:r>
+              <a:rPr kumimoji="1" lang="en-US" altLang="zh-TW" dirty="0"/>
+              <a:t>target</a:t>
+            </a:r>
+            <a:r>
+              <a:rPr kumimoji="1" lang="zh-TW" altLang="en-US" dirty="0"/>
+              <a:t>。</a:t>
+            </a:r>
+          </a:p>
+        </p:txBody>
+      </p:sp>
+      <p:sp>
+        <p:nvSpPr>
+          <p:cNvPr id="4" name="投影片編號版面配置區 3">
+            <a:extLst>
+              <a:ext uri="{FF2B5EF4-FFF2-40B4-BE49-F238E27FC236}">
+                <a16:creationId xmlns:a16="http://schemas.microsoft.com/office/drawing/2014/main" id="{0E081DE9-6A2D-DA45-909E-D4BCD1A11F26}"/>
+              </a:ext>
+            </a:extLst>
+          </p:cNvPr>
           <p:cNvSpPr>
             <a:spLocks noGrp="1"/>
           </p:cNvSpPr>
           <p:nvPr>
-            <p:ph idx="1"/>
-          </p:nvPr>
-        </p:nvSpPr>
-        <p:spPr/>
-        <p:txBody>
-          <a:bodyPr/>
-          <a:lstStyle/>
-          <a:p>
-            <a:endParaRPr lang="zh-TW" altLang="en-US"/>
-          </a:p>
-        </p:txBody>
-      </p:sp>
-      <p:sp>
-        <p:nvSpPr>
-          <p:cNvPr id="4" name="投影片編號版面配置區 3"/>
-          <p:cNvSpPr>
-            <a:spLocks noGrp="1"/>
-          </p:cNvSpPr>
-          <p:nvPr>
             <p:ph type="sldNum" sz="quarter" idx="12"/>
           </p:nvPr>
         </p:nvSpPr>
-        <p:spPr/>
-        <p:txBody>
-          <a:bodyPr/>
-          <a:lstStyle/>
-          <a:p>
+        <p:spPr>
+          <a:xfrm>
+            <a:off x="8610600" y="6356350"/>
+            <a:ext cx="2743200" cy="365125"/>
+          </a:xfrm>
+        </p:spPr>
+        <p:txBody>
+          <a:bodyPr>
+            <a:normAutofit/>
+          </a:bodyPr>
+          <a:lstStyle/>
+          <a:p>
+            <a:pPr>
+              <a:spcAft>
+                <a:spcPts val="600"/>
+              </a:spcAft>
+            </a:pPr>
             <a:fld id="{B386CFD2-0AD6-4F60-A1EA-3E4A485A23ED}" type="slidenum">
-              <a:rPr lang="zh-TW" altLang="en-US" smtClean="0"/>
+              <a:rPr lang="zh-TW" altLang="en-US"/>
+              <a:pPr>
+                <a:spcAft>
+                  <a:spcPts val="600"/>
+                </a:spcAft>
+              </a:pPr>
               <a:t>3</a:t>
             </a:fld>
             <a:endParaRPr lang="zh-TW" altLang="en-US"/>
           </a:p>
         </p:txBody>
       </p:sp>
+      <p:pic>
+        <p:nvPicPr>
+          <p:cNvPr id="5" name="圖片 4">
+            <a:extLst>
+              <a:ext uri="{FF2B5EF4-FFF2-40B4-BE49-F238E27FC236}">
+                <a16:creationId xmlns:a16="http://schemas.microsoft.com/office/drawing/2014/main" id="{E4189702-B412-7C40-899A-253A55FC3D54}"/>
+              </a:ext>
+            </a:extLst>
+          </p:cNvPr>
+          <p:cNvPicPr>
+            <a:picLocks noChangeAspect="1"/>
+          </p:cNvPicPr>
+          <p:nvPr/>
+        </p:nvPicPr>
+        <p:blipFill>
+          <a:blip r:embed="rId2"/>
+          <a:stretch>
+            <a:fillRect/>
+          </a:stretch>
+        </p:blipFill>
+        <p:spPr>
+          <a:xfrm>
+            <a:off x="6096000" y="2113523"/>
+            <a:ext cx="5832477" cy="2630954"/>
+          </a:xfrm>
+          <a:prstGeom prst="rect">
+            <a:avLst/>
+          </a:prstGeom>
+        </p:spPr>
+      </p:pic>
     </p:spTree>
     <p:extLst>
       <p:ext uri="{BB962C8B-B14F-4D97-AF65-F5344CB8AC3E}">
-        <p14:creationId xmlns:p14="http://schemas.microsoft.com/office/powerpoint/2010/main" val="1992182561"/>
+        <p14:creationId xmlns:p14="http://schemas.microsoft.com/office/powerpoint/2010/main" val="3381130349"/>
       </p:ext>
     </p:extLst>
   </p:cSld>
@@ -3998,6 +9417,14 @@
 <file path=ppt/slides/slide4.xml><?xml version="1.0" encoding="utf-8"?>
 <p:sld xmlns:a="http://schemas.openxmlformats.org/drawingml/2006/main" xmlns:r="http://schemas.openxmlformats.org/officeDocument/2006/relationships" xmlns:p="http://schemas.openxmlformats.org/presentationml/2006/main">
   <p:cSld>
+    <p:bg>
+      <p:bgPr>
+        <a:solidFill>
+          <a:schemeClr val="bg1"/>
+        </a:solidFill>
+        <a:effectLst/>
+      </p:bgPr>
+    </p:bg>
     <p:spTree>
       <p:nvGrpSpPr>
         <p:cNvPr id="1" name=""/>
@@ -4012,9 +9439,195 @@
           <a:chExt cx="0" cy="0"/>
         </a:xfrm>
       </p:grpSpPr>
-      <p:sp>
-        <p:nvSpPr>
-          <p:cNvPr id="2" name="標題 1"/>
+      <p:sp useBgFill="1">
+        <p:nvSpPr>
+          <p:cNvPr id="9" name="Rectangle 8">
+            <a:extLst>
+              <a:ext uri="{FF2B5EF4-FFF2-40B4-BE49-F238E27FC236}">
+                <a16:creationId xmlns:a16="http://schemas.microsoft.com/office/drawing/2014/main" id="{1BB867FF-FC45-48F7-8104-F89BE54909F1}"/>
+              </a:ext>
+              <a:ext uri="{C183D7F6-B498-43B3-948B-1728B52AA6E4}">
+                <adec:decorative xmlns:adec="http://schemas.microsoft.com/office/drawing/2017/decorative" val="1"/>
+              </a:ext>
+            </a:extLst>
+          </p:cNvPr>
+          <p:cNvSpPr>
+            <a:spLocks noGrp="1" noRot="1" noChangeAspect="1" noMove="1" noResize="1" noEditPoints="1" noAdjustHandles="1" noChangeArrowheads="1" noChangeShapeType="1" noTextEdit="1"/>
+          </p:cNvSpPr>
+          <p:nvPr>
+            <p:extLst>
+              <p:ext uri="{386F3935-93C4-4BCD-93E2-E3B085C9AB24}">
+                <p16:designElem xmlns:p16="http://schemas.microsoft.com/office/powerpoint/2015/main" val="1"/>
+              </p:ext>
+            </p:extLst>
+          </p:nvPr>
+        </p:nvSpPr>
+        <p:spPr>
+          <a:xfrm>
+            <a:off x="3048" y="0"/>
+            <a:ext cx="12188952" cy="6858000"/>
+          </a:xfrm>
+          <a:prstGeom prst="rect">
+            <a:avLst/>
+          </a:prstGeom>
+          <a:ln>
+            <a:noFill/>
+          </a:ln>
+        </p:spPr>
+        <p:style>
+          <a:lnRef idx="2">
+            <a:schemeClr val="accent1">
+              <a:shade val="50000"/>
+            </a:schemeClr>
+          </a:lnRef>
+          <a:fillRef idx="1">
+            <a:schemeClr val="accent1"/>
+          </a:fillRef>
+          <a:effectRef idx="0">
+            <a:schemeClr val="accent1"/>
+          </a:effectRef>
+          <a:fontRef idx="minor">
+            <a:schemeClr val="lt1"/>
+          </a:fontRef>
+        </p:style>
+        <p:txBody>
+          <a:bodyPr rtlCol="0" anchor="ctr"/>
+          <a:lstStyle/>
+          <a:p>
+            <a:pPr algn="ctr"/>
+            <a:endParaRPr lang="en-US"/>
+          </a:p>
+        </p:txBody>
+      </p:sp>
+      <p:sp>
+        <p:nvSpPr>
+          <p:cNvPr id="11" name="Freeform: Shape 10">
+            <a:extLst>
+              <a:ext uri="{FF2B5EF4-FFF2-40B4-BE49-F238E27FC236}">
+                <a16:creationId xmlns:a16="http://schemas.microsoft.com/office/drawing/2014/main" id="{8BB56887-D0D5-4F0C-9E19-7247EB83C8B7}"/>
+              </a:ext>
+              <a:ext uri="{C183D7F6-B498-43B3-948B-1728B52AA6E4}">
+                <adec:decorative xmlns:adec="http://schemas.microsoft.com/office/drawing/2017/decorative" val="1"/>
+              </a:ext>
+            </a:extLst>
+          </p:cNvPr>
+          <p:cNvSpPr>
+            <a:spLocks noGrp="1" noRot="1" noChangeAspect="1" noMove="1" noResize="1" noEditPoints="1" noAdjustHandles="1" noChangeArrowheads="1" noChangeShapeType="1" noTextEdit="1"/>
+          </p:cNvSpPr>
+          <p:nvPr>
+            <p:extLst>
+              <p:ext uri="{386F3935-93C4-4BCD-93E2-E3B085C9AB24}">
+                <p16:designElem xmlns:p16="http://schemas.microsoft.com/office/powerpoint/2015/main" val="1"/>
+              </p:ext>
+            </p:extLst>
+          </p:nvPr>
+        </p:nvSpPr>
+        <p:spPr>
+          <a:xfrm>
+            <a:off x="10208695" y="1"/>
+            <a:ext cx="1135066" cy="477997"/>
+          </a:xfrm>
+          <a:custGeom>
+            <a:avLst/>
+            <a:gdLst>
+              <a:gd name="connsiteX0" fmla="*/ 0 w 1135066"/>
+              <a:gd name="connsiteY0" fmla="*/ 0 h 477997"/>
+              <a:gd name="connsiteX1" fmla="*/ 1135066 w 1135066"/>
+              <a:gd name="connsiteY1" fmla="*/ 0 h 477997"/>
+              <a:gd name="connsiteX2" fmla="*/ 1133370 w 1135066"/>
+              <a:gd name="connsiteY2" fmla="*/ 16827 h 477997"/>
+              <a:gd name="connsiteX3" fmla="*/ 567533 w 1135066"/>
+              <a:gd name="connsiteY3" fmla="*/ 477997 h 477997"/>
+              <a:gd name="connsiteX4" fmla="*/ 1696 w 1135066"/>
+              <a:gd name="connsiteY4" fmla="*/ 16827 h 477997"/>
+            </a:gdLst>
+            <a:ahLst/>
+            <a:cxnLst>
+              <a:cxn ang="0">
+                <a:pos x="connsiteX0" y="connsiteY0"/>
+              </a:cxn>
+              <a:cxn ang="0">
+                <a:pos x="connsiteX1" y="connsiteY1"/>
+              </a:cxn>
+              <a:cxn ang="0">
+                <a:pos x="connsiteX2" y="connsiteY2"/>
+              </a:cxn>
+              <a:cxn ang="0">
+                <a:pos x="connsiteX3" y="connsiteY3"/>
+              </a:cxn>
+              <a:cxn ang="0">
+                <a:pos x="connsiteX4" y="connsiteY4"/>
+              </a:cxn>
+            </a:cxnLst>
+            <a:rect l="l" t="t" r="r" b="b"/>
+            <a:pathLst>
+              <a:path w="1135066" h="477997">
+                <a:moveTo>
+                  <a:pt x="0" y="0"/>
+                </a:moveTo>
+                <a:lnTo>
+                  <a:pt x="1135066" y="0"/>
+                </a:lnTo>
+                <a:lnTo>
+                  <a:pt x="1133370" y="16827"/>
+                </a:lnTo>
+                <a:cubicBezTo>
+                  <a:pt x="1079514" y="280016"/>
+                  <a:pt x="846644" y="477997"/>
+                  <a:pt x="567533" y="477997"/>
+                </a:cubicBezTo>
+                <a:cubicBezTo>
+                  <a:pt x="288422" y="477997"/>
+                  <a:pt x="55552" y="280016"/>
+                  <a:pt x="1696" y="16827"/>
+                </a:cubicBezTo>
+                <a:close/>
+              </a:path>
+            </a:pathLst>
+          </a:custGeom>
+          <a:solidFill>
+            <a:schemeClr val="accent4"/>
+          </a:solidFill>
+          <a:ln>
+            <a:noFill/>
+          </a:ln>
+        </p:spPr>
+        <p:style>
+          <a:lnRef idx="2">
+            <a:schemeClr val="accent1">
+              <a:shade val="50000"/>
+            </a:schemeClr>
+          </a:lnRef>
+          <a:fillRef idx="1">
+            <a:schemeClr val="accent1"/>
+          </a:fillRef>
+          <a:effectRef idx="0">
+            <a:schemeClr val="accent1"/>
+          </a:effectRef>
+          <a:fontRef idx="minor">
+            <a:schemeClr val="lt1"/>
+          </a:fontRef>
+        </p:style>
+        <p:txBody>
+          <a:bodyPr wrap="square" rtlCol="0" anchor="ctr">
+            <a:noAutofit/>
+          </a:bodyPr>
+          <a:lstStyle/>
+          <a:p>
+            <a:pPr algn="ctr"/>
+            <a:endParaRPr lang="en-US"/>
+          </a:p>
+        </p:txBody>
+      </p:sp>
+      <p:sp>
+        <p:nvSpPr>
+          <p:cNvPr id="2" name="標題 1">
+            <a:extLst>
+              <a:ext uri="{FF2B5EF4-FFF2-40B4-BE49-F238E27FC236}">
+                <a16:creationId xmlns:a16="http://schemas.microsoft.com/office/drawing/2014/main" id="{6D10C08C-4D36-5D4A-AF62-73BECA9C55FA}"/>
+              </a:ext>
+            </a:extLst>
+          </p:cNvPr>
           <p:cNvSpPr>
             <a:spLocks noGrp="1"/>
           </p:cNvSpPr>
@@ -4024,80 +9637,337 @@
         </p:nvSpPr>
         <p:spPr>
           <a:xfrm>
-            <a:off x="838199" y="226423"/>
-            <a:ext cx="10794023" cy="1045029"/>
-          </a:xfrm>
-        </p:spPr>
-        <p:txBody>
-          <a:bodyPr/>
-          <a:lstStyle/>
-          <a:p>
+            <a:off x="838200" y="365125"/>
+            <a:ext cx="10515600" cy="1325563"/>
+          </a:xfrm>
+        </p:spPr>
+        <p:txBody>
+          <a:bodyPr>
+            <a:normAutofit/>
+          </a:bodyPr>
+          <a:lstStyle/>
+          <a:p>
+            <a:r>
+              <a:rPr kumimoji="1" lang="zh-TW" altLang="en-US" dirty="0"/>
+              <a:t>偏移值轉換</a:t>
+            </a:r>
+          </a:p>
+        </p:txBody>
+      </p:sp>
+      <p:sp>
+        <p:nvSpPr>
+          <p:cNvPr id="13" name="Arc 12">
+            <a:extLst>
+              <a:ext uri="{FF2B5EF4-FFF2-40B4-BE49-F238E27FC236}">
+                <a16:creationId xmlns:a16="http://schemas.microsoft.com/office/drawing/2014/main" id="{081E4A58-353D-44AE-B2FC-2A74E2E400F7}"/>
+              </a:ext>
+              <a:ext uri="{C183D7F6-B498-43B3-948B-1728B52AA6E4}">
+                <adec:decorative xmlns:adec="http://schemas.microsoft.com/office/drawing/2017/decorative" val="1"/>
+              </a:ext>
+            </a:extLst>
+          </p:cNvPr>
+          <p:cNvSpPr>
+            <a:spLocks noGrp="1" noRot="1" noChangeAspect="1" noMove="1" noResize="1" noEditPoints="1" noAdjustHandles="1" noChangeArrowheads="1" noChangeShapeType="1" noTextEdit="1"/>
+          </p:cNvSpPr>
+          <p:nvPr>
+            <p:extLst>
+              <p:ext uri="{386F3935-93C4-4BCD-93E2-E3B085C9AB24}">
+                <p16:designElem xmlns:p16="http://schemas.microsoft.com/office/powerpoint/2015/main" val="1"/>
+              </p:ext>
+            </p:extLst>
+          </p:nvPr>
+        </p:nvSpPr>
+        <p:spPr>
+          <a:xfrm rot="5400000" flipV="1">
+            <a:off x="555710" y="2183223"/>
+            <a:ext cx="4083433" cy="4083433"/>
+          </a:xfrm>
+          <a:prstGeom prst="arc">
+            <a:avLst/>
+          </a:prstGeom>
+          <a:ln w="127000" cap="rnd">
+            <a:solidFill>
+              <a:schemeClr val="accent4"/>
+            </a:solidFill>
+            <a:prstDash val="dash"/>
+          </a:ln>
+        </p:spPr>
+        <p:style>
+          <a:lnRef idx="1">
+            <a:schemeClr val="accent1"/>
+          </a:lnRef>
+          <a:fillRef idx="0">
+            <a:schemeClr val="accent1"/>
+          </a:fillRef>
+          <a:effectRef idx="0">
+            <a:schemeClr val="accent1"/>
+          </a:effectRef>
+          <a:fontRef idx="minor">
+            <a:schemeClr val="tx1"/>
+          </a:fontRef>
+        </p:style>
+        <p:txBody>
+          <a:bodyPr rtlCol="0" anchor="ctr"/>
+          <a:lstStyle/>
+          <a:p>
+            <a:pPr algn="ctr"/>
+            <a:endParaRPr lang="en-US" dirty="0"/>
+          </a:p>
+        </p:txBody>
+      </p:sp>
+      <p:sp>
+        <p:nvSpPr>
+          <p:cNvPr id="3" name="內容版面配置區 2">
+            <a:extLst>
+              <a:ext uri="{FF2B5EF4-FFF2-40B4-BE49-F238E27FC236}">
+                <a16:creationId xmlns:a16="http://schemas.microsoft.com/office/drawing/2014/main" id="{C5737271-90D7-724E-9BB7-13983D8637FE}"/>
+              </a:ext>
+            </a:extLst>
+          </p:cNvPr>
+          <p:cNvSpPr>
+            <a:spLocks noGrp="1"/>
+          </p:cNvSpPr>
+          <p:nvPr>
+            <p:ph idx="1"/>
+          </p:nvPr>
+        </p:nvSpPr>
+        <p:spPr>
+          <a:xfrm>
+            <a:off x="838200" y="1825625"/>
+            <a:ext cx="5257800" cy="4351338"/>
+          </a:xfrm>
+        </p:spPr>
+        <p:txBody>
+          <a:bodyPr>
+            <a:normAutofit/>
+          </a:bodyPr>
+          <a:lstStyle/>
+          <a:p>
+            <a:r>
+              <a:rPr kumimoji="1" lang="en-US" altLang="zh-TW" dirty="0"/>
+              <a:t>Input_C_015~038</a:t>
+            </a:r>
+            <a:r>
+              <a:rPr kumimoji="1" lang="zh-TW" altLang="en-US" dirty="0"/>
+              <a:t>與</a:t>
+            </a:r>
+            <a:r>
+              <a:rPr kumimoji="1" lang="en-US" altLang="zh-TW" dirty="0"/>
+              <a:t>Input_C_063~082</a:t>
+            </a:r>
+            <a:r>
+              <a:rPr kumimoji="1" lang="zh-TW" altLang="en-US" dirty="0"/>
+              <a:t>為偏移量的文字參數</a:t>
+            </a:r>
             <a:r>
               <a:rPr lang="zh-TW" altLang="en-US" dirty="0"/>
-              <a:t>三、預測結果 </a:t>
+              <a:t>。</a:t>
+            </a:r>
+            <a:r>
+              <a:rPr lang="zh-TW" altLang="en-US" dirty="0">
+                <a:solidFill>
+                  <a:srgbClr val="FF0000"/>
+                </a:solidFill>
+              </a:rPr>
+              <a:t>我們將其轉換為</a:t>
+            </a:r>
+            <a:r>
+              <a:rPr lang="en-US" altLang="zh-TW" dirty="0">
+                <a:solidFill>
+                  <a:srgbClr val="FF0000"/>
+                </a:solidFill>
+              </a:rPr>
+              <a:t>x</a:t>
+            </a:r>
+            <a:r>
+              <a:rPr lang="zh-TW" altLang="en-US" dirty="0">
+                <a:solidFill>
+                  <a:srgbClr val="FF0000"/>
+                </a:solidFill>
+              </a:rPr>
+              <a:t>軸的偏移量與</a:t>
+            </a:r>
+            <a:r>
+              <a:rPr lang="en-US" altLang="zh-TW" dirty="0">
+                <a:solidFill>
+                  <a:srgbClr val="FF0000"/>
+                </a:solidFill>
+              </a:rPr>
+              <a:t>y</a:t>
+            </a:r>
+            <a:r>
+              <a:rPr lang="zh-TW" altLang="en-US" dirty="0">
+                <a:solidFill>
+                  <a:srgbClr val="FF0000"/>
+                </a:solidFill>
+              </a:rPr>
+              <a:t>軸的偏移量</a:t>
+            </a:r>
+            <a:r>
+              <a:rPr lang="zh-TW" altLang="en-US" dirty="0"/>
+              <a:t>。舉例來說</a:t>
             </a:r>
             <a:r>
               <a:rPr lang="en-US" altLang="zh-TW" dirty="0"/>
-              <a:t>(Training Accuracy, Validation</a:t>
+              <a:t>: Input_C_015</a:t>
             </a:r>
             <a:r>
               <a:rPr lang="zh-TW" altLang="en-US" dirty="0"/>
-              <a:t> </a:t>
+              <a:t>中的第一筆資料 </a:t>
             </a:r>
             <a:r>
               <a:rPr lang="en-US" altLang="zh-TW" dirty="0"/>
-              <a:t>Accuracy…)</a:t>
-            </a:r>
-            <a:endParaRPr lang="zh-TW" altLang="en-US" dirty="0"/>
-          </a:p>
-        </p:txBody>
-      </p:sp>
-      <p:sp>
-        <p:nvSpPr>
-          <p:cNvPr id="3" name="內容版面配置區 2"/>
+              <a:t>N;0;L;1</a:t>
+            </a:r>
+            <a:r>
+              <a:rPr lang="zh-TW" altLang="en-US" dirty="0"/>
+              <a:t>，會變為</a:t>
+            </a:r>
+            <a:r>
+              <a:rPr lang="en-US" altLang="zh-TW" dirty="0"/>
+              <a:t> Input_C_015_x = -1</a:t>
+            </a:r>
+            <a:r>
+              <a:rPr lang="zh-TW" altLang="en-US" dirty="0"/>
+              <a:t>、</a:t>
+            </a:r>
+            <a:r>
+              <a:rPr lang="en-US" altLang="zh-TW" dirty="0"/>
+              <a:t> Input_C_015_y = 0</a:t>
+            </a:r>
+            <a:r>
+              <a:rPr lang="zh-TW" altLang="en-US" dirty="0"/>
+              <a:t>。</a:t>
+            </a:r>
+            <a:endParaRPr kumimoji="1" lang="zh-TW" altLang="en-US" dirty="0"/>
+          </a:p>
+        </p:txBody>
+      </p:sp>
+      <p:sp>
+        <p:nvSpPr>
+          <p:cNvPr id="4" name="投影片編號版面配置區 3">
+            <a:extLst>
+              <a:ext uri="{FF2B5EF4-FFF2-40B4-BE49-F238E27FC236}">
+                <a16:creationId xmlns:a16="http://schemas.microsoft.com/office/drawing/2014/main" id="{82D8B687-3C9C-F74B-8684-C9114E4DA464}"/>
+              </a:ext>
+            </a:extLst>
+          </p:cNvPr>
           <p:cNvSpPr>
             <a:spLocks noGrp="1"/>
           </p:cNvSpPr>
           <p:nvPr>
-            <p:ph idx="1"/>
-          </p:nvPr>
-        </p:nvSpPr>
-        <p:spPr/>
-        <p:txBody>
-          <a:bodyPr/>
-          <a:lstStyle/>
-          <a:p>
-            <a:endParaRPr lang="zh-TW" altLang="en-US"/>
-          </a:p>
-        </p:txBody>
-      </p:sp>
-      <p:sp>
-        <p:nvSpPr>
-          <p:cNvPr id="4" name="投影片編號版面配置區 3"/>
-          <p:cNvSpPr>
-            <a:spLocks noGrp="1"/>
-          </p:cNvSpPr>
-          <p:nvPr>
             <p:ph type="sldNum" sz="quarter" idx="12"/>
           </p:nvPr>
         </p:nvSpPr>
-        <p:spPr/>
-        <p:txBody>
-          <a:bodyPr/>
-          <a:lstStyle/>
-          <a:p>
+        <p:spPr>
+          <a:xfrm>
+            <a:off x="8610600" y="6356350"/>
+            <a:ext cx="2743200" cy="365125"/>
+          </a:xfrm>
+        </p:spPr>
+        <p:txBody>
+          <a:bodyPr>
+            <a:normAutofit/>
+          </a:bodyPr>
+          <a:lstStyle/>
+          <a:p>
+            <a:pPr>
+              <a:spcAft>
+                <a:spcPts val="600"/>
+              </a:spcAft>
+            </a:pPr>
             <a:fld id="{B386CFD2-0AD6-4F60-A1EA-3E4A485A23ED}" type="slidenum">
               <a:rPr lang="zh-TW" altLang="en-US" smtClean="0"/>
+              <a:pPr>
+                <a:spcAft>
+                  <a:spcPts val="600"/>
+                </a:spcAft>
+              </a:pPr>
               <a:t>4</a:t>
             </a:fld>
             <a:endParaRPr lang="zh-TW" altLang="en-US"/>
           </a:p>
         </p:txBody>
       </p:sp>
+      <p:sp>
+        <p:nvSpPr>
+          <p:cNvPr id="5" name="矩形 4">
+            <a:extLst>
+              <a:ext uri="{FF2B5EF4-FFF2-40B4-BE49-F238E27FC236}">
+                <a16:creationId xmlns:a16="http://schemas.microsoft.com/office/drawing/2014/main" id="{3F3ED62F-DB04-F742-9C5C-85F877CCC4D8}"/>
+              </a:ext>
+            </a:extLst>
+          </p:cNvPr>
+          <p:cNvSpPr/>
+          <p:nvPr/>
+        </p:nvSpPr>
+        <p:spPr>
+          <a:xfrm>
+            <a:off x="7250693" y="1700741"/>
+            <a:ext cx="3786614" cy="646331"/>
+          </a:xfrm>
+          <a:prstGeom prst="rect">
+            <a:avLst/>
+          </a:prstGeom>
+        </p:spPr>
+        <p:txBody>
+          <a:bodyPr wrap="none">
+            <a:spAutoFit/>
+          </a:bodyPr>
+          <a:lstStyle/>
+          <a:p>
+            <a:r>
+              <a:rPr lang="en-US" altLang="zh-TW" sz="3600" dirty="0">
+                <a:cs typeface="Aharoni" panose="020F0502020204030204" pitchFamily="34" charset="0"/>
+              </a:rPr>
+              <a:t>N;0;L;1 -&gt; x: -1, y: 0</a:t>
+            </a:r>
+            <a:endParaRPr lang="zh-TW" altLang="en-US" sz="3600" dirty="0">
+              <a:cs typeface="Aharoni" panose="020F0502020204030204" pitchFamily="34" charset="0"/>
+            </a:endParaRPr>
+          </a:p>
+        </p:txBody>
+      </p:sp>
+      <p:pic>
+        <p:nvPicPr>
+          <p:cNvPr id="10" name="圖片 9" descr="一張含有 螢幕擷取畫面 的圖片&#10;&#10;自動產生的描述">
+            <a:extLst>
+              <a:ext uri="{FF2B5EF4-FFF2-40B4-BE49-F238E27FC236}">
+                <a16:creationId xmlns:a16="http://schemas.microsoft.com/office/drawing/2014/main" id="{A615CFA4-6077-5C43-B22B-4AB5E32F4A82}"/>
+              </a:ext>
+            </a:extLst>
+          </p:cNvPr>
+          <p:cNvPicPr>
+            <a:picLocks noChangeAspect="1"/>
+          </p:cNvPicPr>
+          <p:nvPr/>
+        </p:nvPicPr>
+        <p:blipFill>
+          <a:blip r:embed="rId2">
+            <a:extLst>
+              <a:ext uri="{28A0092B-C50C-407E-A947-70E740481C1C}">
+                <a14:useLocalDpi xmlns:a14="http://schemas.microsoft.com/office/drawing/2010/main" val="0"/>
+              </a:ext>
+            </a:extLst>
+          </a:blip>
+          <a:stretch>
+            <a:fillRect/>
+          </a:stretch>
+        </p:blipFill>
+        <p:spPr>
+          <a:xfrm>
+            <a:off x="7646914" y="2347072"/>
+            <a:ext cx="2994171" cy="4191840"/>
+          </a:xfrm>
+          <a:prstGeom prst="rect">
+            <a:avLst/>
+          </a:prstGeom>
+        </p:spPr>
+      </p:pic>
     </p:spTree>
     <p:extLst>
       <p:ext uri="{BB962C8B-B14F-4D97-AF65-F5344CB8AC3E}">
-        <p14:creationId xmlns:p14="http://schemas.microsoft.com/office/powerpoint/2010/main" val="2267802513"/>
+        <p14:creationId xmlns:p14="http://schemas.microsoft.com/office/powerpoint/2010/main" val="3911379344"/>
       </p:ext>
     </p:extLst>
   </p:cSld>
@@ -4110,6 +9980,14 @@
 <file path=ppt/slides/slide5.xml><?xml version="1.0" encoding="utf-8"?>
 <p:sld xmlns:a="http://schemas.openxmlformats.org/drawingml/2006/main" xmlns:r="http://schemas.openxmlformats.org/officeDocument/2006/relationships" xmlns:p="http://schemas.openxmlformats.org/presentationml/2006/main">
   <p:cSld>
+    <p:bg>
+      <p:bgPr>
+        <a:solidFill>
+          <a:schemeClr val="bg1"/>
+        </a:solidFill>
+        <a:effectLst/>
+      </p:bgPr>
+    </p:bg>
     <p:spTree>
       <p:nvGrpSpPr>
         <p:cNvPr id="1" name=""/>
@@ -4124,9 +10002,195 @@
           <a:chExt cx="0" cy="0"/>
         </a:xfrm>
       </p:grpSpPr>
-      <p:sp>
-        <p:nvSpPr>
-          <p:cNvPr id="7" name="標題 1"/>
+      <p:sp useBgFill="1">
+        <p:nvSpPr>
+          <p:cNvPr id="9" name="Rectangle 8">
+            <a:extLst>
+              <a:ext uri="{FF2B5EF4-FFF2-40B4-BE49-F238E27FC236}">
+                <a16:creationId xmlns:a16="http://schemas.microsoft.com/office/drawing/2014/main" id="{1BB867FF-FC45-48F7-8104-F89BE54909F1}"/>
+              </a:ext>
+              <a:ext uri="{C183D7F6-B498-43B3-948B-1728B52AA6E4}">
+                <adec:decorative xmlns:adec="http://schemas.microsoft.com/office/drawing/2017/decorative" val="1"/>
+              </a:ext>
+            </a:extLst>
+          </p:cNvPr>
+          <p:cNvSpPr>
+            <a:spLocks noGrp="1" noRot="1" noChangeAspect="1" noMove="1" noResize="1" noEditPoints="1" noAdjustHandles="1" noChangeArrowheads="1" noChangeShapeType="1" noTextEdit="1"/>
+          </p:cNvSpPr>
+          <p:nvPr>
+            <p:extLst>
+              <p:ext uri="{386F3935-93C4-4BCD-93E2-E3B085C9AB24}">
+                <p16:designElem xmlns:p16="http://schemas.microsoft.com/office/powerpoint/2015/main" val="1"/>
+              </p:ext>
+            </p:extLst>
+          </p:nvPr>
+        </p:nvSpPr>
+        <p:spPr>
+          <a:xfrm>
+            <a:off x="3048" y="0"/>
+            <a:ext cx="12188952" cy="6858000"/>
+          </a:xfrm>
+          <a:prstGeom prst="rect">
+            <a:avLst/>
+          </a:prstGeom>
+          <a:ln>
+            <a:noFill/>
+          </a:ln>
+        </p:spPr>
+        <p:style>
+          <a:lnRef idx="2">
+            <a:schemeClr val="accent1">
+              <a:shade val="50000"/>
+            </a:schemeClr>
+          </a:lnRef>
+          <a:fillRef idx="1">
+            <a:schemeClr val="accent1"/>
+          </a:fillRef>
+          <a:effectRef idx="0">
+            <a:schemeClr val="accent1"/>
+          </a:effectRef>
+          <a:fontRef idx="minor">
+            <a:schemeClr val="lt1"/>
+          </a:fontRef>
+        </p:style>
+        <p:txBody>
+          <a:bodyPr rtlCol="0" anchor="ctr"/>
+          <a:lstStyle/>
+          <a:p>
+            <a:pPr algn="ctr"/>
+            <a:endParaRPr lang="en-US"/>
+          </a:p>
+        </p:txBody>
+      </p:sp>
+      <p:sp>
+        <p:nvSpPr>
+          <p:cNvPr id="11" name="Freeform: Shape 10">
+            <a:extLst>
+              <a:ext uri="{FF2B5EF4-FFF2-40B4-BE49-F238E27FC236}">
+                <a16:creationId xmlns:a16="http://schemas.microsoft.com/office/drawing/2014/main" id="{8BB56887-D0D5-4F0C-9E19-7247EB83C8B7}"/>
+              </a:ext>
+              <a:ext uri="{C183D7F6-B498-43B3-948B-1728B52AA6E4}">
+                <adec:decorative xmlns:adec="http://schemas.microsoft.com/office/drawing/2017/decorative" val="1"/>
+              </a:ext>
+            </a:extLst>
+          </p:cNvPr>
+          <p:cNvSpPr>
+            <a:spLocks noGrp="1" noRot="1" noChangeAspect="1" noMove="1" noResize="1" noEditPoints="1" noAdjustHandles="1" noChangeArrowheads="1" noChangeShapeType="1" noTextEdit="1"/>
+          </p:cNvSpPr>
+          <p:nvPr>
+            <p:extLst>
+              <p:ext uri="{386F3935-93C4-4BCD-93E2-E3B085C9AB24}">
+                <p16:designElem xmlns:p16="http://schemas.microsoft.com/office/powerpoint/2015/main" val="1"/>
+              </p:ext>
+            </p:extLst>
+          </p:nvPr>
+        </p:nvSpPr>
+        <p:spPr>
+          <a:xfrm>
+            <a:off x="10208695" y="1"/>
+            <a:ext cx="1135066" cy="477997"/>
+          </a:xfrm>
+          <a:custGeom>
+            <a:avLst/>
+            <a:gdLst>
+              <a:gd name="connsiteX0" fmla="*/ 0 w 1135066"/>
+              <a:gd name="connsiteY0" fmla="*/ 0 h 477997"/>
+              <a:gd name="connsiteX1" fmla="*/ 1135066 w 1135066"/>
+              <a:gd name="connsiteY1" fmla="*/ 0 h 477997"/>
+              <a:gd name="connsiteX2" fmla="*/ 1133370 w 1135066"/>
+              <a:gd name="connsiteY2" fmla="*/ 16827 h 477997"/>
+              <a:gd name="connsiteX3" fmla="*/ 567533 w 1135066"/>
+              <a:gd name="connsiteY3" fmla="*/ 477997 h 477997"/>
+              <a:gd name="connsiteX4" fmla="*/ 1696 w 1135066"/>
+              <a:gd name="connsiteY4" fmla="*/ 16827 h 477997"/>
+            </a:gdLst>
+            <a:ahLst/>
+            <a:cxnLst>
+              <a:cxn ang="0">
+                <a:pos x="connsiteX0" y="connsiteY0"/>
+              </a:cxn>
+              <a:cxn ang="0">
+                <a:pos x="connsiteX1" y="connsiteY1"/>
+              </a:cxn>
+              <a:cxn ang="0">
+                <a:pos x="connsiteX2" y="connsiteY2"/>
+              </a:cxn>
+              <a:cxn ang="0">
+                <a:pos x="connsiteX3" y="connsiteY3"/>
+              </a:cxn>
+              <a:cxn ang="0">
+                <a:pos x="connsiteX4" y="connsiteY4"/>
+              </a:cxn>
+            </a:cxnLst>
+            <a:rect l="l" t="t" r="r" b="b"/>
+            <a:pathLst>
+              <a:path w="1135066" h="477997">
+                <a:moveTo>
+                  <a:pt x="0" y="0"/>
+                </a:moveTo>
+                <a:lnTo>
+                  <a:pt x="1135066" y="0"/>
+                </a:lnTo>
+                <a:lnTo>
+                  <a:pt x="1133370" y="16827"/>
+                </a:lnTo>
+                <a:cubicBezTo>
+                  <a:pt x="1079514" y="280016"/>
+                  <a:pt x="846644" y="477997"/>
+                  <a:pt x="567533" y="477997"/>
+                </a:cubicBezTo>
+                <a:cubicBezTo>
+                  <a:pt x="288422" y="477997"/>
+                  <a:pt x="55552" y="280016"/>
+                  <a:pt x="1696" y="16827"/>
+                </a:cubicBezTo>
+                <a:close/>
+              </a:path>
+            </a:pathLst>
+          </a:custGeom>
+          <a:solidFill>
+            <a:schemeClr val="accent4"/>
+          </a:solidFill>
+          <a:ln>
+            <a:noFill/>
+          </a:ln>
+        </p:spPr>
+        <p:style>
+          <a:lnRef idx="2">
+            <a:schemeClr val="accent1">
+              <a:shade val="50000"/>
+            </a:schemeClr>
+          </a:lnRef>
+          <a:fillRef idx="1">
+            <a:schemeClr val="accent1"/>
+          </a:fillRef>
+          <a:effectRef idx="0">
+            <a:schemeClr val="accent1"/>
+          </a:effectRef>
+          <a:fontRef idx="minor">
+            <a:schemeClr val="lt1"/>
+          </a:fontRef>
+        </p:style>
+        <p:txBody>
+          <a:bodyPr wrap="square" rtlCol="0" anchor="ctr">
+            <a:noAutofit/>
+          </a:bodyPr>
+          <a:lstStyle/>
+          <a:p>
+            <a:pPr algn="ctr"/>
+            <a:endParaRPr lang="en-US"/>
+          </a:p>
+        </p:txBody>
+      </p:sp>
+      <p:sp>
+        <p:nvSpPr>
+          <p:cNvPr id="2" name="標題 1">
+            <a:extLst>
+              <a:ext uri="{FF2B5EF4-FFF2-40B4-BE49-F238E27FC236}">
+                <a16:creationId xmlns:a16="http://schemas.microsoft.com/office/drawing/2014/main" id="{A9D84684-3825-2E40-A278-98FC24F3E52E}"/>
+              </a:ext>
+            </a:extLst>
+          </p:cNvPr>
           <p:cNvSpPr>
             <a:spLocks noGrp="1"/>
           </p:cNvSpPr>
@@ -4134,7 +10198,12 @@
             <p:ph type="title"/>
           </p:nvPr>
         </p:nvSpPr>
-        <p:spPr/>
+        <p:spPr>
+          <a:xfrm>
+            <a:off x="838200" y="365125"/>
+            <a:ext cx="10515600" cy="1325563"/>
+          </a:xfrm>
+        </p:spPr>
         <p:txBody>
           <a:bodyPr>
             <a:normAutofit/>
@@ -4142,101 +10211,2177 @@
           <a:lstStyle/>
           <a:p>
             <a:r>
-              <a:rPr lang="zh-TW" altLang="en-US" sz="3200" b="1" dirty="0">
+              <a:rPr kumimoji="1" lang="zh-TW" altLang="en-US" dirty="0"/>
+              <a:t>丟棄沒有變異的變數</a:t>
+            </a:r>
+          </a:p>
+        </p:txBody>
+      </p:sp>
+      <p:sp>
+        <p:nvSpPr>
+          <p:cNvPr id="13" name="Arc 12">
+            <a:extLst>
+              <a:ext uri="{FF2B5EF4-FFF2-40B4-BE49-F238E27FC236}">
+                <a16:creationId xmlns:a16="http://schemas.microsoft.com/office/drawing/2014/main" id="{081E4A58-353D-44AE-B2FC-2A74E2E400F7}"/>
+              </a:ext>
+              <a:ext uri="{C183D7F6-B498-43B3-948B-1728B52AA6E4}">
+                <adec:decorative xmlns:adec="http://schemas.microsoft.com/office/drawing/2017/decorative" val="1"/>
+              </a:ext>
+            </a:extLst>
+          </p:cNvPr>
+          <p:cNvSpPr>
+            <a:spLocks noGrp="1" noRot="1" noChangeAspect="1" noMove="1" noResize="1" noEditPoints="1" noAdjustHandles="1" noChangeArrowheads="1" noChangeShapeType="1" noTextEdit="1"/>
+          </p:cNvSpPr>
+          <p:nvPr>
+            <p:extLst>
+              <p:ext uri="{386F3935-93C4-4BCD-93E2-E3B085C9AB24}">
+                <p16:designElem xmlns:p16="http://schemas.microsoft.com/office/powerpoint/2015/main" val="1"/>
+              </p:ext>
+            </p:extLst>
+          </p:nvPr>
+        </p:nvSpPr>
+        <p:spPr>
+          <a:xfrm rot="5400000" flipV="1">
+            <a:off x="555710" y="2183223"/>
+            <a:ext cx="4083433" cy="4083433"/>
+          </a:xfrm>
+          <a:prstGeom prst="arc">
+            <a:avLst/>
+          </a:prstGeom>
+          <a:ln w="127000" cap="rnd">
+            <a:solidFill>
+              <a:schemeClr val="accent4"/>
+            </a:solidFill>
+            <a:prstDash val="dash"/>
+          </a:ln>
+        </p:spPr>
+        <p:style>
+          <a:lnRef idx="1">
+            <a:schemeClr val="accent1"/>
+          </a:lnRef>
+          <a:fillRef idx="0">
+            <a:schemeClr val="accent1"/>
+          </a:fillRef>
+          <a:effectRef idx="0">
+            <a:schemeClr val="accent1"/>
+          </a:effectRef>
+          <a:fontRef idx="minor">
+            <a:schemeClr val="tx1"/>
+          </a:fontRef>
+        </p:style>
+        <p:txBody>
+          <a:bodyPr rtlCol="0" anchor="ctr"/>
+          <a:lstStyle/>
+          <a:p>
+            <a:pPr algn="ctr"/>
+            <a:endParaRPr lang="en-US" dirty="0"/>
+          </a:p>
+        </p:txBody>
+      </p:sp>
+      <p:sp>
+        <p:nvSpPr>
+          <p:cNvPr id="3" name="內容版面配置區 2">
+            <a:extLst>
+              <a:ext uri="{FF2B5EF4-FFF2-40B4-BE49-F238E27FC236}">
+                <a16:creationId xmlns:a16="http://schemas.microsoft.com/office/drawing/2014/main" id="{F39CA018-C796-F84B-8B2F-D0B8EA8A6D29}"/>
+              </a:ext>
+            </a:extLst>
+          </p:cNvPr>
+          <p:cNvSpPr>
+            <a:spLocks noGrp="1"/>
+          </p:cNvSpPr>
+          <p:nvPr>
+            <p:ph idx="1"/>
+          </p:nvPr>
+        </p:nvSpPr>
+        <p:spPr>
+          <a:xfrm>
+            <a:off x="838200" y="1825625"/>
+            <a:ext cx="5257800" cy="4351338"/>
+          </a:xfrm>
+        </p:spPr>
+        <p:txBody>
+          <a:bodyPr>
+            <a:normAutofit/>
+          </a:bodyPr>
+          <a:lstStyle/>
+          <a:p>
+            <a:r>
+              <a:rPr kumimoji="1" lang="zh-TW" altLang="en-US" dirty="0"/>
+              <a:t>在訓練模型的過程中，所有資料都</a:t>
+            </a:r>
+            <a:r>
+              <a:rPr kumimoji="1" lang="zh-TW" altLang="en-US" dirty="0">
                 <a:solidFill>
-                  <a:srgbClr val="C00000"/>
+                  <a:srgbClr val="FF0000"/>
                 </a:solidFill>
-                <a:latin typeface="微軟正黑體" panose="020B0604030504040204" pitchFamily="34" charset="-120"/>
-                <a:ea typeface="微軟正黑體" panose="020B0604030504040204" pitchFamily="34" charset="-120"/>
               </a:rPr>
-              <a:t>四、其他</a:t>
-            </a:r>
-            <a:r>
-              <a:rPr lang="en-US" altLang="zh-TW" sz="3200" b="1" dirty="0">
-                <a:solidFill>
-                  <a:srgbClr val="C00000"/>
-                </a:solidFill>
-                <a:latin typeface="微軟正黑體" panose="020B0604030504040204" pitchFamily="34" charset="-120"/>
-                <a:ea typeface="微軟正黑體" panose="020B0604030504040204" pitchFamily="34" charset="-120"/>
-              </a:rPr>
-              <a:t>(</a:t>
-            </a:r>
-            <a:r>
-              <a:rPr lang="zh-TW" altLang="en-US" sz="3200" b="1" dirty="0">
-                <a:solidFill>
-                  <a:srgbClr val="C00000"/>
-                </a:solidFill>
-                <a:latin typeface="微軟正黑體" panose="020B0604030504040204" pitchFamily="34" charset="-120"/>
-                <a:ea typeface="微軟正黑體" panose="020B0604030504040204" pitchFamily="34" charset="-120"/>
-              </a:rPr>
-              <a:t>或自行定義項目</a:t>
-            </a:r>
-            <a:r>
-              <a:rPr lang="en-US" altLang="zh-TW" sz="3200" b="1" dirty="0">
-                <a:solidFill>
-                  <a:srgbClr val="C00000"/>
-                </a:solidFill>
-                <a:latin typeface="微軟正黑體" panose="020B0604030504040204" pitchFamily="34" charset="-120"/>
-                <a:ea typeface="微軟正黑體" panose="020B0604030504040204" pitchFamily="34" charset="-120"/>
-              </a:rPr>
-              <a:t>)</a:t>
-            </a:r>
-            <a:endParaRPr lang="zh-TW" altLang="en-US" sz="3200" b="1" dirty="0">
-              <a:solidFill>
-                <a:srgbClr val="C00000"/>
-              </a:solidFill>
-              <a:latin typeface="微軟正黑體" panose="020B0604030504040204" pitchFamily="34" charset="-120"/>
-              <a:ea typeface="微軟正黑體" panose="020B0604030504040204" pitchFamily="34" charset="-120"/>
-            </a:endParaRPr>
-          </a:p>
-        </p:txBody>
-      </p:sp>
-      <p:sp>
-        <p:nvSpPr>
-          <p:cNvPr id="2" name="內容版面配置區 1"/>
+              <a:t>長一樣</a:t>
+            </a:r>
+            <a:r>
+              <a:rPr kumimoji="1" lang="zh-TW" altLang="en-US" dirty="0"/>
+              <a:t>的變數對於學習沒有任何幫助，甚至會拉低模型的準確度，所以我們也將其丟棄。</a:t>
+            </a:r>
+          </a:p>
+        </p:txBody>
+      </p:sp>
+      <p:sp>
+        <p:nvSpPr>
+          <p:cNvPr id="4" name="投影片編號版面配置區 3">
+            <a:extLst>
+              <a:ext uri="{FF2B5EF4-FFF2-40B4-BE49-F238E27FC236}">
+                <a16:creationId xmlns:a16="http://schemas.microsoft.com/office/drawing/2014/main" id="{529F2978-36E8-C245-B9C8-4C182683F8F4}"/>
+              </a:ext>
+            </a:extLst>
+          </p:cNvPr>
           <p:cNvSpPr>
             <a:spLocks noGrp="1"/>
           </p:cNvSpPr>
           <p:nvPr>
-            <p:ph idx="1"/>
-          </p:nvPr>
-        </p:nvSpPr>
-        <p:spPr/>
-        <p:txBody>
-          <a:bodyPr/>
-          <a:lstStyle/>
-          <a:p>
-            <a:endParaRPr lang="zh-TW" altLang="en-US"/>
-          </a:p>
-        </p:txBody>
-      </p:sp>
-      <p:sp>
-        <p:nvSpPr>
-          <p:cNvPr id="4" name="投影片編號版面配置區 3"/>
-          <p:cNvSpPr>
-            <a:spLocks noGrp="1"/>
-          </p:cNvSpPr>
-          <p:nvPr>
             <p:ph type="sldNum" sz="quarter" idx="12"/>
           </p:nvPr>
         </p:nvSpPr>
-        <p:spPr/>
-        <p:txBody>
-          <a:bodyPr/>
-          <a:lstStyle/>
-          <a:p>
+        <p:spPr>
+          <a:xfrm>
+            <a:off x="8610600" y="6356350"/>
+            <a:ext cx="2743200" cy="365125"/>
+          </a:xfrm>
+        </p:spPr>
+        <p:txBody>
+          <a:bodyPr>
+            <a:normAutofit/>
+          </a:bodyPr>
+          <a:lstStyle/>
+          <a:p>
+            <a:pPr>
+              <a:spcAft>
+                <a:spcPts val="600"/>
+              </a:spcAft>
+            </a:pPr>
             <a:fld id="{B386CFD2-0AD6-4F60-A1EA-3E4A485A23ED}" type="slidenum">
               <a:rPr lang="zh-TW" altLang="en-US" smtClean="0"/>
+              <a:pPr>
+                <a:spcAft>
+                  <a:spcPts val="600"/>
+                </a:spcAft>
+              </a:pPr>
               <a:t>5</a:t>
             </a:fld>
             <a:endParaRPr lang="zh-TW" altLang="en-US"/>
           </a:p>
         </p:txBody>
       </p:sp>
+      <p:pic>
+        <p:nvPicPr>
+          <p:cNvPr id="7" name="圖片 6" descr="一張含有 螢幕擷取畫面 的圖片&#10;&#10;自動產生的描述">
+            <a:extLst>
+              <a:ext uri="{FF2B5EF4-FFF2-40B4-BE49-F238E27FC236}">
+                <a16:creationId xmlns:a16="http://schemas.microsoft.com/office/drawing/2014/main" id="{98569771-1D1D-DD49-BFE2-6C92698CD5E1}"/>
+              </a:ext>
+            </a:extLst>
+          </p:cNvPr>
+          <p:cNvPicPr>
+            <a:picLocks noChangeAspect="1"/>
+          </p:cNvPicPr>
+          <p:nvPr/>
+        </p:nvPicPr>
+        <p:blipFill>
+          <a:blip r:embed="rId2">
+            <a:extLst>
+              <a:ext uri="{28A0092B-C50C-407E-A947-70E740481C1C}">
+                <a14:useLocalDpi xmlns:a14="http://schemas.microsoft.com/office/drawing/2010/main" val="0"/>
+              </a:ext>
+            </a:extLst>
+          </a:blip>
+          <a:stretch>
+            <a:fillRect/>
+          </a:stretch>
+        </p:blipFill>
+        <p:spPr>
+          <a:xfrm>
+            <a:off x="6096000" y="1825624"/>
+            <a:ext cx="5664200" cy="2679700"/>
+          </a:xfrm>
+          <a:prstGeom prst="rect">
+            <a:avLst/>
+          </a:prstGeom>
+        </p:spPr>
+      </p:pic>
     </p:spTree>
     <p:extLst>
       <p:ext uri="{BB962C8B-B14F-4D97-AF65-F5344CB8AC3E}">
-        <p14:creationId xmlns:p14="http://schemas.microsoft.com/office/powerpoint/2010/main" val="3190154755"/>
+        <p14:creationId xmlns:p14="http://schemas.microsoft.com/office/powerpoint/2010/main" val="1184263474"/>
+      </p:ext>
+    </p:extLst>
+  </p:cSld>
+  <p:clrMapOvr>
+    <a:masterClrMapping/>
+  </p:clrMapOvr>
+</p:sld>
+</file>
+
+<file path=ppt/slides/slide6.xml><?xml version="1.0" encoding="utf-8"?>
+<p:sld xmlns:a="http://schemas.openxmlformats.org/drawingml/2006/main" xmlns:r="http://schemas.openxmlformats.org/officeDocument/2006/relationships" xmlns:p="http://schemas.openxmlformats.org/presentationml/2006/main">
+  <p:cSld>
+    <p:bg>
+      <p:bgPr>
+        <a:solidFill>
+          <a:schemeClr val="bg1"/>
+        </a:solidFill>
+        <a:effectLst/>
+      </p:bgPr>
+    </p:bg>
+    <p:spTree>
+      <p:nvGrpSpPr>
+        <p:cNvPr id="1" name=""/>
+        <p:cNvGrpSpPr/>
+        <p:nvPr/>
+      </p:nvGrpSpPr>
+      <p:grpSpPr>
+        <a:xfrm>
+          <a:off x="0" y="0"/>
+          <a:ext cx="0" cy="0"/>
+          <a:chOff x="0" y="0"/>
+          <a:chExt cx="0" cy="0"/>
+        </a:xfrm>
+      </p:grpSpPr>
+      <p:sp useBgFill="1">
+        <p:nvSpPr>
+          <p:cNvPr id="9" name="Rectangle 8">
+            <a:extLst>
+              <a:ext uri="{FF2B5EF4-FFF2-40B4-BE49-F238E27FC236}">
+                <a16:creationId xmlns:a16="http://schemas.microsoft.com/office/drawing/2014/main" id="{1BB867FF-FC45-48F7-8104-F89BE54909F1}"/>
+              </a:ext>
+              <a:ext uri="{C183D7F6-B498-43B3-948B-1728B52AA6E4}">
+                <adec:decorative xmlns:adec="http://schemas.microsoft.com/office/drawing/2017/decorative" val="1"/>
+              </a:ext>
+            </a:extLst>
+          </p:cNvPr>
+          <p:cNvSpPr>
+            <a:spLocks noGrp="1" noRot="1" noChangeAspect="1" noMove="1" noResize="1" noEditPoints="1" noAdjustHandles="1" noChangeArrowheads="1" noChangeShapeType="1" noTextEdit="1"/>
+          </p:cNvSpPr>
+          <p:nvPr>
+            <p:extLst>
+              <p:ext uri="{386F3935-93C4-4BCD-93E2-E3B085C9AB24}">
+                <p16:designElem xmlns:p16="http://schemas.microsoft.com/office/powerpoint/2015/main" val="1"/>
+              </p:ext>
+            </p:extLst>
+          </p:nvPr>
+        </p:nvSpPr>
+        <p:spPr>
+          <a:xfrm>
+            <a:off x="3048" y="0"/>
+            <a:ext cx="12188952" cy="6858000"/>
+          </a:xfrm>
+          <a:prstGeom prst="rect">
+            <a:avLst/>
+          </a:prstGeom>
+          <a:ln>
+            <a:noFill/>
+          </a:ln>
+        </p:spPr>
+        <p:style>
+          <a:lnRef idx="2">
+            <a:schemeClr val="accent1">
+              <a:shade val="50000"/>
+            </a:schemeClr>
+          </a:lnRef>
+          <a:fillRef idx="1">
+            <a:schemeClr val="accent1"/>
+          </a:fillRef>
+          <a:effectRef idx="0">
+            <a:schemeClr val="accent1"/>
+          </a:effectRef>
+          <a:fontRef idx="minor">
+            <a:schemeClr val="lt1"/>
+          </a:fontRef>
+        </p:style>
+        <p:txBody>
+          <a:bodyPr rtlCol="0" anchor="ctr"/>
+          <a:lstStyle/>
+          <a:p>
+            <a:pPr algn="ctr"/>
+            <a:endParaRPr lang="en-US"/>
+          </a:p>
+        </p:txBody>
+      </p:sp>
+      <p:sp>
+        <p:nvSpPr>
+          <p:cNvPr id="11" name="Freeform: Shape 10">
+            <a:extLst>
+              <a:ext uri="{FF2B5EF4-FFF2-40B4-BE49-F238E27FC236}">
+                <a16:creationId xmlns:a16="http://schemas.microsoft.com/office/drawing/2014/main" id="{8BB56887-D0D5-4F0C-9E19-7247EB83C8B7}"/>
+              </a:ext>
+              <a:ext uri="{C183D7F6-B498-43B3-948B-1728B52AA6E4}">
+                <adec:decorative xmlns:adec="http://schemas.microsoft.com/office/drawing/2017/decorative" val="1"/>
+              </a:ext>
+            </a:extLst>
+          </p:cNvPr>
+          <p:cNvSpPr>
+            <a:spLocks noGrp="1" noRot="1" noChangeAspect="1" noMove="1" noResize="1" noEditPoints="1" noAdjustHandles="1" noChangeArrowheads="1" noChangeShapeType="1" noTextEdit="1"/>
+          </p:cNvSpPr>
+          <p:nvPr>
+            <p:extLst>
+              <p:ext uri="{386F3935-93C4-4BCD-93E2-E3B085C9AB24}">
+                <p16:designElem xmlns:p16="http://schemas.microsoft.com/office/powerpoint/2015/main" val="1"/>
+              </p:ext>
+            </p:extLst>
+          </p:nvPr>
+        </p:nvSpPr>
+        <p:spPr>
+          <a:xfrm>
+            <a:off x="10208695" y="1"/>
+            <a:ext cx="1135066" cy="477997"/>
+          </a:xfrm>
+          <a:custGeom>
+            <a:avLst/>
+            <a:gdLst>
+              <a:gd name="connsiteX0" fmla="*/ 0 w 1135066"/>
+              <a:gd name="connsiteY0" fmla="*/ 0 h 477997"/>
+              <a:gd name="connsiteX1" fmla="*/ 1135066 w 1135066"/>
+              <a:gd name="connsiteY1" fmla="*/ 0 h 477997"/>
+              <a:gd name="connsiteX2" fmla="*/ 1133370 w 1135066"/>
+              <a:gd name="connsiteY2" fmla="*/ 16827 h 477997"/>
+              <a:gd name="connsiteX3" fmla="*/ 567533 w 1135066"/>
+              <a:gd name="connsiteY3" fmla="*/ 477997 h 477997"/>
+              <a:gd name="connsiteX4" fmla="*/ 1696 w 1135066"/>
+              <a:gd name="connsiteY4" fmla="*/ 16827 h 477997"/>
+            </a:gdLst>
+            <a:ahLst/>
+            <a:cxnLst>
+              <a:cxn ang="0">
+                <a:pos x="connsiteX0" y="connsiteY0"/>
+              </a:cxn>
+              <a:cxn ang="0">
+                <a:pos x="connsiteX1" y="connsiteY1"/>
+              </a:cxn>
+              <a:cxn ang="0">
+                <a:pos x="connsiteX2" y="connsiteY2"/>
+              </a:cxn>
+              <a:cxn ang="0">
+                <a:pos x="connsiteX3" y="connsiteY3"/>
+              </a:cxn>
+              <a:cxn ang="0">
+                <a:pos x="connsiteX4" y="connsiteY4"/>
+              </a:cxn>
+            </a:cxnLst>
+            <a:rect l="l" t="t" r="r" b="b"/>
+            <a:pathLst>
+              <a:path w="1135066" h="477997">
+                <a:moveTo>
+                  <a:pt x="0" y="0"/>
+                </a:moveTo>
+                <a:lnTo>
+                  <a:pt x="1135066" y="0"/>
+                </a:lnTo>
+                <a:lnTo>
+                  <a:pt x="1133370" y="16827"/>
+                </a:lnTo>
+                <a:cubicBezTo>
+                  <a:pt x="1079514" y="280016"/>
+                  <a:pt x="846644" y="477997"/>
+                  <a:pt x="567533" y="477997"/>
+                </a:cubicBezTo>
+                <a:cubicBezTo>
+                  <a:pt x="288422" y="477997"/>
+                  <a:pt x="55552" y="280016"/>
+                  <a:pt x="1696" y="16827"/>
+                </a:cubicBezTo>
+                <a:close/>
+              </a:path>
+            </a:pathLst>
+          </a:custGeom>
+          <a:solidFill>
+            <a:schemeClr val="accent4"/>
+          </a:solidFill>
+          <a:ln>
+            <a:noFill/>
+          </a:ln>
+        </p:spPr>
+        <p:style>
+          <a:lnRef idx="2">
+            <a:schemeClr val="accent1">
+              <a:shade val="50000"/>
+            </a:schemeClr>
+          </a:lnRef>
+          <a:fillRef idx="1">
+            <a:schemeClr val="accent1"/>
+          </a:fillRef>
+          <a:effectRef idx="0">
+            <a:schemeClr val="accent1"/>
+          </a:effectRef>
+          <a:fontRef idx="minor">
+            <a:schemeClr val="lt1"/>
+          </a:fontRef>
+        </p:style>
+        <p:txBody>
+          <a:bodyPr wrap="square" rtlCol="0" anchor="ctr">
+            <a:noAutofit/>
+          </a:bodyPr>
+          <a:lstStyle/>
+          <a:p>
+            <a:pPr algn="ctr"/>
+            <a:endParaRPr lang="en-US"/>
+          </a:p>
+        </p:txBody>
+      </p:sp>
+      <p:sp>
+        <p:nvSpPr>
+          <p:cNvPr id="2" name="標題 1">
+            <a:extLst>
+              <a:ext uri="{FF2B5EF4-FFF2-40B4-BE49-F238E27FC236}">
+                <a16:creationId xmlns:a16="http://schemas.microsoft.com/office/drawing/2014/main" id="{DBE27E35-50A2-7C47-943A-39E901CC7DA6}"/>
+              </a:ext>
+            </a:extLst>
+          </p:cNvPr>
+          <p:cNvSpPr>
+            <a:spLocks noGrp="1"/>
+          </p:cNvSpPr>
+          <p:nvPr>
+            <p:ph type="title"/>
+          </p:nvPr>
+        </p:nvSpPr>
+        <p:spPr>
+          <a:xfrm>
+            <a:off x="838200" y="365125"/>
+            <a:ext cx="10515600" cy="1325563"/>
+          </a:xfrm>
+        </p:spPr>
+        <p:txBody>
+          <a:bodyPr>
+            <a:normAutofit/>
+          </a:bodyPr>
+          <a:lstStyle/>
+          <a:p>
+            <a:r>
+              <a:rPr kumimoji="1" lang="zh-TW" altLang="en-US" dirty="0"/>
+              <a:t>標記大量缺失的變數</a:t>
+            </a:r>
+          </a:p>
+        </p:txBody>
+      </p:sp>
+      <p:sp>
+        <p:nvSpPr>
+          <p:cNvPr id="13" name="Arc 12">
+            <a:extLst>
+              <a:ext uri="{FF2B5EF4-FFF2-40B4-BE49-F238E27FC236}">
+                <a16:creationId xmlns:a16="http://schemas.microsoft.com/office/drawing/2014/main" id="{081E4A58-353D-44AE-B2FC-2A74E2E400F7}"/>
+              </a:ext>
+              <a:ext uri="{C183D7F6-B498-43B3-948B-1728B52AA6E4}">
+                <adec:decorative xmlns:adec="http://schemas.microsoft.com/office/drawing/2017/decorative" val="1"/>
+              </a:ext>
+            </a:extLst>
+          </p:cNvPr>
+          <p:cNvSpPr>
+            <a:spLocks noGrp="1" noRot="1" noChangeAspect="1" noMove="1" noResize="1" noEditPoints="1" noAdjustHandles="1" noChangeArrowheads="1" noChangeShapeType="1" noTextEdit="1"/>
+          </p:cNvSpPr>
+          <p:nvPr>
+            <p:extLst>
+              <p:ext uri="{386F3935-93C4-4BCD-93E2-E3B085C9AB24}">
+                <p16:designElem xmlns:p16="http://schemas.microsoft.com/office/powerpoint/2015/main" val="1"/>
+              </p:ext>
+            </p:extLst>
+          </p:nvPr>
+        </p:nvSpPr>
+        <p:spPr>
+          <a:xfrm rot="5400000" flipV="1">
+            <a:off x="555710" y="2183223"/>
+            <a:ext cx="4083433" cy="4083433"/>
+          </a:xfrm>
+          <a:prstGeom prst="arc">
+            <a:avLst/>
+          </a:prstGeom>
+          <a:ln w="127000" cap="rnd">
+            <a:solidFill>
+              <a:schemeClr val="accent4"/>
+            </a:solidFill>
+            <a:prstDash val="dash"/>
+          </a:ln>
+        </p:spPr>
+        <p:style>
+          <a:lnRef idx="1">
+            <a:schemeClr val="accent1"/>
+          </a:lnRef>
+          <a:fillRef idx="0">
+            <a:schemeClr val="accent1"/>
+          </a:fillRef>
+          <a:effectRef idx="0">
+            <a:schemeClr val="accent1"/>
+          </a:effectRef>
+          <a:fontRef idx="minor">
+            <a:schemeClr val="tx1"/>
+          </a:fontRef>
+        </p:style>
+        <p:txBody>
+          <a:bodyPr rtlCol="0" anchor="ctr"/>
+          <a:lstStyle/>
+          <a:p>
+            <a:pPr algn="ctr"/>
+            <a:endParaRPr lang="en-US" dirty="0"/>
+          </a:p>
+        </p:txBody>
+      </p:sp>
+      <p:sp>
+        <p:nvSpPr>
+          <p:cNvPr id="3" name="內容版面配置區 2">
+            <a:extLst>
+              <a:ext uri="{FF2B5EF4-FFF2-40B4-BE49-F238E27FC236}">
+                <a16:creationId xmlns:a16="http://schemas.microsoft.com/office/drawing/2014/main" id="{3A19D318-5570-3F46-B45E-F7FACBF5B4D2}"/>
+              </a:ext>
+            </a:extLst>
+          </p:cNvPr>
+          <p:cNvSpPr>
+            <a:spLocks noGrp="1"/>
+          </p:cNvSpPr>
+          <p:nvPr>
+            <p:ph idx="1"/>
+          </p:nvPr>
+        </p:nvSpPr>
+        <p:spPr>
+          <a:xfrm>
+            <a:off x="838200" y="1825625"/>
+            <a:ext cx="5257800" cy="4351338"/>
+          </a:xfrm>
+        </p:spPr>
+        <p:txBody>
+          <a:bodyPr>
+            <a:normAutofit/>
+          </a:bodyPr>
+          <a:lstStyle/>
+          <a:p>
+            <a:r>
+              <a:rPr kumimoji="1" lang="zh-TW" altLang="en-US" dirty="0"/>
+              <a:t>我們發現在</a:t>
+            </a:r>
+            <a:r>
+              <a:rPr kumimoji="1" lang="en-US" altLang="zh-TW" dirty="0"/>
+              <a:t>Input_C_083~091</a:t>
+            </a:r>
+            <a:r>
+              <a:rPr kumimoji="1" lang="zh-TW" altLang="en-US" dirty="0"/>
+              <a:t>有大量缺失的變數，我們會</a:t>
+            </a:r>
+            <a:r>
+              <a:rPr kumimoji="1" lang="zh-TW" altLang="en-US" dirty="0">
+                <a:solidFill>
+                  <a:srgbClr val="FF0000"/>
+                </a:solidFill>
+              </a:rPr>
+              <a:t>新增一個變數</a:t>
+            </a:r>
+            <a:r>
+              <a:rPr kumimoji="1" lang="en-US" altLang="zh-TW" dirty="0"/>
+              <a:t>(</a:t>
+            </a:r>
+            <a:r>
+              <a:rPr kumimoji="1" lang="en-US" altLang="zh-TW" dirty="0" err="1"/>
+              <a:t>massive_missing</a:t>
+            </a:r>
+            <a:r>
+              <a:rPr kumimoji="1" lang="en-US" altLang="zh-TW" dirty="0"/>
+              <a:t>)</a:t>
+            </a:r>
+            <a:r>
+              <a:rPr kumimoji="1" lang="zh-TW" altLang="en-US" dirty="0"/>
+              <a:t>來標記資料在這幾筆中為缺失值。舉例來說，如果</a:t>
+            </a:r>
+            <a:r>
+              <a:rPr kumimoji="1" lang="en-US" altLang="zh-TW" dirty="0"/>
+              <a:t>Input_C_083</a:t>
+            </a:r>
+            <a:r>
+              <a:rPr kumimoji="1" lang="zh-TW" altLang="en-US" dirty="0"/>
+              <a:t>為缺失值，</a:t>
+            </a:r>
+            <a:r>
+              <a:rPr kumimoji="1" lang="en-US" altLang="zh-TW" dirty="0" err="1"/>
+              <a:t>massing_missing</a:t>
+            </a:r>
+            <a:r>
+              <a:rPr kumimoji="1" lang="en-US" altLang="zh-TW" dirty="0"/>
+              <a:t>=1</a:t>
+            </a:r>
+            <a:r>
+              <a:rPr kumimoji="1" lang="zh-TW" altLang="en-US" dirty="0"/>
+              <a:t>，反之為</a:t>
+            </a:r>
+            <a:r>
+              <a:rPr kumimoji="1" lang="en-US" altLang="zh-TW" dirty="0"/>
+              <a:t>0</a:t>
+            </a:r>
+            <a:r>
+              <a:rPr kumimoji="1" lang="zh-TW" altLang="en-US" dirty="0"/>
+              <a:t>。</a:t>
+            </a:r>
+            <a:endParaRPr kumimoji="1" lang="en-US" altLang="zh-TW" dirty="0"/>
+          </a:p>
+          <a:p>
+            <a:r>
+              <a:rPr kumimoji="1" lang="zh-TW" altLang="en-US" dirty="0"/>
+              <a:t>右圖白色橫線為缺失值位置。</a:t>
+            </a:r>
+            <a:endParaRPr kumimoji="1" lang="en-US" altLang="zh-TW" dirty="0"/>
+          </a:p>
+        </p:txBody>
+      </p:sp>
+      <p:sp>
+        <p:nvSpPr>
+          <p:cNvPr id="4" name="投影片編號版面配置區 3">
+            <a:extLst>
+              <a:ext uri="{FF2B5EF4-FFF2-40B4-BE49-F238E27FC236}">
+                <a16:creationId xmlns:a16="http://schemas.microsoft.com/office/drawing/2014/main" id="{7C51CA5A-BDD7-2847-880E-2F3ACA7570DA}"/>
+              </a:ext>
+            </a:extLst>
+          </p:cNvPr>
+          <p:cNvSpPr>
+            <a:spLocks noGrp="1"/>
+          </p:cNvSpPr>
+          <p:nvPr>
+            <p:ph type="sldNum" sz="quarter" idx="12"/>
+          </p:nvPr>
+        </p:nvSpPr>
+        <p:spPr>
+          <a:xfrm>
+            <a:off x="8610600" y="6356350"/>
+            <a:ext cx="2743200" cy="365125"/>
+          </a:xfrm>
+        </p:spPr>
+        <p:txBody>
+          <a:bodyPr>
+            <a:normAutofit/>
+          </a:bodyPr>
+          <a:lstStyle/>
+          <a:p>
+            <a:pPr>
+              <a:spcAft>
+                <a:spcPts val="600"/>
+              </a:spcAft>
+            </a:pPr>
+            <a:fld id="{B386CFD2-0AD6-4F60-A1EA-3E4A485A23ED}" type="slidenum">
+              <a:rPr lang="zh-TW" altLang="en-US" smtClean="0"/>
+              <a:pPr>
+                <a:spcAft>
+                  <a:spcPts val="600"/>
+                </a:spcAft>
+              </a:pPr>
+              <a:t>6</a:t>
+            </a:fld>
+            <a:endParaRPr lang="zh-TW" altLang="en-US"/>
+          </a:p>
+        </p:txBody>
+      </p:sp>
+      <p:pic>
+        <p:nvPicPr>
+          <p:cNvPr id="5" name="圖片 4">
+            <a:extLst>
+              <a:ext uri="{FF2B5EF4-FFF2-40B4-BE49-F238E27FC236}">
+                <a16:creationId xmlns:a16="http://schemas.microsoft.com/office/drawing/2014/main" id="{4C79C563-39F9-6B4D-8A3D-BB25AAAEAD93}"/>
+              </a:ext>
+            </a:extLst>
+          </p:cNvPr>
+          <p:cNvPicPr>
+            <a:picLocks noChangeAspect="1"/>
+          </p:cNvPicPr>
+          <p:nvPr/>
+        </p:nvPicPr>
+        <p:blipFill>
+          <a:blip r:embed="rId2"/>
+          <a:stretch>
+            <a:fillRect/>
+          </a:stretch>
+        </p:blipFill>
+        <p:spPr>
+          <a:xfrm>
+            <a:off x="6216459" y="2586691"/>
+            <a:ext cx="5810462" cy="2255918"/>
+          </a:xfrm>
+          <a:prstGeom prst="rect">
+            <a:avLst/>
+          </a:prstGeom>
+        </p:spPr>
+      </p:pic>
+    </p:spTree>
+    <p:extLst>
+      <p:ext uri="{BB962C8B-B14F-4D97-AF65-F5344CB8AC3E}">
+        <p14:creationId xmlns:p14="http://schemas.microsoft.com/office/powerpoint/2010/main" val="4065546342"/>
+      </p:ext>
+    </p:extLst>
+  </p:cSld>
+  <p:clrMapOvr>
+    <a:masterClrMapping/>
+  </p:clrMapOvr>
+</p:sld>
+</file>
+
+<file path=ppt/slides/slide7.xml><?xml version="1.0" encoding="utf-8"?>
+<p:sld xmlns:a="http://schemas.openxmlformats.org/drawingml/2006/main" xmlns:r="http://schemas.openxmlformats.org/officeDocument/2006/relationships" xmlns:p="http://schemas.openxmlformats.org/presentationml/2006/main">
+  <p:cSld>
+    <p:bg>
+      <p:bgPr>
+        <a:solidFill>
+          <a:schemeClr val="bg1"/>
+        </a:solidFill>
+        <a:effectLst/>
+      </p:bgPr>
+    </p:bg>
+    <p:spTree>
+      <p:nvGrpSpPr>
+        <p:cNvPr id="1" name=""/>
+        <p:cNvGrpSpPr/>
+        <p:nvPr/>
+      </p:nvGrpSpPr>
+      <p:grpSpPr>
+        <a:xfrm>
+          <a:off x="0" y="0"/>
+          <a:ext cx="0" cy="0"/>
+          <a:chOff x="0" y="0"/>
+          <a:chExt cx="0" cy="0"/>
+        </a:xfrm>
+      </p:grpSpPr>
+      <p:sp useBgFill="1">
+        <p:nvSpPr>
+          <p:cNvPr id="9" name="Rectangle 8">
+            <a:extLst>
+              <a:ext uri="{FF2B5EF4-FFF2-40B4-BE49-F238E27FC236}">
+                <a16:creationId xmlns:a16="http://schemas.microsoft.com/office/drawing/2014/main" id="{1BB867FF-FC45-48F7-8104-F89BE54909F1}"/>
+              </a:ext>
+              <a:ext uri="{C183D7F6-B498-43B3-948B-1728B52AA6E4}">
+                <adec:decorative xmlns:adec="http://schemas.microsoft.com/office/drawing/2017/decorative" val="1"/>
+              </a:ext>
+            </a:extLst>
+          </p:cNvPr>
+          <p:cNvSpPr>
+            <a:spLocks noGrp="1" noRot="1" noChangeAspect="1" noMove="1" noResize="1" noEditPoints="1" noAdjustHandles="1" noChangeArrowheads="1" noChangeShapeType="1" noTextEdit="1"/>
+          </p:cNvSpPr>
+          <p:nvPr>
+            <p:extLst>
+              <p:ext uri="{386F3935-93C4-4BCD-93E2-E3B085C9AB24}">
+                <p16:designElem xmlns:p16="http://schemas.microsoft.com/office/powerpoint/2015/main" val="1"/>
+              </p:ext>
+            </p:extLst>
+          </p:nvPr>
+        </p:nvSpPr>
+        <p:spPr>
+          <a:xfrm>
+            <a:off x="3048" y="0"/>
+            <a:ext cx="12188952" cy="6858000"/>
+          </a:xfrm>
+          <a:prstGeom prst="rect">
+            <a:avLst/>
+          </a:prstGeom>
+          <a:ln>
+            <a:noFill/>
+          </a:ln>
+        </p:spPr>
+        <p:style>
+          <a:lnRef idx="2">
+            <a:schemeClr val="accent1">
+              <a:shade val="50000"/>
+            </a:schemeClr>
+          </a:lnRef>
+          <a:fillRef idx="1">
+            <a:schemeClr val="accent1"/>
+          </a:fillRef>
+          <a:effectRef idx="0">
+            <a:schemeClr val="accent1"/>
+          </a:effectRef>
+          <a:fontRef idx="minor">
+            <a:schemeClr val="lt1"/>
+          </a:fontRef>
+        </p:style>
+        <p:txBody>
+          <a:bodyPr rtlCol="0" anchor="ctr"/>
+          <a:lstStyle/>
+          <a:p>
+            <a:pPr algn="ctr"/>
+            <a:endParaRPr lang="en-US"/>
+          </a:p>
+        </p:txBody>
+      </p:sp>
+      <p:sp>
+        <p:nvSpPr>
+          <p:cNvPr id="11" name="Freeform: Shape 10">
+            <a:extLst>
+              <a:ext uri="{FF2B5EF4-FFF2-40B4-BE49-F238E27FC236}">
+                <a16:creationId xmlns:a16="http://schemas.microsoft.com/office/drawing/2014/main" id="{8BB56887-D0D5-4F0C-9E19-7247EB83C8B7}"/>
+              </a:ext>
+              <a:ext uri="{C183D7F6-B498-43B3-948B-1728B52AA6E4}">
+                <adec:decorative xmlns:adec="http://schemas.microsoft.com/office/drawing/2017/decorative" val="1"/>
+              </a:ext>
+            </a:extLst>
+          </p:cNvPr>
+          <p:cNvSpPr>
+            <a:spLocks noGrp="1" noRot="1" noChangeAspect="1" noMove="1" noResize="1" noEditPoints="1" noAdjustHandles="1" noChangeArrowheads="1" noChangeShapeType="1" noTextEdit="1"/>
+          </p:cNvSpPr>
+          <p:nvPr>
+            <p:extLst>
+              <p:ext uri="{386F3935-93C4-4BCD-93E2-E3B085C9AB24}">
+                <p16:designElem xmlns:p16="http://schemas.microsoft.com/office/powerpoint/2015/main" val="1"/>
+              </p:ext>
+            </p:extLst>
+          </p:nvPr>
+        </p:nvSpPr>
+        <p:spPr>
+          <a:xfrm>
+            <a:off x="10208695" y="1"/>
+            <a:ext cx="1135066" cy="477997"/>
+          </a:xfrm>
+          <a:custGeom>
+            <a:avLst/>
+            <a:gdLst>
+              <a:gd name="connsiteX0" fmla="*/ 0 w 1135066"/>
+              <a:gd name="connsiteY0" fmla="*/ 0 h 477997"/>
+              <a:gd name="connsiteX1" fmla="*/ 1135066 w 1135066"/>
+              <a:gd name="connsiteY1" fmla="*/ 0 h 477997"/>
+              <a:gd name="connsiteX2" fmla="*/ 1133370 w 1135066"/>
+              <a:gd name="connsiteY2" fmla="*/ 16827 h 477997"/>
+              <a:gd name="connsiteX3" fmla="*/ 567533 w 1135066"/>
+              <a:gd name="connsiteY3" fmla="*/ 477997 h 477997"/>
+              <a:gd name="connsiteX4" fmla="*/ 1696 w 1135066"/>
+              <a:gd name="connsiteY4" fmla="*/ 16827 h 477997"/>
+            </a:gdLst>
+            <a:ahLst/>
+            <a:cxnLst>
+              <a:cxn ang="0">
+                <a:pos x="connsiteX0" y="connsiteY0"/>
+              </a:cxn>
+              <a:cxn ang="0">
+                <a:pos x="connsiteX1" y="connsiteY1"/>
+              </a:cxn>
+              <a:cxn ang="0">
+                <a:pos x="connsiteX2" y="connsiteY2"/>
+              </a:cxn>
+              <a:cxn ang="0">
+                <a:pos x="connsiteX3" y="connsiteY3"/>
+              </a:cxn>
+              <a:cxn ang="0">
+                <a:pos x="connsiteX4" y="connsiteY4"/>
+              </a:cxn>
+            </a:cxnLst>
+            <a:rect l="l" t="t" r="r" b="b"/>
+            <a:pathLst>
+              <a:path w="1135066" h="477997">
+                <a:moveTo>
+                  <a:pt x="0" y="0"/>
+                </a:moveTo>
+                <a:lnTo>
+                  <a:pt x="1135066" y="0"/>
+                </a:lnTo>
+                <a:lnTo>
+                  <a:pt x="1133370" y="16827"/>
+                </a:lnTo>
+                <a:cubicBezTo>
+                  <a:pt x="1079514" y="280016"/>
+                  <a:pt x="846644" y="477997"/>
+                  <a:pt x="567533" y="477997"/>
+                </a:cubicBezTo>
+                <a:cubicBezTo>
+                  <a:pt x="288422" y="477997"/>
+                  <a:pt x="55552" y="280016"/>
+                  <a:pt x="1696" y="16827"/>
+                </a:cubicBezTo>
+                <a:close/>
+              </a:path>
+            </a:pathLst>
+          </a:custGeom>
+          <a:solidFill>
+            <a:schemeClr val="accent4"/>
+          </a:solidFill>
+          <a:ln>
+            <a:noFill/>
+          </a:ln>
+        </p:spPr>
+        <p:style>
+          <a:lnRef idx="2">
+            <a:schemeClr val="accent1">
+              <a:shade val="50000"/>
+            </a:schemeClr>
+          </a:lnRef>
+          <a:fillRef idx="1">
+            <a:schemeClr val="accent1"/>
+          </a:fillRef>
+          <a:effectRef idx="0">
+            <a:schemeClr val="accent1"/>
+          </a:effectRef>
+          <a:fontRef idx="minor">
+            <a:schemeClr val="lt1"/>
+          </a:fontRef>
+        </p:style>
+        <p:txBody>
+          <a:bodyPr wrap="square" rtlCol="0" anchor="ctr">
+            <a:noAutofit/>
+          </a:bodyPr>
+          <a:lstStyle/>
+          <a:p>
+            <a:pPr algn="ctr"/>
+            <a:endParaRPr lang="en-US"/>
+          </a:p>
+        </p:txBody>
+      </p:sp>
+      <p:sp>
+        <p:nvSpPr>
+          <p:cNvPr id="2" name="標題 1">
+            <a:extLst>
+              <a:ext uri="{FF2B5EF4-FFF2-40B4-BE49-F238E27FC236}">
+                <a16:creationId xmlns:a16="http://schemas.microsoft.com/office/drawing/2014/main" id="{FC7EAF8A-BA1E-874B-B2AE-A7618B410379}"/>
+              </a:ext>
+            </a:extLst>
+          </p:cNvPr>
+          <p:cNvSpPr>
+            <a:spLocks noGrp="1"/>
+          </p:cNvSpPr>
+          <p:nvPr>
+            <p:ph type="title"/>
+          </p:nvPr>
+        </p:nvSpPr>
+        <p:spPr>
+          <a:xfrm>
+            <a:off x="838200" y="365125"/>
+            <a:ext cx="10515600" cy="1325563"/>
+          </a:xfrm>
+        </p:spPr>
+        <p:txBody>
+          <a:bodyPr>
+            <a:normAutofit/>
+          </a:bodyPr>
+          <a:lstStyle/>
+          <a:p>
+            <a:r>
+              <a:rPr kumimoji="1" lang="zh-TW" altLang="en-US" dirty="0"/>
+              <a:t>偏移量的處理</a:t>
+            </a:r>
+          </a:p>
+        </p:txBody>
+      </p:sp>
+      <p:sp>
+        <p:nvSpPr>
+          <p:cNvPr id="13" name="Arc 12">
+            <a:extLst>
+              <a:ext uri="{FF2B5EF4-FFF2-40B4-BE49-F238E27FC236}">
+                <a16:creationId xmlns:a16="http://schemas.microsoft.com/office/drawing/2014/main" id="{081E4A58-353D-44AE-B2FC-2A74E2E400F7}"/>
+              </a:ext>
+              <a:ext uri="{C183D7F6-B498-43B3-948B-1728B52AA6E4}">
+                <adec:decorative xmlns:adec="http://schemas.microsoft.com/office/drawing/2017/decorative" val="1"/>
+              </a:ext>
+            </a:extLst>
+          </p:cNvPr>
+          <p:cNvSpPr>
+            <a:spLocks noGrp="1" noRot="1" noChangeAspect="1" noMove="1" noResize="1" noEditPoints="1" noAdjustHandles="1" noChangeArrowheads="1" noChangeShapeType="1" noTextEdit="1"/>
+          </p:cNvSpPr>
+          <p:nvPr>
+            <p:extLst>
+              <p:ext uri="{386F3935-93C4-4BCD-93E2-E3B085C9AB24}">
+                <p16:designElem xmlns:p16="http://schemas.microsoft.com/office/powerpoint/2015/main" val="1"/>
+              </p:ext>
+            </p:extLst>
+          </p:nvPr>
+        </p:nvSpPr>
+        <p:spPr>
+          <a:xfrm rot="5400000" flipV="1">
+            <a:off x="555710" y="2183223"/>
+            <a:ext cx="4083433" cy="4083433"/>
+          </a:xfrm>
+          <a:prstGeom prst="arc">
+            <a:avLst/>
+          </a:prstGeom>
+          <a:ln w="127000" cap="rnd">
+            <a:solidFill>
+              <a:schemeClr val="accent4"/>
+            </a:solidFill>
+            <a:prstDash val="dash"/>
+          </a:ln>
+        </p:spPr>
+        <p:style>
+          <a:lnRef idx="1">
+            <a:schemeClr val="accent1"/>
+          </a:lnRef>
+          <a:fillRef idx="0">
+            <a:schemeClr val="accent1"/>
+          </a:fillRef>
+          <a:effectRef idx="0">
+            <a:schemeClr val="accent1"/>
+          </a:effectRef>
+          <a:fontRef idx="minor">
+            <a:schemeClr val="tx1"/>
+          </a:fontRef>
+        </p:style>
+        <p:txBody>
+          <a:bodyPr rtlCol="0" anchor="ctr"/>
+          <a:lstStyle/>
+          <a:p>
+            <a:pPr algn="ctr"/>
+            <a:endParaRPr lang="en-US" dirty="0"/>
+          </a:p>
+        </p:txBody>
+      </p:sp>
+      <p:sp>
+        <p:nvSpPr>
+          <p:cNvPr id="3" name="內容版面配置區 2">
+            <a:extLst>
+              <a:ext uri="{FF2B5EF4-FFF2-40B4-BE49-F238E27FC236}">
+                <a16:creationId xmlns:a16="http://schemas.microsoft.com/office/drawing/2014/main" id="{4CB10A53-DEA6-F141-9E8A-939DAC02BA61}"/>
+              </a:ext>
+            </a:extLst>
+          </p:cNvPr>
+          <p:cNvSpPr>
+            <a:spLocks noGrp="1"/>
+          </p:cNvSpPr>
+          <p:nvPr>
+            <p:ph idx="1"/>
+          </p:nvPr>
+        </p:nvSpPr>
+        <p:spPr>
+          <a:xfrm>
+            <a:off x="838200" y="1825625"/>
+            <a:ext cx="5257800" cy="4351338"/>
+          </a:xfrm>
+        </p:spPr>
+        <p:txBody>
+          <a:bodyPr>
+            <a:normAutofit/>
+          </a:bodyPr>
+          <a:lstStyle/>
+          <a:p>
+            <a:r>
+              <a:rPr kumimoji="1" lang="zh-TW" altLang="en-US" dirty="0"/>
+              <a:t>我們發現偏移量的部分將其</a:t>
+            </a:r>
+            <a:r>
+              <a:rPr kumimoji="1" lang="zh-TW" altLang="en-US" dirty="0">
+                <a:solidFill>
+                  <a:srgbClr val="FF0000"/>
+                </a:solidFill>
+              </a:rPr>
+              <a:t>取絕對值</a:t>
+            </a:r>
+            <a:r>
+              <a:rPr kumimoji="1" lang="zh-TW" altLang="en-US" dirty="0"/>
+              <a:t>會增進模型的準確度。所以將所有</a:t>
+            </a:r>
+            <a:r>
+              <a:rPr kumimoji="1" lang="en-US" altLang="zh-TW" dirty="0" err="1"/>
+              <a:t>Input_C_xxx_x</a:t>
+            </a:r>
+            <a:r>
+              <a:rPr kumimoji="1" lang="zh-TW" altLang="en-US" dirty="0"/>
+              <a:t>、</a:t>
+            </a:r>
+            <a:r>
+              <a:rPr kumimoji="1" lang="en-US" altLang="zh-TW" dirty="0"/>
+              <a:t> </a:t>
+            </a:r>
+            <a:r>
+              <a:rPr kumimoji="1" lang="en-US" altLang="zh-TW" dirty="0" err="1"/>
+              <a:t>Input_C_xxx_y</a:t>
+            </a:r>
+            <a:r>
+              <a:rPr kumimoji="1" lang="zh-TW" altLang="en-US" dirty="0"/>
+              <a:t>都取了絕對值。如右圖所示。</a:t>
+            </a:r>
+            <a:endParaRPr kumimoji="1" lang="en-US" altLang="zh-TW" dirty="0"/>
+          </a:p>
+          <a:p>
+            <a:endParaRPr kumimoji="1" lang="zh-TW" altLang="en-US" dirty="0"/>
+          </a:p>
+        </p:txBody>
+      </p:sp>
+      <p:sp>
+        <p:nvSpPr>
+          <p:cNvPr id="4" name="投影片編號版面配置區 3">
+            <a:extLst>
+              <a:ext uri="{FF2B5EF4-FFF2-40B4-BE49-F238E27FC236}">
+                <a16:creationId xmlns:a16="http://schemas.microsoft.com/office/drawing/2014/main" id="{2336BD89-87E1-D84E-BC18-3619074DAFD0}"/>
+              </a:ext>
+            </a:extLst>
+          </p:cNvPr>
+          <p:cNvSpPr>
+            <a:spLocks noGrp="1"/>
+          </p:cNvSpPr>
+          <p:nvPr>
+            <p:ph type="sldNum" sz="quarter" idx="12"/>
+          </p:nvPr>
+        </p:nvSpPr>
+        <p:spPr>
+          <a:xfrm>
+            <a:off x="8610600" y="6356350"/>
+            <a:ext cx="2743200" cy="365125"/>
+          </a:xfrm>
+        </p:spPr>
+        <p:txBody>
+          <a:bodyPr>
+            <a:normAutofit/>
+          </a:bodyPr>
+          <a:lstStyle/>
+          <a:p>
+            <a:pPr>
+              <a:spcAft>
+                <a:spcPts val="600"/>
+              </a:spcAft>
+            </a:pPr>
+            <a:fld id="{B386CFD2-0AD6-4F60-A1EA-3E4A485A23ED}" type="slidenum">
+              <a:rPr lang="zh-TW" altLang="en-US" smtClean="0"/>
+              <a:pPr>
+                <a:spcAft>
+                  <a:spcPts val="600"/>
+                </a:spcAft>
+              </a:pPr>
+              <a:t>7</a:t>
+            </a:fld>
+            <a:endParaRPr lang="zh-TW" altLang="en-US"/>
+          </a:p>
+        </p:txBody>
+      </p:sp>
+      <p:pic>
+        <p:nvPicPr>
+          <p:cNvPr id="8" name="圖片 7" descr="一張含有 螢幕擷取畫面 的圖片&#10;&#10;自動產生的描述">
+            <a:extLst>
+              <a:ext uri="{FF2B5EF4-FFF2-40B4-BE49-F238E27FC236}">
+                <a16:creationId xmlns:a16="http://schemas.microsoft.com/office/drawing/2014/main" id="{F47899D3-6A44-9944-8FB5-007DF6ED52EB}"/>
+              </a:ext>
+            </a:extLst>
+          </p:cNvPr>
+          <p:cNvPicPr>
+            <a:picLocks noChangeAspect="1"/>
+          </p:cNvPicPr>
+          <p:nvPr/>
+        </p:nvPicPr>
+        <p:blipFill rotWithShape="1">
+          <a:blip r:embed="rId2">
+            <a:extLst>
+              <a:ext uri="{28A0092B-C50C-407E-A947-70E740481C1C}">
+                <a14:useLocalDpi xmlns:a14="http://schemas.microsoft.com/office/drawing/2010/main" val="0"/>
+              </a:ext>
+            </a:extLst>
+          </a:blip>
+          <a:srcRect t="2741" r="-2" b="-2"/>
+          <a:stretch/>
+        </p:blipFill>
+        <p:spPr>
+          <a:xfrm>
+            <a:off x="7599959" y="1725502"/>
+            <a:ext cx="2941737" cy="4101939"/>
+          </a:xfrm>
+          <a:prstGeom prst="rect">
+            <a:avLst/>
+          </a:prstGeom>
+          <a:effectLst/>
+        </p:spPr>
+      </p:pic>
+    </p:spTree>
+    <p:extLst>
+      <p:ext uri="{BB962C8B-B14F-4D97-AF65-F5344CB8AC3E}">
+        <p14:creationId xmlns:p14="http://schemas.microsoft.com/office/powerpoint/2010/main" val="440939601"/>
+      </p:ext>
+    </p:extLst>
+  </p:cSld>
+  <p:clrMapOvr>
+    <a:masterClrMapping/>
+  </p:clrMapOvr>
+</p:sld>
+</file>
+
+<file path=ppt/slides/slide8.xml><?xml version="1.0" encoding="utf-8"?>
+<p:sld xmlns:a="http://schemas.openxmlformats.org/drawingml/2006/main" xmlns:r="http://schemas.openxmlformats.org/officeDocument/2006/relationships" xmlns:p="http://schemas.openxmlformats.org/presentationml/2006/main">
+  <p:cSld>
+    <p:bg>
+      <p:bgPr>
+        <a:solidFill>
+          <a:schemeClr val="bg1"/>
+        </a:solidFill>
+        <a:effectLst/>
+      </p:bgPr>
+    </p:bg>
+    <p:spTree>
+      <p:nvGrpSpPr>
+        <p:cNvPr id="1" name=""/>
+        <p:cNvGrpSpPr/>
+        <p:nvPr/>
+      </p:nvGrpSpPr>
+      <p:grpSpPr>
+        <a:xfrm>
+          <a:off x="0" y="0"/>
+          <a:ext cx="0" cy="0"/>
+          <a:chOff x="0" y="0"/>
+          <a:chExt cx="0" cy="0"/>
+        </a:xfrm>
+      </p:grpSpPr>
+      <p:sp useBgFill="1">
+        <p:nvSpPr>
+          <p:cNvPr id="9" name="Rectangle 8">
+            <a:extLst>
+              <a:ext uri="{FF2B5EF4-FFF2-40B4-BE49-F238E27FC236}">
+                <a16:creationId xmlns:a16="http://schemas.microsoft.com/office/drawing/2014/main" id="{1BB867FF-FC45-48F7-8104-F89BE54909F1}"/>
+              </a:ext>
+              <a:ext uri="{C183D7F6-B498-43B3-948B-1728B52AA6E4}">
+                <adec:decorative xmlns:adec="http://schemas.microsoft.com/office/drawing/2017/decorative" val="1"/>
+              </a:ext>
+            </a:extLst>
+          </p:cNvPr>
+          <p:cNvSpPr>
+            <a:spLocks noGrp="1" noRot="1" noChangeAspect="1" noMove="1" noResize="1" noEditPoints="1" noAdjustHandles="1" noChangeArrowheads="1" noChangeShapeType="1" noTextEdit="1"/>
+          </p:cNvSpPr>
+          <p:nvPr>
+            <p:extLst>
+              <p:ext uri="{386F3935-93C4-4BCD-93E2-E3B085C9AB24}">
+                <p16:designElem xmlns:p16="http://schemas.microsoft.com/office/powerpoint/2015/main" val="1"/>
+              </p:ext>
+            </p:extLst>
+          </p:nvPr>
+        </p:nvSpPr>
+        <p:spPr>
+          <a:xfrm>
+            <a:off x="3048" y="0"/>
+            <a:ext cx="12188952" cy="6858000"/>
+          </a:xfrm>
+          <a:prstGeom prst="rect">
+            <a:avLst/>
+          </a:prstGeom>
+          <a:ln>
+            <a:noFill/>
+          </a:ln>
+        </p:spPr>
+        <p:style>
+          <a:lnRef idx="2">
+            <a:schemeClr val="accent1">
+              <a:shade val="50000"/>
+            </a:schemeClr>
+          </a:lnRef>
+          <a:fillRef idx="1">
+            <a:schemeClr val="accent1"/>
+          </a:fillRef>
+          <a:effectRef idx="0">
+            <a:schemeClr val="accent1"/>
+          </a:effectRef>
+          <a:fontRef idx="minor">
+            <a:schemeClr val="lt1"/>
+          </a:fontRef>
+        </p:style>
+        <p:txBody>
+          <a:bodyPr rtlCol="0" anchor="ctr"/>
+          <a:lstStyle/>
+          <a:p>
+            <a:pPr algn="ctr"/>
+            <a:endParaRPr lang="en-US"/>
+          </a:p>
+        </p:txBody>
+      </p:sp>
+      <p:sp>
+        <p:nvSpPr>
+          <p:cNvPr id="11" name="Freeform: Shape 10">
+            <a:extLst>
+              <a:ext uri="{FF2B5EF4-FFF2-40B4-BE49-F238E27FC236}">
+                <a16:creationId xmlns:a16="http://schemas.microsoft.com/office/drawing/2014/main" id="{8BB56887-D0D5-4F0C-9E19-7247EB83C8B7}"/>
+              </a:ext>
+              <a:ext uri="{C183D7F6-B498-43B3-948B-1728B52AA6E4}">
+                <adec:decorative xmlns:adec="http://schemas.microsoft.com/office/drawing/2017/decorative" val="1"/>
+              </a:ext>
+            </a:extLst>
+          </p:cNvPr>
+          <p:cNvSpPr>
+            <a:spLocks noGrp="1" noRot="1" noChangeAspect="1" noMove="1" noResize="1" noEditPoints="1" noAdjustHandles="1" noChangeArrowheads="1" noChangeShapeType="1" noTextEdit="1"/>
+          </p:cNvSpPr>
+          <p:nvPr>
+            <p:extLst>
+              <p:ext uri="{386F3935-93C4-4BCD-93E2-E3B085C9AB24}">
+                <p16:designElem xmlns:p16="http://schemas.microsoft.com/office/powerpoint/2015/main" val="1"/>
+              </p:ext>
+            </p:extLst>
+          </p:nvPr>
+        </p:nvSpPr>
+        <p:spPr>
+          <a:xfrm>
+            <a:off x="10208695" y="1"/>
+            <a:ext cx="1135066" cy="477997"/>
+          </a:xfrm>
+          <a:custGeom>
+            <a:avLst/>
+            <a:gdLst>
+              <a:gd name="connsiteX0" fmla="*/ 0 w 1135066"/>
+              <a:gd name="connsiteY0" fmla="*/ 0 h 477997"/>
+              <a:gd name="connsiteX1" fmla="*/ 1135066 w 1135066"/>
+              <a:gd name="connsiteY1" fmla="*/ 0 h 477997"/>
+              <a:gd name="connsiteX2" fmla="*/ 1133370 w 1135066"/>
+              <a:gd name="connsiteY2" fmla="*/ 16827 h 477997"/>
+              <a:gd name="connsiteX3" fmla="*/ 567533 w 1135066"/>
+              <a:gd name="connsiteY3" fmla="*/ 477997 h 477997"/>
+              <a:gd name="connsiteX4" fmla="*/ 1696 w 1135066"/>
+              <a:gd name="connsiteY4" fmla="*/ 16827 h 477997"/>
+            </a:gdLst>
+            <a:ahLst/>
+            <a:cxnLst>
+              <a:cxn ang="0">
+                <a:pos x="connsiteX0" y="connsiteY0"/>
+              </a:cxn>
+              <a:cxn ang="0">
+                <a:pos x="connsiteX1" y="connsiteY1"/>
+              </a:cxn>
+              <a:cxn ang="0">
+                <a:pos x="connsiteX2" y="connsiteY2"/>
+              </a:cxn>
+              <a:cxn ang="0">
+                <a:pos x="connsiteX3" y="connsiteY3"/>
+              </a:cxn>
+              <a:cxn ang="0">
+                <a:pos x="connsiteX4" y="connsiteY4"/>
+              </a:cxn>
+            </a:cxnLst>
+            <a:rect l="l" t="t" r="r" b="b"/>
+            <a:pathLst>
+              <a:path w="1135066" h="477997">
+                <a:moveTo>
+                  <a:pt x="0" y="0"/>
+                </a:moveTo>
+                <a:lnTo>
+                  <a:pt x="1135066" y="0"/>
+                </a:lnTo>
+                <a:lnTo>
+                  <a:pt x="1133370" y="16827"/>
+                </a:lnTo>
+                <a:cubicBezTo>
+                  <a:pt x="1079514" y="280016"/>
+                  <a:pt x="846644" y="477997"/>
+                  <a:pt x="567533" y="477997"/>
+                </a:cubicBezTo>
+                <a:cubicBezTo>
+                  <a:pt x="288422" y="477997"/>
+                  <a:pt x="55552" y="280016"/>
+                  <a:pt x="1696" y="16827"/>
+                </a:cubicBezTo>
+                <a:close/>
+              </a:path>
+            </a:pathLst>
+          </a:custGeom>
+          <a:solidFill>
+            <a:schemeClr val="accent4"/>
+          </a:solidFill>
+          <a:ln>
+            <a:noFill/>
+          </a:ln>
+        </p:spPr>
+        <p:style>
+          <a:lnRef idx="2">
+            <a:schemeClr val="accent1">
+              <a:shade val="50000"/>
+            </a:schemeClr>
+          </a:lnRef>
+          <a:fillRef idx="1">
+            <a:schemeClr val="accent1"/>
+          </a:fillRef>
+          <a:effectRef idx="0">
+            <a:schemeClr val="accent1"/>
+          </a:effectRef>
+          <a:fontRef idx="minor">
+            <a:schemeClr val="lt1"/>
+          </a:fontRef>
+        </p:style>
+        <p:txBody>
+          <a:bodyPr wrap="square" rtlCol="0" anchor="ctr">
+            <a:noAutofit/>
+          </a:bodyPr>
+          <a:lstStyle/>
+          <a:p>
+            <a:pPr algn="ctr"/>
+            <a:endParaRPr lang="en-US"/>
+          </a:p>
+        </p:txBody>
+      </p:sp>
+      <p:sp>
+        <p:nvSpPr>
+          <p:cNvPr id="2" name="標題 1">
+            <a:extLst>
+              <a:ext uri="{FF2B5EF4-FFF2-40B4-BE49-F238E27FC236}">
+                <a16:creationId xmlns:a16="http://schemas.microsoft.com/office/drawing/2014/main" id="{CAC81E0E-F3D3-A949-A25F-071FCA558E51}"/>
+              </a:ext>
+            </a:extLst>
+          </p:cNvPr>
+          <p:cNvSpPr>
+            <a:spLocks noGrp="1"/>
+          </p:cNvSpPr>
+          <p:nvPr>
+            <p:ph type="title"/>
+          </p:nvPr>
+        </p:nvSpPr>
+        <p:spPr>
+          <a:xfrm>
+            <a:off x="838200" y="365125"/>
+            <a:ext cx="10515600" cy="1325563"/>
+          </a:xfrm>
+        </p:spPr>
+        <p:txBody>
+          <a:bodyPr>
+            <a:normAutofit/>
+          </a:bodyPr>
+          <a:lstStyle/>
+          <a:p>
+            <a:r>
+              <a:rPr kumimoji="1" lang="zh-TW" altLang="en-US" dirty="0"/>
+              <a:t>填補大量缺失的值</a:t>
+            </a:r>
+          </a:p>
+        </p:txBody>
+      </p:sp>
+      <p:sp>
+        <p:nvSpPr>
+          <p:cNvPr id="13" name="Arc 12">
+            <a:extLst>
+              <a:ext uri="{FF2B5EF4-FFF2-40B4-BE49-F238E27FC236}">
+                <a16:creationId xmlns:a16="http://schemas.microsoft.com/office/drawing/2014/main" id="{081E4A58-353D-44AE-B2FC-2A74E2E400F7}"/>
+              </a:ext>
+              <a:ext uri="{C183D7F6-B498-43B3-948B-1728B52AA6E4}">
+                <adec:decorative xmlns:adec="http://schemas.microsoft.com/office/drawing/2017/decorative" val="1"/>
+              </a:ext>
+            </a:extLst>
+          </p:cNvPr>
+          <p:cNvSpPr>
+            <a:spLocks noGrp="1" noRot="1" noChangeAspect="1" noMove="1" noResize="1" noEditPoints="1" noAdjustHandles="1" noChangeArrowheads="1" noChangeShapeType="1" noTextEdit="1"/>
+          </p:cNvSpPr>
+          <p:nvPr>
+            <p:extLst>
+              <p:ext uri="{386F3935-93C4-4BCD-93E2-E3B085C9AB24}">
+                <p16:designElem xmlns:p16="http://schemas.microsoft.com/office/powerpoint/2015/main" val="1"/>
+              </p:ext>
+            </p:extLst>
+          </p:nvPr>
+        </p:nvSpPr>
+        <p:spPr>
+          <a:xfrm rot="5400000" flipV="1">
+            <a:off x="555710" y="2183223"/>
+            <a:ext cx="4083433" cy="4083433"/>
+          </a:xfrm>
+          <a:prstGeom prst="arc">
+            <a:avLst/>
+          </a:prstGeom>
+          <a:ln w="127000" cap="rnd">
+            <a:solidFill>
+              <a:schemeClr val="accent4"/>
+            </a:solidFill>
+            <a:prstDash val="dash"/>
+          </a:ln>
+        </p:spPr>
+        <p:style>
+          <a:lnRef idx="1">
+            <a:schemeClr val="accent1"/>
+          </a:lnRef>
+          <a:fillRef idx="0">
+            <a:schemeClr val="accent1"/>
+          </a:fillRef>
+          <a:effectRef idx="0">
+            <a:schemeClr val="accent1"/>
+          </a:effectRef>
+          <a:fontRef idx="minor">
+            <a:schemeClr val="tx1"/>
+          </a:fontRef>
+        </p:style>
+        <p:txBody>
+          <a:bodyPr rtlCol="0" anchor="ctr"/>
+          <a:lstStyle/>
+          <a:p>
+            <a:pPr algn="ctr"/>
+            <a:endParaRPr lang="en-US" dirty="0"/>
+          </a:p>
+        </p:txBody>
+      </p:sp>
+      <p:sp>
+        <p:nvSpPr>
+          <p:cNvPr id="3" name="內容版面配置區 2">
+            <a:extLst>
+              <a:ext uri="{FF2B5EF4-FFF2-40B4-BE49-F238E27FC236}">
+                <a16:creationId xmlns:a16="http://schemas.microsoft.com/office/drawing/2014/main" id="{1672840B-D5CE-0041-801E-E667937623E5}"/>
+              </a:ext>
+            </a:extLst>
+          </p:cNvPr>
+          <p:cNvSpPr>
+            <a:spLocks noGrp="1"/>
+          </p:cNvSpPr>
+          <p:nvPr>
+            <p:ph idx="1"/>
+          </p:nvPr>
+        </p:nvSpPr>
+        <p:spPr>
+          <a:xfrm>
+            <a:off x="838200" y="1825625"/>
+            <a:ext cx="5257800" cy="4351338"/>
+          </a:xfrm>
+        </p:spPr>
+        <p:txBody>
+          <a:bodyPr>
+            <a:normAutofit/>
+          </a:bodyPr>
+          <a:lstStyle/>
+          <a:p>
+            <a:r>
+              <a:rPr kumimoji="1" lang="zh-TW" altLang="en-US" dirty="0"/>
+              <a:t>在前面有說到，</a:t>
+            </a:r>
+            <a:r>
+              <a:rPr kumimoji="1" lang="en-US" altLang="zh-TW" dirty="0"/>
+              <a:t> Input_C_083~091</a:t>
+            </a:r>
+            <a:r>
+              <a:rPr kumimoji="1" lang="zh-TW" altLang="en-US" dirty="0"/>
+              <a:t>有大量缺失的變數，我們利用了</a:t>
+            </a:r>
+            <a:r>
+              <a:rPr kumimoji="1" lang="en-US" altLang="zh-TW" dirty="0">
+                <a:solidFill>
+                  <a:srgbClr val="FF0000"/>
+                </a:solidFill>
+              </a:rPr>
+              <a:t>k-nearest neighbor</a:t>
+            </a:r>
+            <a:r>
+              <a:rPr kumimoji="1" lang="zh-TW" altLang="en-US" dirty="0"/>
+              <a:t>算法將其缺失的值填滿。</a:t>
+            </a:r>
+          </a:p>
+        </p:txBody>
+      </p:sp>
+      <p:sp>
+        <p:nvSpPr>
+          <p:cNvPr id="4" name="投影片編號版面配置區 3">
+            <a:extLst>
+              <a:ext uri="{FF2B5EF4-FFF2-40B4-BE49-F238E27FC236}">
+                <a16:creationId xmlns:a16="http://schemas.microsoft.com/office/drawing/2014/main" id="{D6712B75-A74D-E84E-BEBD-F81F3E1C0AE6}"/>
+              </a:ext>
+            </a:extLst>
+          </p:cNvPr>
+          <p:cNvSpPr>
+            <a:spLocks noGrp="1"/>
+          </p:cNvSpPr>
+          <p:nvPr>
+            <p:ph type="sldNum" sz="quarter" idx="12"/>
+          </p:nvPr>
+        </p:nvSpPr>
+        <p:spPr>
+          <a:xfrm>
+            <a:off x="8610600" y="6356350"/>
+            <a:ext cx="2743200" cy="365125"/>
+          </a:xfrm>
+        </p:spPr>
+        <p:txBody>
+          <a:bodyPr>
+            <a:normAutofit/>
+          </a:bodyPr>
+          <a:lstStyle/>
+          <a:p>
+            <a:pPr>
+              <a:spcAft>
+                <a:spcPts val="600"/>
+              </a:spcAft>
+            </a:pPr>
+            <a:fld id="{B386CFD2-0AD6-4F60-A1EA-3E4A485A23ED}" type="slidenum">
+              <a:rPr lang="zh-TW" altLang="en-US" smtClean="0"/>
+              <a:pPr>
+                <a:spcAft>
+                  <a:spcPts val="600"/>
+                </a:spcAft>
+              </a:pPr>
+              <a:t>8</a:t>
+            </a:fld>
+            <a:endParaRPr lang="zh-TW" altLang="en-US"/>
+          </a:p>
+        </p:txBody>
+      </p:sp>
+      <p:pic>
+        <p:nvPicPr>
+          <p:cNvPr id="5" name="圖片 4">
+            <a:extLst>
+              <a:ext uri="{FF2B5EF4-FFF2-40B4-BE49-F238E27FC236}">
+                <a16:creationId xmlns:a16="http://schemas.microsoft.com/office/drawing/2014/main" id="{B5E03088-E1B9-8E41-A40A-A186C0A3AE78}"/>
+              </a:ext>
+            </a:extLst>
+          </p:cNvPr>
+          <p:cNvPicPr>
+            <a:picLocks noChangeAspect="1"/>
+          </p:cNvPicPr>
+          <p:nvPr/>
+        </p:nvPicPr>
+        <p:blipFill>
+          <a:blip r:embed="rId2"/>
+          <a:stretch>
+            <a:fillRect/>
+          </a:stretch>
+        </p:blipFill>
+        <p:spPr>
+          <a:xfrm>
+            <a:off x="6096000" y="3744362"/>
+            <a:ext cx="5931138" cy="2302771"/>
+          </a:xfrm>
+          <a:prstGeom prst="rect">
+            <a:avLst/>
+          </a:prstGeom>
+        </p:spPr>
+      </p:pic>
+      <p:pic>
+        <p:nvPicPr>
+          <p:cNvPr id="10" name="圖片 9">
+            <a:extLst>
+              <a:ext uri="{FF2B5EF4-FFF2-40B4-BE49-F238E27FC236}">
+                <a16:creationId xmlns:a16="http://schemas.microsoft.com/office/drawing/2014/main" id="{E49D2D3F-2967-4D44-9E88-95016F855058}"/>
+              </a:ext>
+            </a:extLst>
+          </p:cNvPr>
+          <p:cNvPicPr>
+            <a:picLocks noChangeAspect="1"/>
+          </p:cNvPicPr>
+          <p:nvPr/>
+        </p:nvPicPr>
+        <p:blipFill>
+          <a:blip r:embed="rId3"/>
+          <a:stretch>
+            <a:fillRect/>
+          </a:stretch>
+        </p:blipFill>
+        <p:spPr>
+          <a:xfrm>
+            <a:off x="6096000" y="1268776"/>
+            <a:ext cx="5810462" cy="2255918"/>
+          </a:xfrm>
+          <a:prstGeom prst="rect">
+            <a:avLst/>
+          </a:prstGeom>
+        </p:spPr>
+      </p:pic>
+      <p:sp>
+        <p:nvSpPr>
+          <p:cNvPr id="8" name="向下箭號 7">
+            <a:extLst>
+              <a:ext uri="{FF2B5EF4-FFF2-40B4-BE49-F238E27FC236}">
+                <a16:creationId xmlns:a16="http://schemas.microsoft.com/office/drawing/2014/main" id="{8FABF90D-6F60-F648-8193-86F79D55F32D}"/>
+              </a:ext>
+            </a:extLst>
+          </p:cNvPr>
+          <p:cNvSpPr/>
+          <p:nvPr/>
+        </p:nvSpPr>
+        <p:spPr>
+          <a:xfrm>
+            <a:off x="8758793" y="3177903"/>
+            <a:ext cx="484875" cy="1143411"/>
+          </a:xfrm>
+          <a:prstGeom prst="downArrow">
+            <a:avLst/>
+          </a:prstGeom>
+          <a:solidFill>
+            <a:schemeClr val="accent2"/>
+          </a:solidFill>
+          <a:ln>
+            <a:noFill/>
+          </a:ln>
+        </p:spPr>
+        <p:style>
+          <a:lnRef idx="2">
+            <a:schemeClr val="accent1">
+              <a:shade val="50000"/>
+            </a:schemeClr>
+          </a:lnRef>
+          <a:fillRef idx="1">
+            <a:schemeClr val="accent1"/>
+          </a:fillRef>
+          <a:effectRef idx="0">
+            <a:schemeClr val="accent1"/>
+          </a:effectRef>
+          <a:fontRef idx="minor">
+            <a:schemeClr val="lt1"/>
+          </a:fontRef>
+        </p:style>
+        <p:txBody>
+          <a:bodyPr rtlCol="0" anchor="ctr"/>
+          <a:lstStyle/>
+          <a:p>
+            <a:pPr algn="ctr"/>
+            <a:endParaRPr kumimoji="1" lang="zh-TW" altLang="en-US"/>
+          </a:p>
+        </p:txBody>
+      </p:sp>
+    </p:spTree>
+    <p:extLst>
+      <p:ext uri="{BB962C8B-B14F-4D97-AF65-F5344CB8AC3E}">
+        <p14:creationId xmlns:p14="http://schemas.microsoft.com/office/powerpoint/2010/main" val="3283398154"/>
+      </p:ext>
+    </p:extLst>
+  </p:cSld>
+  <p:clrMapOvr>
+    <a:masterClrMapping/>
+  </p:clrMapOvr>
+</p:sld>
+</file>
+
+<file path=ppt/slides/slide9.xml><?xml version="1.0" encoding="utf-8"?>
+<p:sld xmlns:a="http://schemas.openxmlformats.org/drawingml/2006/main" xmlns:r="http://schemas.openxmlformats.org/officeDocument/2006/relationships" xmlns:p="http://schemas.openxmlformats.org/presentationml/2006/main">
+  <p:cSld>
+    <p:bg>
+      <p:bgPr>
+        <a:solidFill>
+          <a:schemeClr val="bg1"/>
+        </a:solidFill>
+        <a:effectLst/>
+      </p:bgPr>
+    </p:bg>
+    <p:spTree>
+      <p:nvGrpSpPr>
+        <p:cNvPr id="1" name=""/>
+        <p:cNvGrpSpPr/>
+        <p:nvPr/>
+      </p:nvGrpSpPr>
+      <p:grpSpPr>
+        <a:xfrm>
+          <a:off x="0" y="0"/>
+          <a:ext cx="0" cy="0"/>
+          <a:chOff x="0" y="0"/>
+          <a:chExt cx="0" cy="0"/>
+        </a:xfrm>
+      </p:grpSpPr>
+      <p:sp useBgFill="1">
+        <p:nvSpPr>
+          <p:cNvPr id="9" name="Rectangle 8">
+            <a:extLst>
+              <a:ext uri="{FF2B5EF4-FFF2-40B4-BE49-F238E27FC236}">
+                <a16:creationId xmlns:a16="http://schemas.microsoft.com/office/drawing/2014/main" id="{1BB867FF-FC45-48F7-8104-F89BE54909F1}"/>
+              </a:ext>
+              <a:ext uri="{C183D7F6-B498-43B3-948B-1728B52AA6E4}">
+                <adec:decorative xmlns:adec="http://schemas.microsoft.com/office/drawing/2017/decorative" val="1"/>
+              </a:ext>
+            </a:extLst>
+          </p:cNvPr>
+          <p:cNvSpPr>
+            <a:spLocks noGrp="1" noRot="1" noChangeAspect="1" noMove="1" noResize="1" noEditPoints="1" noAdjustHandles="1" noChangeArrowheads="1" noChangeShapeType="1" noTextEdit="1"/>
+          </p:cNvSpPr>
+          <p:nvPr>
+            <p:extLst>
+              <p:ext uri="{386F3935-93C4-4BCD-93E2-E3B085C9AB24}">
+                <p16:designElem xmlns:p16="http://schemas.microsoft.com/office/powerpoint/2015/main" val="1"/>
+              </p:ext>
+            </p:extLst>
+          </p:nvPr>
+        </p:nvSpPr>
+        <p:spPr>
+          <a:xfrm>
+            <a:off x="3048" y="0"/>
+            <a:ext cx="12188952" cy="6858000"/>
+          </a:xfrm>
+          <a:prstGeom prst="rect">
+            <a:avLst/>
+          </a:prstGeom>
+          <a:ln>
+            <a:noFill/>
+          </a:ln>
+        </p:spPr>
+        <p:style>
+          <a:lnRef idx="2">
+            <a:schemeClr val="accent1">
+              <a:shade val="50000"/>
+            </a:schemeClr>
+          </a:lnRef>
+          <a:fillRef idx="1">
+            <a:schemeClr val="accent1"/>
+          </a:fillRef>
+          <a:effectRef idx="0">
+            <a:schemeClr val="accent1"/>
+          </a:effectRef>
+          <a:fontRef idx="minor">
+            <a:schemeClr val="lt1"/>
+          </a:fontRef>
+        </p:style>
+        <p:txBody>
+          <a:bodyPr rtlCol="0" anchor="ctr"/>
+          <a:lstStyle/>
+          <a:p>
+            <a:pPr algn="ctr"/>
+            <a:endParaRPr lang="en-US"/>
+          </a:p>
+        </p:txBody>
+      </p:sp>
+      <p:sp>
+        <p:nvSpPr>
+          <p:cNvPr id="11" name="Freeform: Shape 10">
+            <a:extLst>
+              <a:ext uri="{FF2B5EF4-FFF2-40B4-BE49-F238E27FC236}">
+                <a16:creationId xmlns:a16="http://schemas.microsoft.com/office/drawing/2014/main" id="{8BB56887-D0D5-4F0C-9E19-7247EB83C8B7}"/>
+              </a:ext>
+              <a:ext uri="{C183D7F6-B498-43B3-948B-1728B52AA6E4}">
+                <adec:decorative xmlns:adec="http://schemas.microsoft.com/office/drawing/2017/decorative" val="1"/>
+              </a:ext>
+            </a:extLst>
+          </p:cNvPr>
+          <p:cNvSpPr>
+            <a:spLocks noGrp="1" noRot="1" noChangeAspect="1" noMove="1" noResize="1" noEditPoints="1" noAdjustHandles="1" noChangeArrowheads="1" noChangeShapeType="1" noTextEdit="1"/>
+          </p:cNvSpPr>
+          <p:nvPr>
+            <p:extLst>
+              <p:ext uri="{386F3935-93C4-4BCD-93E2-E3B085C9AB24}">
+                <p16:designElem xmlns:p16="http://schemas.microsoft.com/office/powerpoint/2015/main" val="1"/>
+              </p:ext>
+            </p:extLst>
+          </p:nvPr>
+        </p:nvSpPr>
+        <p:spPr>
+          <a:xfrm>
+            <a:off x="10208695" y="1"/>
+            <a:ext cx="1135066" cy="477997"/>
+          </a:xfrm>
+          <a:custGeom>
+            <a:avLst/>
+            <a:gdLst>
+              <a:gd name="connsiteX0" fmla="*/ 0 w 1135066"/>
+              <a:gd name="connsiteY0" fmla="*/ 0 h 477997"/>
+              <a:gd name="connsiteX1" fmla="*/ 1135066 w 1135066"/>
+              <a:gd name="connsiteY1" fmla="*/ 0 h 477997"/>
+              <a:gd name="connsiteX2" fmla="*/ 1133370 w 1135066"/>
+              <a:gd name="connsiteY2" fmla="*/ 16827 h 477997"/>
+              <a:gd name="connsiteX3" fmla="*/ 567533 w 1135066"/>
+              <a:gd name="connsiteY3" fmla="*/ 477997 h 477997"/>
+              <a:gd name="connsiteX4" fmla="*/ 1696 w 1135066"/>
+              <a:gd name="connsiteY4" fmla="*/ 16827 h 477997"/>
+            </a:gdLst>
+            <a:ahLst/>
+            <a:cxnLst>
+              <a:cxn ang="0">
+                <a:pos x="connsiteX0" y="connsiteY0"/>
+              </a:cxn>
+              <a:cxn ang="0">
+                <a:pos x="connsiteX1" y="connsiteY1"/>
+              </a:cxn>
+              <a:cxn ang="0">
+                <a:pos x="connsiteX2" y="connsiteY2"/>
+              </a:cxn>
+              <a:cxn ang="0">
+                <a:pos x="connsiteX3" y="connsiteY3"/>
+              </a:cxn>
+              <a:cxn ang="0">
+                <a:pos x="connsiteX4" y="connsiteY4"/>
+              </a:cxn>
+            </a:cxnLst>
+            <a:rect l="l" t="t" r="r" b="b"/>
+            <a:pathLst>
+              <a:path w="1135066" h="477997">
+                <a:moveTo>
+                  <a:pt x="0" y="0"/>
+                </a:moveTo>
+                <a:lnTo>
+                  <a:pt x="1135066" y="0"/>
+                </a:lnTo>
+                <a:lnTo>
+                  <a:pt x="1133370" y="16827"/>
+                </a:lnTo>
+                <a:cubicBezTo>
+                  <a:pt x="1079514" y="280016"/>
+                  <a:pt x="846644" y="477997"/>
+                  <a:pt x="567533" y="477997"/>
+                </a:cubicBezTo>
+                <a:cubicBezTo>
+                  <a:pt x="288422" y="477997"/>
+                  <a:pt x="55552" y="280016"/>
+                  <a:pt x="1696" y="16827"/>
+                </a:cubicBezTo>
+                <a:close/>
+              </a:path>
+            </a:pathLst>
+          </a:custGeom>
+          <a:solidFill>
+            <a:schemeClr val="accent4"/>
+          </a:solidFill>
+          <a:ln>
+            <a:noFill/>
+          </a:ln>
+        </p:spPr>
+        <p:style>
+          <a:lnRef idx="2">
+            <a:schemeClr val="accent1">
+              <a:shade val="50000"/>
+            </a:schemeClr>
+          </a:lnRef>
+          <a:fillRef idx="1">
+            <a:schemeClr val="accent1"/>
+          </a:fillRef>
+          <a:effectRef idx="0">
+            <a:schemeClr val="accent1"/>
+          </a:effectRef>
+          <a:fontRef idx="minor">
+            <a:schemeClr val="lt1"/>
+          </a:fontRef>
+        </p:style>
+        <p:txBody>
+          <a:bodyPr wrap="square" rtlCol="0" anchor="ctr">
+            <a:noAutofit/>
+          </a:bodyPr>
+          <a:lstStyle/>
+          <a:p>
+            <a:pPr algn="ctr"/>
+            <a:endParaRPr lang="en-US"/>
+          </a:p>
+        </p:txBody>
+      </p:sp>
+      <p:sp>
+        <p:nvSpPr>
+          <p:cNvPr id="2" name="標題 1">
+            <a:extLst>
+              <a:ext uri="{FF2B5EF4-FFF2-40B4-BE49-F238E27FC236}">
+                <a16:creationId xmlns:a16="http://schemas.microsoft.com/office/drawing/2014/main" id="{AC8457CD-0197-6847-96F9-45CE9B708028}"/>
+              </a:ext>
+            </a:extLst>
+          </p:cNvPr>
+          <p:cNvSpPr>
+            <a:spLocks noGrp="1"/>
+          </p:cNvSpPr>
+          <p:nvPr>
+            <p:ph type="title"/>
+          </p:nvPr>
+        </p:nvSpPr>
+        <p:spPr>
+          <a:xfrm>
+            <a:off x="838200" y="365125"/>
+            <a:ext cx="10515600" cy="1325563"/>
+          </a:xfrm>
+        </p:spPr>
+        <p:txBody>
+          <a:bodyPr>
+            <a:normAutofit/>
+          </a:bodyPr>
+          <a:lstStyle/>
+          <a:p>
+            <a:r>
+              <a:rPr kumimoji="1" lang="zh-TW" altLang="en-US" dirty="0"/>
+              <a:t>變異過小變數做量化</a:t>
+            </a:r>
+            <a:r>
+              <a:rPr kumimoji="1" lang="en-US" altLang="zh-TW" dirty="0"/>
+              <a:t>(Quantization)</a:t>
+            </a:r>
+            <a:endParaRPr kumimoji="1" lang="zh-TW" altLang="en-US" dirty="0"/>
+          </a:p>
+        </p:txBody>
+      </p:sp>
+      <p:sp>
+        <p:nvSpPr>
+          <p:cNvPr id="13" name="Arc 12">
+            <a:extLst>
+              <a:ext uri="{FF2B5EF4-FFF2-40B4-BE49-F238E27FC236}">
+                <a16:creationId xmlns:a16="http://schemas.microsoft.com/office/drawing/2014/main" id="{081E4A58-353D-44AE-B2FC-2A74E2E400F7}"/>
+              </a:ext>
+              <a:ext uri="{C183D7F6-B498-43B3-948B-1728B52AA6E4}">
+                <adec:decorative xmlns:adec="http://schemas.microsoft.com/office/drawing/2017/decorative" val="1"/>
+              </a:ext>
+            </a:extLst>
+          </p:cNvPr>
+          <p:cNvSpPr>
+            <a:spLocks noGrp="1" noRot="1" noChangeAspect="1" noMove="1" noResize="1" noEditPoints="1" noAdjustHandles="1" noChangeArrowheads="1" noChangeShapeType="1" noTextEdit="1"/>
+          </p:cNvSpPr>
+          <p:nvPr>
+            <p:extLst>
+              <p:ext uri="{386F3935-93C4-4BCD-93E2-E3B085C9AB24}">
+                <p16:designElem xmlns:p16="http://schemas.microsoft.com/office/powerpoint/2015/main" val="1"/>
+              </p:ext>
+            </p:extLst>
+          </p:nvPr>
+        </p:nvSpPr>
+        <p:spPr>
+          <a:xfrm rot="5400000" flipV="1">
+            <a:off x="555710" y="2183223"/>
+            <a:ext cx="4083433" cy="4083433"/>
+          </a:xfrm>
+          <a:prstGeom prst="arc">
+            <a:avLst/>
+          </a:prstGeom>
+          <a:ln w="127000" cap="rnd">
+            <a:solidFill>
+              <a:schemeClr val="accent4"/>
+            </a:solidFill>
+            <a:prstDash val="dash"/>
+          </a:ln>
+        </p:spPr>
+        <p:style>
+          <a:lnRef idx="1">
+            <a:schemeClr val="accent1"/>
+          </a:lnRef>
+          <a:fillRef idx="0">
+            <a:schemeClr val="accent1"/>
+          </a:fillRef>
+          <a:effectRef idx="0">
+            <a:schemeClr val="accent1"/>
+          </a:effectRef>
+          <a:fontRef idx="minor">
+            <a:schemeClr val="tx1"/>
+          </a:fontRef>
+        </p:style>
+        <p:txBody>
+          <a:bodyPr rtlCol="0" anchor="ctr"/>
+          <a:lstStyle/>
+          <a:p>
+            <a:pPr algn="ctr"/>
+            <a:endParaRPr lang="en-US" dirty="0"/>
+          </a:p>
+        </p:txBody>
+      </p:sp>
+      <p:sp>
+        <p:nvSpPr>
+          <p:cNvPr id="3" name="內容版面配置區 2">
+            <a:extLst>
+              <a:ext uri="{FF2B5EF4-FFF2-40B4-BE49-F238E27FC236}">
+                <a16:creationId xmlns:a16="http://schemas.microsoft.com/office/drawing/2014/main" id="{EDC01EBE-8AC6-CF48-B567-5CE5FE06C855}"/>
+              </a:ext>
+            </a:extLst>
+          </p:cNvPr>
+          <p:cNvSpPr>
+            <a:spLocks noGrp="1"/>
+          </p:cNvSpPr>
+          <p:nvPr>
+            <p:ph idx="1"/>
+          </p:nvPr>
+        </p:nvSpPr>
+        <p:spPr>
+          <a:xfrm>
+            <a:off x="838200" y="1825625"/>
+            <a:ext cx="5257800" cy="4351338"/>
+          </a:xfrm>
+        </p:spPr>
+        <p:txBody>
+          <a:bodyPr>
+            <a:normAutofit/>
+          </a:bodyPr>
+          <a:lstStyle/>
+          <a:p>
+            <a:r>
+              <a:rPr kumimoji="1" lang="zh-TW" altLang="en-US" dirty="0"/>
+              <a:t>針對</a:t>
+            </a:r>
+            <a:r>
+              <a:rPr kumimoji="1" lang="zh-TW" altLang="en-US" dirty="0">
+                <a:solidFill>
+                  <a:srgbClr val="FF0000"/>
+                </a:solidFill>
+              </a:rPr>
+              <a:t>變異過小</a:t>
+            </a:r>
+            <a:r>
+              <a:rPr kumimoji="1" lang="zh-TW" altLang="en-US" dirty="0"/>
+              <a:t>的變數，</a:t>
+            </a:r>
+            <a:r>
+              <a:rPr kumimoji="1" lang="en-US" altLang="zh-TW" dirty="0"/>
+              <a:t>ex: Input_A4_008</a:t>
+            </a:r>
+            <a:r>
+              <a:rPr kumimoji="1" lang="zh-TW" altLang="en-US" dirty="0"/>
+              <a:t>只有</a:t>
+            </a:r>
+            <a:r>
+              <a:rPr kumimoji="1" lang="en-US" altLang="zh-TW" dirty="0"/>
+              <a:t>[0.002, 0.004]</a:t>
+            </a:r>
+            <a:r>
+              <a:rPr kumimoji="1" lang="zh-TW" altLang="en-US" dirty="0"/>
+              <a:t>兩種可能。我們會對其</a:t>
+            </a:r>
+            <a:r>
+              <a:rPr kumimoji="1" lang="zh-TW" altLang="en-US" dirty="0">
+                <a:solidFill>
+                  <a:srgbClr val="FF0000"/>
+                </a:solidFill>
+              </a:rPr>
+              <a:t>增加</a:t>
+            </a:r>
+            <a:r>
+              <a:rPr kumimoji="1" lang="en-US" altLang="zh-TW" dirty="0">
+                <a:solidFill>
+                  <a:srgbClr val="FF0000"/>
+                </a:solidFill>
+              </a:rPr>
+              <a:t>one hot encoding</a:t>
+            </a:r>
+            <a:r>
+              <a:rPr kumimoji="1" lang="zh-TW" altLang="en-US" dirty="0"/>
+              <a:t>的變數。</a:t>
+            </a:r>
+          </a:p>
+        </p:txBody>
+      </p:sp>
+      <p:sp>
+        <p:nvSpPr>
+          <p:cNvPr id="4" name="投影片編號版面配置區 3">
+            <a:extLst>
+              <a:ext uri="{FF2B5EF4-FFF2-40B4-BE49-F238E27FC236}">
+                <a16:creationId xmlns:a16="http://schemas.microsoft.com/office/drawing/2014/main" id="{4B6A4168-6C05-B24A-B03C-7FA01A14BCCD}"/>
+              </a:ext>
+            </a:extLst>
+          </p:cNvPr>
+          <p:cNvSpPr>
+            <a:spLocks noGrp="1"/>
+          </p:cNvSpPr>
+          <p:nvPr>
+            <p:ph type="sldNum" sz="quarter" idx="12"/>
+          </p:nvPr>
+        </p:nvSpPr>
+        <p:spPr>
+          <a:xfrm>
+            <a:off x="8610600" y="6356350"/>
+            <a:ext cx="2743200" cy="365125"/>
+          </a:xfrm>
+        </p:spPr>
+        <p:txBody>
+          <a:bodyPr>
+            <a:normAutofit/>
+          </a:bodyPr>
+          <a:lstStyle/>
+          <a:p>
+            <a:pPr>
+              <a:spcAft>
+                <a:spcPts val="600"/>
+              </a:spcAft>
+            </a:pPr>
+            <a:fld id="{B386CFD2-0AD6-4F60-A1EA-3E4A485A23ED}" type="slidenum">
+              <a:rPr lang="zh-TW" altLang="en-US" smtClean="0"/>
+              <a:pPr>
+                <a:spcAft>
+                  <a:spcPts val="600"/>
+                </a:spcAft>
+              </a:pPr>
+              <a:t>9</a:t>
+            </a:fld>
+            <a:endParaRPr lang="zh-TW" altLang="en-US"/>
+          </a:p>
+        </p:txBody>
+      </p:sp>
+      <p:pic>
+        <p:nvPicPr>
+          <p:cNvPr id="6" name="圖片 5">
+            <a:extLst>
+              <a:ext uri="{FF2B5EF4-FFF2-40B4-BE49-F238E27FC236}">
+                <a16:creationId xmlns:a16="http://schemas.microsoft.com/office/drawing/2014/main" id="{B8885957-0F55-1743-A482-FBE6260DDEF7}"/>
+              </a:ext>
+            </a:extLst>
+          </p:cNvPr>
+          <p:cNvPicPr>
+            <a:picLocks noChangeAspect="1"/>
+          </p:cNvPicPr>
+          <p:nvPr/>
+        </p:nvPicPr>
+        <p:blipFill>
+          <a:blip r:embed="rId2">
+            <a:extLst>
+              <a:ext uri="{28A0092B-C50C-407E-A947-70E740481C1C}">
+                <a14:useLocalDpi xmlns:a14="http://schemas.microsoft.com/office/drawing/2010/main" val="0"/>
+              </a:ext>
+            </a:extLst>
+          </a:blip>
+          <a:stretch>
+            <a:fillRect/>
+          </a:stretch>
+        </p:blipFill>
+        <p:spPr>
+          <a:xfrm>
+            <a:off x="6258496" y="1671972"/>
+            <a:ext cx="5204058" cy="3897312"/>
+          </a:xfrm>
+          <a:prstGeom prst="rect">
+            <a:avLst/>
+          </a:prstGeom>
+        </p:spPr>
+      </p:pic>
+    </p:spTree>
+    <p:extLst>
+      <p:ext uri="{BB962C8B-B14F-4D97-AF65-F5344CB8AC3E}">
+        <p14:creationId xmlns:p14="http://schemas.microsoft.com/office/powerpoint/2010/main" val="689737510"/>
       </p:ext>
     </p:extLst>
   </p:cSld>
